--- a/meetings/2019_11_04_basic_papers/2019_11_04_basic_papers.pptx
+++ b/meetings/2019_11_04_basic_papers/2019_11_04_basic_papers.pptx
@@ -5,20 +5,22 @@
     <p:sldMasterId id="2147483648" r:id="rId1"/>
   </p:sldMasterIdLst>
   <p:notesMasterIdLst>
-    <p:notesMasterId r:id="rId11"/>
+    <p:notesMasterId r:id="rId12"/>
   </p:notesMasterIdLst>
   <p:handoutMasterIdLst>
-    <p:handoutMasterId r:id="rId12"/>
+    <p:handoutMasterId r:id="rId13"/>
   </p:handoutMasterIdLst>
   <p:sldIdLst>
-    <p:sldId id="256" r:id="rId3"/>
-    <p:sldId id="257" r:id="rId4"/>
-    <p:sldId id="258" r:id="rId5"/>
-    <p:sldId id="259" r:id="rId6"/>
-    <p:sldId id="260" r:id="rId7"/>
-    <p:sldId id="261" r:id="rId8"/>
-    <p:sldId id="262" r:id="rId9"/>
-    <p:sldId id="263" r:id="rId10"/>
+    <p:sldId id="256" r:id="rId2"/>
+    <p:sldId id="257" r:id="rId3"/>
+    <p:sldId id="258" r:id="rId4"/>
+    <p:sldId id="264" r:id="rId5"/>
+    <p:sldId id="265" r:id="rId6"/>
+    <p:sldId id="259" r:id="rId7"/>
+    <p:sldId id="260" r:id="rId8"/>
+    <p:sldId id="261" r:id="rId9"/>
+    <p:sldId id="262" r:id="rId10"/>
+    <p:sldId id="263" r:id="rId11"/>
   </p:sldIdLst>
   <p:sldSz cx="9144000" cy="6858000" type="screen4x3"/>
   <p:notesSz cx="6858000" cy="9144000"/>
@@ -147,6 +149,25 @@
       </a:defRPr>
     </a:lvl9pPr>
   </p:defaultTextStyle>
+  <p:extLst>
+    <p:ext uri="{EFAFB233-063F-42B5-8137-9DF3F51BA10A}">
+      <p15:sldGuideLst xmlns:p15="http://schemas.microsoft.com/office/powerpoint/2012/main">
+        <p15:guide id="1" orient="horz" pos="2159">
+          <p15:clr>
+            <a:srgbClr val="A4A3A4"/>
+          </p15:clr>
+        </p15:guide>
+        <p15:guide id="2" pos="2841">
+          <p15:clr>
+            <a:srgbClr val="A4A3A4"/>
+          </p15:clr>
+        </p15:guide>
+      </p15:sldGuideLst>
+    </p:ext>
+    <p:ext uri="{2D200454-40CA-4A62-9FC3-DE9A4176ACB9}">
+      <p15:notesGuideLst xmlns:p15="http://schemas.microsoft.com/office/powerpoint/2012/main"/>
+    </p:ext>
+  </p:extLst>
 </p:presentation>
 </file>
 
@@ -254,6 +275,7 @@
           <a:p>
             <a:fld id="{A32DC80D-291A-4ABB-A78B-0417274A267C}" type="datetime4">
               <a:rPr lang="de-DE"/>
+              <a:t>3. November 2019</a:t>
             </a:fld>
             <a:endParaRPr lang="de-DE"/>
           </a:p>
@@ -298,7 +320,6 @@
               <a:rPr lang="de-DE"/>
               <a:t>|  </a:t>
             </a:r>
-            <a:endParaRPr lang="de-DE"/>
           </a:p>
         </p:txBody>
       </p:sp>
@@ -343,6 +364,7 @@
             </a:r>
             <a:fld id="{C7CC2173-B0D1-45F1-9D54-E33B7353DA19}" type="slidenum">
               <a:rPr lang="de-DE"/>
+              <a:t>‹Nr.›</a:t>
             </a:fld>
             <a:endParaRPr lang="de-DE"/>
           </a:p>
@@ -357,7 +379,7 @@
           <p:nvPr/>
         </p:nvPicPr>
         <p:blipFill>
-          <a:blip r:embed="rId1" cstate="print"/>
+          <a:blip r:embed="rId2" cstate="print"/>
           <a:srcRect/>
           <a:stretch>
             <a:fillRect/>
@@ -546,7 +568,7 @@
           <p:nvPr/>
         </p:nvPicPr>
         <p:blipFill>
-          <a:blip r:embed="rId1"/>
+          <a:blip r:embed="rId2"/>
           <a:srcRect/>
           <a:stretch>
             <a:fillRect/>
@@ -603,6 +625,7 @@
           <a:p>
             <a:fld id="{065B079B-E513-489A-8A1B-D7C78493EA86}" type="datetime4">
               <a:rPr lang="de-DE"/>
+              <a:t>3. November 2019</a:t>
             </a:fld>
             <a:endParaRPr lang="de-DE"/>
           </a:p>
@@ -667,42 +690,37 @@
           <a:p>
             <a:pPr lvl="0"/>
             <a:r>
-              <a:rPr lang="de-DE" smtClean="0"/>
+              <a:rPr lang="de-DE"/>
               <a:t>Textmasterformate durch Klicken bearbeiten</a:t>
             </a:r>
-            <a:endParaRPr lang="de-DE" smtClean="0"/>
           </a:p>
           <a:p>
             <a:pPr lvl="1"/>
             <a:r>
-              <a:rPr lang="de-DE" smtClean="0"/>
+              <a:rPr lang="de-DE"/>
               <a:t>Zweite Ebene</a:t>
             </a:r>
-            <a:endParaRPr lang="de-DE" smtClean="0"/>
           </a:p>
           <a:p>
             <a:pPr lvl="2"/>
             <a:r>
-              <a:rPr lang="de-DE" smtClean="0"/>
+              <a:rPr lang="de-DE"/>
               <a:t>Dritte Ebene</a:t>
             </a:r>
-            <a:endParaRPr lang="de-DE" smtClean="0"/>
           </a:p>
           <a:p>
             <a:pPr lvl="3"/>
             <a:r>
-              <a:rPr lang="de-DE" smtClean="0"/>
+              <a:rPr lang="de-DE"/>
               <a:t>Vierte Ebene</a:t>
             </a:r>
-            <a:endParaRPr lang="de-DE" smtClean="0"/>
           </a:p>
           <a:p>
             <a:pPr lvl="4"/>
             <a:r>
-              <a:rPr lang="de-DE" smtClean="0"/>
+              <a:rPr lang="de-DE"/>
               <a:t>Fünfte Ebene</a:t>
             </a:r>
-            <a:endParaRPr lang="de-DE" smtClean="0"/>
           </a:p>
         </p:txBody>
       </p:sp>
@@ -748,7 +766,6 @@
               <a:rPr lang="de-DE"/>
               <a:t>|  </a:t>
             </a:r>
-            <a:endParaRPr lang="de-DE"/>
           </a:p>
         </p:txBody>
       </p:sp>
@@ -796,6 +813,7 @@
             </a:r>
             <a:fld id="{C36AA9A4-5D0B-4134-89A6-D8B9DAA4F25C}" type="slidenum">
               <a:rPr lang="de-DE"/>
+              <a:t>‹Nr.›</a:t>
             </a:fld>
             <a:endParaRPr lang="de-DE"/>
           </a:p>
@@ -1134,7 +1152,7 @@
 </file>
 
 <file path=ppt/slideLayouts/slideLayout1.xml><?xml version="1.0" encoding="utf-8"?>
-<p:sldLayout xmlns:a="http://schemas.openxmlformats.org/drawingml/2006/main" xmlns:r="http://schemas.openxmlformats.org/officeDocument/2006/relationships" xmlns:p="http://schemas.openxmlformats.org/presentationml/2006/main" preserve="1" showMasterSp="0" userDrawn="1">
+<p:sldLayout xmlns:a="http://schemas.openxmlformats.org/drawingml/2006/main" xmlns:r="http://schemas.openxmlformats.org/officeDocument/2006/relationships" xmlns:p="http://schemas.openxmlformats.org/presentationml/2006/main" showMasterSp="0" preserve="1" userDrawn="1">
   <p:cSld name="Titelfolie">
     <p:spTree>
       <p:nvGrpSpPr>
@@ -1218,10 +1236,9 @@
           </a:lstStyle>
           <a:p>
             <a:r>
-              <a:rPr lang="de-DE" dirty="0" smtClean="0"/>
+              <a:rPr lang="de-DE" dirty="0"/>
               <a:t>Formatvorlage des Untertitelmasters durch Klicken bearbeiten</a:t>
             </a:r>
-            <a:endParaRPr lang="de-DE" dirty="0"/>
           </a:p>
         </p:txBody>
       </p:sp>
@@ -1411,10 +1428,9 @@
           </a:lstStyle>
           <a:p>
             <a:r>
-              <a:rPr lang="de-DE" dirty="0" smtClean="0"/>
+              <a:rPr lang="de-DE" dirty="0"/>
               <a:t>Titelmasterformat durch Klicken bearbeiten</a:t>
             </a:r>
-            <a:endParaRPr lang="de-DE" dirty="0"/>
           </a:p>
         </p:txBody>
       </p:sp>
@@ -1472,9 +1488,10 @@
                 <a:ea typeface="+mn-ea"/>
                 <a:cs typeface="Tahoma" panose="020B0604030504040204" pitchFamily="34" charset="0"/>
               </a:rPr>
+              <a:t>03.11.19</a:t>
             </a:fld>
             <a:r>
-              <a:rPr kumimoji="0" lang="de-DE" sz="1000" b="0" i="0" u="none" strike="noStrike" kern="1200" cap="none" spc="0" normalizeH="0" baseline="0" noProof="0" dirty="0" smtClean="0">
+              <a:rPr kumimoji="0" lang="de-DE" sz="1000" b="0" i="0" u="none" strike="noStrike" kern="1200" cap="none" spc="0" normalizeH="0" baseline="0" noProof="0" dirty="0">
                 <a:ln>
                   <a:noFill/>
                 </a:ln>
@@ -1491,7 +1508,7 @@
               <a:t>  |  </a:t>
             </a:r>
             <a:r>
-              <a:rPr lang="de-DE" sz="1000" noProof="0" dirty="0" smtClean="0">
+              <a:rPr lang="de-DE" sz="1000" noProof="0" dirty="0">
                 <a:ln>
                   <a:noFill/>
                 </a:ln>
@@ -1505,7 +1522,7 @@
               <a:t>Fachbereich </a:t>
             </a:r>
             <a:r>
-              <a:rPr lang="en-US" altLang="de-DE" sz="1000" noProof="0" dirty="0" smtClean="0">
+              <a:rPr lang="en-US" altLang="de-DE" sz="1000" noProof="0" dirty="0">
                 <a:ln>
                   <a:noFill/>
                 </a:ln>
@@ -1519,7 +1536,7 @@
               <a:t>20 </a:t>
             </a:r>
             <a:r>
-              <a:rPr lang="de-DE" sz="1000" noProof="0" dirty="0" smtClean="0">
+              <a:rPr lang="de-DE" sz="1000" noProof="0" dirty="0">
                 <a:ln>
                   <a:noFill/>
                 </a:ln>
@@ -1530,24 +1547,10 @@
                 <a:cs typeface="Tahoma" panose="020B0604030504040204" pitchFamily="34" charset="0"/>
                 <a:sym typeface="+mn-ea"/>
               </a:rPr>
-              <a:t>|  Institut </a:t>
-            </a:r>
-            <a:r>
-              <a:rPr lang="de-DE" sz="1000" noProof="0" dirty="0" smtClean="0">
-                <a:ln>
-                  <a:noFill/>
-                </a:ln>
-                <a:effectLst/>
-                <a:uLnTx/>
-                <a:uFillTx/>
-                <a:latin typeface="+mn-lt"/>
-                <a:cs typeface="Tahoma" panose="020B0604030504040204" pitchFamily="34" charset="0"/>
-                <a:sym typeface="+mn-ea"/>
-              </a:rPr>
-              <a:t>Visual Inference La</a:t>
-            </a:r>
-            <a:r>
-              <a:rPr lang="en-US" altLang="de-DE" sz="1000" noProof="0" dirty="0" smtClean="0">
+              <a:t>|  Institut Visual Inference La</a:t>
+            </a:r>
+            <a:r>
+              <a:rPr lang="en-US" altLang="de-DE" sz="1000" noProof="0" dirty="0">
                 <a:ln>
                   <a:noFill/>
                 </a:ln>
@@ -1561,7 +1564,7 @@
               <a:t>b</a:t>
             </a:r>
             <a:r>
-              <a:rPr lang="de-DE" sz="1000" noProof="0" dirty="0" smtClean="0">
+              <a:rPr lang="de-DE" sz="1000" noProof="0" dirty="0">
                 <a:ln>
                   <a:noFill/>
                 </a:ln>
@@ -1572,24 +1575,10 @@
                 <a:cs typeface="Tahoma" panose="020B0604030504040204" pitchFamily="34" charset="0"/>
                 <a:sym typeface="+mn-ea"/>
               </a:rPr>
-              <a:t> </a:t>
-            </a:r>
-            <a:r>
-              <a:rPr lang="de-DE" sz="1000" noProof="0" dirty="0" smtClean="0">
-                <a:ln>
-                  <a:noFill/>
-                </a:ln>
-                <a:effectLst/>
-                <a:uLnTx/>
-                <a:uFillTx/>
-                <a:latin typeface="+mn-lt"/>
-                <a:cs typeface="Tahoma" panose="020B0604030504040204" pitchFamily="34" charset="0"/>
-                <a:sym typeface="+mn-ea"/>
-              </a:rPr>
-              <a:t>|  Prof. </a:t>
-            </a:r>
-            <a:r>
-              <a:rPr lang="en-US" altLang="de-DE" sz="1000" noProof="0" dirty="0" smtClean="0">
+              <a:t> |  Prof. </a:t>
+            </a:r>
+            <a:r>
+              <a:rPr lang="en-US" altLang="de-DE" sz="1000" noProof="0" dirty="0">
                 <a:ln>
                   <a:noFill/>
                 </a:ln>
@@ -1603,7 +1592,7 @@
               <a:t>Stefan Roth </a:t>
             </a:r>
             <a:r>
-              <a:rPr lang="de-DE" sz="1000" noProof="0" dirty="0" smtClean="0">
+              <a:rPr lang="de-DE" sz="1000" noProof="0" dirty="0">
                 <a:ln>
                   <a:noFill/>
                 </a:ln>
@@ -1632,8 +1621,9 @@
                 <a:cs typeface="Tahoma" panose="020B0604030504040204" pitchFamily="34" charset="0"/>
                 <a:sym typeface="+mn-ea"/>
               </a:rPr>
+              <a:t>‹Nr.›</a:t>
             </a:fld>
-            <a:endParaRPr kumimoji="0" lang="de-DE" sz="1000" b="0" i="0" u="none" strike="noStrike" kern="1200" cap="none" spc="0" normalizeH="0" baseline="0" noProof="0" dirty="0" smtClean="0">
+            <a:endParaRPr kumimoji="0" lang="de-DE" sz="1000" b="0" i="0" u="none" strike="noStrike" kern="1200" cap="none" spc="0" normalizeH="0" baseline="0" noProof="0" dirty="0">
               <a:ln>
                 <a:noFill/>
               </a:ln>
@@ -1747,10 +1737,9 @@
           <a:lstStyle/>
           <a:p>
             <a:r>
-              <a:rPr lang="de-DE" smtClean="0"/>
+              <a:rPr lang="de-DE"/>
               <a:t>Titelmasterformat durch Klicken bearbeiten</a:t>
             </a:r>
-            <a:endParaRPr lang="de-DE"/>
           </a:p>
         </p:txBody>
       </p:sp>
@@ -1776,42 +1765,37 @@
           <a:p>
             <a:pPr lvl="0"/>
             <a:r>
-              <a:rPr lang="de-DE" dirty="0" smtClean="0"/>
+              <a:rPr lang="de-DE" dirty="0"/>
               <a:t>Textmasterformate durch Klicken bearbeiten</a:t>
             </a:r>
-            <a:endParaRPr lang="de-DE" dirty="0" smtClean="0"/>
           </a:p>
           <a:p>
             <a:pPr lvl="1"/>
             <a:r>
-              <a:rPr lang="de-DE" dirty="0" smtClean="0"/>
+              <a:rPr lang="de-DE" dirty="0"/>
               <a:t>Zweite Ebene</a:t>
             </a:r>
-            <a:endParaRPr lang="de-DE" dirty="0" smtClean="0"/>
           </a:p>
           <a:p>
             <a:pPr lvl="2"/>
             <a:r>
-              <a:rPr lang="de-DE" dirty="0" smtClean="0"/>
+              <a:rPr lang="de-DE" dirty="0"/>
               <a:t>Dritte Ebene</a:t>
             </a:r>
-            <a:endParaRPr lang="de-DE" dirty="0" smtClean="0"/>
           </a:p>
           <a:p>
             <a:pPr lvl="3"/>
             <a:r>
-              <a:rPr lang="de-DE" dirty="0" smtClean="0"/>
+              <a:rPr lang="de-DE" dirty="0"/>
               <a:t>Vierte Ebene</a:t>
             </a:r>
-            <a:endParaRPr lang="de-DE" dirty="0" smtClean="0"/>
           </a:p>
           <a:p>
             <a:pPr lvl="4"/>
             <a:r>
-              <a:rPr lang="de-DE" dirty="0" smtClean="0"/>
+              <a:rPr lang="de-DE" dirty="0"/>
               <a:t>Fünfte Ebene</a:t>
             </a:r>
-            <a:endParaRPr lang="de-DE" dirty="0"/>
           </a:p>
         </p:txBody>
       </p:sp>
@@ -1865,10 +1849,9 @@
           </a:lstStyle>
           <a:p>
             <a:r>
-              <a:rPr lang="de-DE" dirty="0" smtClean="0"/>
+              <a:rPr lang="de-DE" dirty="0"/>
               <a:t>Titelmasterformat durch Klicken bearbeiten</a:t>
             </a:r>
-            <a:endParaRPr lang="de-DE" dirty="0"/>
           </a:p>
         </p:txBody>
       </p:sp>
@@ -1931,10 +1914,9 @@
           <a:p>
             <a:pPr lvl="0"/>
             <a:r>
-              <a:rPr lang="de-DE" smtClean="0"/>
+              <a:rPr lang="de-DE"/>
               <a:t>Textmasterformate durch Klicken bearbeiten</a:t>
             </a:r>
-            <a:endParaRPr lang="de-DE" smtClean="0"/>
           </a:p>
         </p:txBody>
       </p:sp>
@@ -1979,10 +1961,9 @@
           <a:lstStyle/>
           <a:p>
             <a:r>
-              <a:rPr lang="de-DE" smtClean="0"/>
+              <a:rPr lang="de-DE"/>
               <a:t>Titelmasterformat durch Klicken bearbeiten</a:t>
             </a:r>
-            <a:endParaRPr lang="de-DE"/>
           </a:p>
         </p:txBody>
       </p:sp>
@@ -2036,42 +2017,37 @@
           <a:p>
             <a:pPr lvl="0"/>
             <a:r>
-              <a:rPr lang="de-DE" dirty="0" smtClean="0"/>
+              <a:rPr lang="de-DE" dirty="0"/>
               <a:t>Textmasterformate durch Klicken bearbeiten</a:t>
             </a:r>
-            <a:endParaRPr lang="de-DE" dirty="0" smtClean="0"/>
           </a:p>
           <a:p>
             <a:pPr lvl="1"/>
             <a:r>
-              <a:rPr lang="de-DE" dirty="0" smtClean="0"/>
+              <a:rPr lang="de-DE" dirty="0"/>
               <a:t>Zweite Ebene</a:t>
             </a:r>
-            <a:endParaRPr lang="de-DE" dirty="0" smtClean="0"/>
           </a:p>
           <a:p>
             <a:pPr lvl="2"/>
             <a:r>
-              <a:rPr lang="de-DE" dirty="0" smtClean="0"/>
+              <a:rPr lang="de-DE" dirty="0"/>
               <a:t>Dritte Ebene</a:t>
             </a:r>
-            <a:endParaRPr lang="de-DE" dirty="0" smtClean="0"/>
           </a:p>
           <a:p>
             <a:pPr lvl="3"/>
             <a:r>
-              <a:rPr lang="de-DE" dirty="0" smtClean="0"/>
+              <a:rPr lang="de-DE" dirty="0"/>
               <a:t>Vierte Ebene</a:t>
             </a:r>
-            <a:endParaRPr lang="de-DE" dirty="0" smtClean="0"/>
           </a:p>
           <a:p>
             <a:pPr lvl="4"/>
             <a:r>
-              <a:rPr lang="de-DE" dirty="0" smtClean="0"/>
+              <a:rPr lang="de-DE" dirty="0"/>
               <a:t>Fünfte Ebene</a:t>
             </a:r>
-            <a:endParaRPr lang="de-DE" dirty="0"/>
           </a:p>
         </p:txBody>
       </p:sp>
@@ -2125,42 +2101,37 @@
           <a:p>
             <a:pPr lvl="0"/>
             <a:r>
-              <a:rPr lang="de-DE" dirty="0" smtClean="0"/>
+              <a:rPr lang="de-DE" dirty="0"/>
               <a:t>Textmasterformate durch Klicken bearbeiten</a:t>
             </a:r>
-            <a:endParaRPr lang="de-DE" dirty="0" smtClean="0"/>
           </a:p>
           <a:p>
             <a:pPr lvl="1"/>
             <a:r>
-              <a:rPr lang="de-DE" dirty="0" smtClean="0"/>
+              <a:rPr lang="de-DE" dirty="0"/>
               <a:t>Zweite Ebene</a:t>
             </a:r>
-            <a:endParaRPr lang="de-DE" dirty="0" smtClean="0"/>
           </a:p>
           <a:p>
             <a:pPr lvl="2"/>
             <a:r>
-              <a:rPr lang="de-DE" dirty="0" smtClean="0"/>
+              <a:rPr lang="de-DE" dirty="0"/>
               <a:t>Dritte Ebene</a:t>
             </a:r>
-            <a:endParaRPr lang="de-DE" dirty="0" smtClean="0"/>
           </a:p>
           <a:p>
             <a:pPr lvl="3"/>
             <a:r>
-              <a:rPr lang="de-DE" dirty="0" smtClean="0"/>
+              <a:rPr lang="de-DE" dirty="0"/>
               <a:t>Vierte Ebene</a:t>
             </a:r>
-            <a:endParaRPr lang="de-DE" dirty="0" smtClean="0"/>
           </a:p>
           <a:p>
             <a:pPr lvl="4"/>
             <a:r>
-              <a:rPr lang="de-DE" dirty="0" smtClean="0"/>
+              <a:rPr lang="de-DE" dirty="0"/>
               <a:t>Fünfte Ebene</a:t>
             </a:r>
-            <a:endParaRPr lang="de-DE" dirty="0"/>
           </a:p>
         </p:txBody>
       </p:sp>
@@ -2205,10 +2176,9 @@
           <a:lstStyle/>
           <a:p>
             <a:r>
-              <a:rPr lang="de-DE" dirty="0" smtClean="0"/>
+              <a:rPr lang="de-DE" dirty="0"/>
               <a:t>Titelmasterformat durch Klicken bearbeiten</a:t>
             </a:r>
-            <a:endParaRPr lang="de-DE" dirty="0"/>
           </a:p>
         </p:txBody>
       </p:sp>
@@ -2312,42 +2282,37 @@
           <a:p>
             <a:pPr lvl="0"/>
             <a:r>
-              <a:rPr lang="de-DE" dirty="0" smtClean="0"/>
+              <a:rPr lang="de-DE" dirty="0"/>
               <a:t>Textmasterformate durch Klicken bearbeiten</a:t>
             </a:r>
-            <a:endParaRPr lang="de-DE" dirty="0" smtClean="0"/>
           </a:p>
           <a:p>
             <a:pPr lvl="1"/>
             <a:r>
-              <a:rPr lang="de-DE" dirty="0" smtClean="0"/>
+              <a:rPr lang="de-DE" dirty="0"/>
               <a:t>Zweite Ebene</a:t>
             </a:r>
-            <a:endParaRPr lang="de-DE" dirty="0" smtClean="0"/>
           </a:p>
           <a:p>
             <a:pPr lvl="2"/>
             <a:r>
-              <a:rPr lang="de-DE" dirty="0" smtClean="0"/>
+              <a:rPr lang="de-DE" dirty="0"/>
               <a:t>Dritte Ebene</a:t>
             </a:r>
-            <a:endParaRPr lang="de-DE" dirty="0" smtClean="0"/>
           </a:p>
           <a:p>
             <a:pPr lvl="3"/>
             <a:r>
-              <a:rPr lang="de-DE" dirty="0" smtClean="0"/>
+              <a:rPr lang="de-DE" dirty="0"/>
               <a:t>Vierte Ebene</a:t>
             </a:r>
-            <a:endParaRPr lang="de-DE" dirty="0" smtClean="0"/>
           </a:p>
           <a:p>
             <a:pPr lvl="4"/>
             <a:r>
-              <a:rPr lang="de-DE" dirty="0" smtClean="0"/>
+              <a:rPr lang="de-DE" dirty="0"/>
               <a:t>Fünfte Ebene</a:t>
             </a:r>
-            <a:endParaRPr lang="de-DE" dirty="0"/>
           </a:p>
         </p:txBody>
       </p:sp>
@@ -2410,10 +2375,9 @@
           <a:p>
             <a:pPr lvl="0"/>
             <a:r>
-              <a:rPr lang="de-DE" dirty="0" smtClean="0"/>
+              <a:rPr lang="de-DE" dirty="0"/>
               <a:t>Textmasterformate durch Klicken bearbeiten</a:t>
             </a:r>
-            <a:endParaRPr lang="de-DE" dirty="0" smtClean="0"/>
           </a:p>
         </p:txBody>
       </p:sp>
@@ -2438,10 +2402,9 @@
           <a:lstStyle/>
           <a:p>
             <a:r>
-              <a:rPr lang="de-DE" smtClean="0"/>
+              <a:rPr lang="de-DE"/>
               <a:t>Titelmasterformat durch Klicken bearbeiten</a:t>
             </a:r>
-            <a:endParaRPr lang="de-DE"/>
           </a:p>
         </p:txBody>
       </p:sp>
@@ -2495,10 +2458,9 @@
           </a:lstStyle>
           <a:p>
             <a:r>
-              <a:rPr lang="de-DE" smtClean="0"/>
+              <a:rPr lang="de-DE"/>
               <a:t>Titelmasterformat durch Klicken bearbeiten</a:t>
             </a:r>
-            <a:endParaRPr lang="de-DE"/>
           </a:p>
         </p:txBody>
       </p:sp>
@@ -2560,10 +2522,9 @@
           </a:lstStyle>
           <a:p>
             <a:r>
-              <a:rPr lang="de-DE" smtClean="0"/>
+              <a:rPr lang="de-DE"/>
               <a:t>Bild durch Klicken auf Symbol hinzufügen</a:t>
             </a:r>
-            <a:endParaRPr lang="de-DE"/>
           </a:p>
         </p:txBody>
       </p:sp>
@@ -2626,10 +2587,9 @@
           <a:p>
             <a:pPr lvl="0"/>
             <a:r>
-              <a:rPr lang="de-DE" smtClean="0"/>
+              <a:rPr lang="de-DE"/>
               <a:t>Textmasterformate durch Klicken bearbeiten</a:t>
             </a:r>
-            <a:endParaRPr lang="de-DE" smtClean="0"/>
           </a:p>
         </p:txBody>
       </p:sp>
@@ -2731,10 +2691,9 @@
           <a:p>
             <a:pPr lvl="0"/>
             <a:r>
-              <a:rPr lang="de-DE" dirty="0" smtClean="0"/>
+              <a:rPr lang="de-DE" dirty="0"/>
               <a:t>Titelmasterformat durch Klicken bearbeiten</a:t>
             </a:r>
-            <a:endParaRPr lang="de-DE" dirty="0" smtClean="0"/>
           </a:p>
         </p:txBody>
       </p:sp>
@@ -2769,42 +2728,37 @@
           <a:p>
             <a:pPr lvl="0"/>
             <a:r>
-              <a:rPr lang="de-DE" dirty="0" smtClean="0"/>
+              <a:rPr lang="de-DE" dirty="0"/>
               <a:t>Textmasterformate durch Klicken bearbeiten</a:t>
             </a:r>
-            <a:endParaRPr lang="de-DE" dirty="0" smtClean="0"/>
           </a:p>
           <a:p>
             <a:pPr lvl="1"/>
             <a:r>
-              <a:rPr lang="de-DE" dirty="0" smtClean="0"/>
+              <a:rPr lang="de-DE" dirty="0"/>
               <a:t>Zweite Ebene</a:t>
             </a:r>
-            <a:endParaRPr lang="de-DE" dirty="0" smtClean="0"/>
           </a:p>
           <a:p>
             <a:pPr lvl="2"/>
             <a:r>
-              <a:rPr lang="de-DE" dirty="0" smtClean="0"/>
+              <a:rPr lang="de-DE" dirty="0"/>
               <a:t>Dritte Ebene</a:t>
             </a:r>
-            <a:endParaRPr lang="de-DE" dirty="0" smtClean="0"/>
           </a:p>
           <a:p>
             <a:pPr lvl="3"/>
             <a:r>
-              <a:rPr lang="de-DE" dirty="0" smtClean="0"/>
+              <a:rPr lang="de-DE" dirty="0"/>
               <a:t>Vierte Ebene</a:t>
             </a:r>
-            <a:endParaRPr lang="de-DE" dirty="0" smtClean="0"/>
           </a:p>
           <a:p>
             <a:pPr lvl="4"/>
             <a:r>
-              <a:rPr lang="de-DE" dirty="0" smtClean="0"/>
+              <a:rPr lang="de-DE" dirty="0"/>
               <a:t>Fünfte Ebene</a:t>
             </a:r>
-            <a:endParaRPr lang="de-DE" dirty="0" smtClean="0"/>
           </a:p>
         </p:txBody>
       </p:sp>
@@ -2852,7 +2806,7 @@
           <p:nvPr/>
         </p:nvPicPr>
         <p:blipFill>
-          <a:blip r:embed="rId9" cstate="print"/>
+          <a:blip r:embed="rId10" cstate="print"/>
           <a:srcRect r="5453"/>
           <a:stretch>
             <a:fillRect/>
@@ -3035,9 +2989,10 @@
                 <a:ea typeface="+mn-ea"/>
                 <a:cs typeface="Tahoma" panose="020B0604030504040204" pitchFamily="34" charset="0"/>
               </a:rPr>
+              <a:t>03.11.19</a:t>
             </a:fld>
             <a:r>
-              <a:rPr kumimoji="0" lang="de-DE" sz="1000" b="0" i="0" u="none" strike="noStrike" kern="1200" cap="none" spc="0" normalizeH="0" baseline="0" noProof="0" dirty="0" smtClean="0">
+              <a:rPr kumimoji="0" lang="de-DE" sz="1000" b="0" i="0" u="none" strike="noStrike" kern="1200" cap="none" spc="0" normalizeH="0" baseline="0" noProof="0" dirty="0">
                 <a:ln>
                   <a:noFill/>
                 </a:ln>
@@ -3054,7 +3009,7 @@
               <a:t>  |  Fachbereich </a:t>
             </a:r>
             <a:r>
-              <a:rPr kumimoji="0" lang="en-US" altLang="de-DE" sz="1000" b="0" i="0" u="none" strike="noStrike" kern="1200" cap="none" spc="0" normalizeH="0" baseline="0" noProof="0" dirty="0" smtClean="0">
+              <a:rPr kumimoji="0" lang="en-US" altLang="de-DE" sz="1000" b="0" i="0" u="none" strike="noStrike" kern="1200" cap="none" spc="0" normalizeH="0" baseline="0" noProof="0" dirty="0">
                 <a:ln>
                   <a:noFill/>
                 </a:ln>
@@ -3071,7 +3026,7 @@
               <a:t>20 </a:t>
             </a:r>
             <a:r>
-              <a:rPr kumimoji="0" lang="de-DE" sz="1000" b="0" i="0" u="none" strike="noStrike" kern="1200" cap="none" spc="0" normalizeH="0" baseline="0" noProof="0" dirty="0" smtClean="0">
+              <a:rPr kumimoji="0" lang="de-DE" sz="1000" b="0" i="0" u="none" strike="noStrike" kern="1200" cap="none" spc="0" normalizeH="0" baseline="0" noProof="0" dirty="0">
                 <a:ln>
                   <a:noFill/>
                 </a:ln>
@@ -3088,7 +3043,7 @@
               <a:t>|  Institut </a:t>
             </a:r>
             <a:r>
-              <a:rPr lang="de-DE" sz="1000" noProof="0" dirty="0" smtClean="0">
+              <a:rPr lang="de-DE" sz="1000" noProof="0" dirty="0">
                 <a:ln>
                   <a:noFill/>
                 </a:ln>
@@ -3102,7 +3057,7 @@
               <a:t>Visual Inference La</a:t>
             </a:r>
             <a:r>
-              <a:rPr lang="en-US" altLang="de-DE" sz="1000" noProof="0" dirty="0" smtClean="0">
+              <a:rPr lang="en-US" altLang="de-DE" sz="1000" noProof="0" dirty="0">
                 <a:ln>
                   <a:noFill/>
                 </a:ln>
@@ -3116,7 +3071,7 @@
               <a:t>b</a:t>
             </a:r>
             <a:r>
-              <a:rPr lang="de-DE" sz="1000" noProof="0" dirty="0" smtClean="0">
+              <a:rPr lang="de-DE" sz="1000" noProof="0" dirty="0">
                 <a:ln>
                   <a:noFill/>
                 </a:ln>
@@ -3130,7 +3085,7 @@
               <a:t> </a:t>
             </a:r>
             <a:r>
-              <a:rPr kumimoji="0" lang="de-DE" sz="1000" b="0" i="0" u="none" strike="noStrike" kern="1200" cap="none" spc="0" normalizeH="0" baseline="0" noProof="0" dirty="0" smtClean="0">
+              <a:rPr kumimoji="0" lang="de-DE" sz="1000" b="0" i="0" u="none" strike="noStrike" kern="1200" cap="none" spc="0" normalizeH="0" baseline="0" noProof="0" dirty="0">
                 <a:ln>
                   <a:noFill/>
                 </a:ln>
@@ -3147,7 +3102,7 @@
               <a:t>|  Prof. </a:t>
             </a:r>
             <a:r>
-              <a:rPr kumimoji="0" lang="en-US" altLang="de-DE" sz="1000" b="0" i="0" u="none" strike="noStrike" kern="1200" cap="none" spc="0" normalizeH="0" baseline="0" noProof="0" dirty="0" smtClean="0">
+              <a:rPr kumimoji="0" lang="en-US" altLang="de-DE" sz="1000" b="0" i="0" u="none" strike="noStrike" kern="1200" cap="none" spc="0" normalizeH="0" baseline="0" noProof="0" dirty="0">
                 <a:ln>
                   <a:noFill/>
                 </a:ln>
@@ -3164,7 +3119,7 @@
               <a:t>Stefan Roth </a:t>
             </a:r>
             <a:r>
-              <a:rPr kumimoji="0" lang="de-DE" sz="1000" b="0" i="0" u="none" strike="noStrike" kern="1200" cap="none" spc="0" normalizeH="0" baseline="0" noProof="0" dirty="0" smtClean="0">
+              <a:rPr kumimoji="0" lang="de-DE" sz="1000" b="0" i="0" u="none" strike="noStrike" kern="1200" cap="none" spc="0" normalizeH="0" baseline="0" noProof="0" dirty="0">
                 <a:ln>
                   <a:noFill/>
                 </a:ln>
@@ -3195,8 +3150,9 @@
                 <a:ea typeface="+mn-ea"/>
                 <a:cs typeface="Tahoma" panose="020B0604030504040204" pitchFamily="34" charset="0"/>
               </a:rPr>
+              <a:t>‹Nr.›</a:t>
             </a:fld>
-            <a:endParaRPr kumimoji="0" lang="de-DE" sz="1000" b="0" i="0" u="none" strike="noStrike" kern="1200" cap="none" spc="0" normalizeH="0" baseline="0" noProof="0" dirty="0" smtClean="0">
+            <a:endParaRPr kumimoji="0" lang="de-DE" sz="1000" b="0" i="0" u="none" strike="noStrike" kern="1200" cap="none" spc="0" normalizeH="0" baseline="0" noProof="0" dirty="0">
               <a:ln>
                 <a:noFill/>
               </a:ln>
@@ -3254,7 +3210,7 @@
           <p:nvPr userDrawn="1"/>
         </p:nvPicPr>
         <p:blipFill>
-          <a:blip r:embed="rId10"/>
+          <a:blip r:embed="rId11"/>
           <a:stretch>
             <a:fillRect/>
           </a:stretch>
@@ -3721,7 +3677,6 @@
               <a:rPr lang="en-US" altLang="de-DE" dirty="0"/>
               <a:t>Weekly Topic: Grasb the idea of s.o.t.a literature</a:t>
             </a:r>
-            <a:endParaRPr lang="en-US" altLang="de-DE" dirty="0"/>
           </a:p>
         </p:txBody>
       </p:sp>
@@ -3756,7 +3711,6 @@
               <a:rPr lang="en-US" altLang="de-DE" dirty="0"/>
               <a:t>Piecewise monocular depth estimation by plane fitting</a:t>
             </a:r>
-            <a:endParaRPr lang="en-US" altLang="de-DE" dirty="0"/>
           </a:p>
         </p:txBody>
       </p:sp>
@@ -3769,7 +3723,7 @@
           <p:nvPr/>
         </p:nvPicPr>
         <p:blipFill>
-          <a:blip r:embed="rId1"/>
+          <a:blip r:embed="rId2"/>
           <a:stretch>
             <a:fillRect/>
           </a:stretch>
@@ -3801,7 +3755,7 @@
           <p:nvPr/>
         </p:nvPicPr>
         <p:blipFill>
-          <a:blip r:embed="rId2"/>
+          <a:blip r:embed="rId3"/>
           <a:stretch>
             <a:fillRect/>
           </a:stretch>
@@ -3821,17 +3775,10 @@
   <p:clrMapOvr>
     <a:masterClrMapping/>
   </p:clrMapOvr>
-  <p:timing>
-    <p:tnLst>
-      <p:par>
-        <p:cTn id="1" dur="indefinite" restart="never" nodeType="tmRoot"/>
-      </p:par>
-    </p:tnLst>
-  </p:timing>
 </p:sld>
 </file>
 
-<file path=ppt/slides/slide2.xml><?xml version="1.0" encoding="utf-8"?>
+<file path=ppt/slides/slide10.xml><?xml version="1.0" encoding="utf-8"?>
 <p:sld xmlns:a="http://schemas.openxmlformats.org/drawingml/2006/main" xmlns:r="http://schemas.openxmlformats.org/officeDocument/2006/relationships" xmlns:p="http://schemas.openxmlformats.org/presentationml/2006/main">
   <p:cSld>
     <p:spTree>
@@ -3840,7 +3787,14 @@
         <p:cNvGrpSpPr/>
         <p:nvPr/>
       </p:nvGrpSpPr>
-      <p:grpSpPr/>
+      <p:grpSpPr>
+        <a:xfrm>
+          <a:off x="0" y="0"/>
+          <a:ext cx="0" cy="0"/>
+          <a:chOff x="0" y="0"/>
+          <a:chExt cx="0" cy="0"/>
+        </a:xfrm>
+      </p:grpSpPr>
       <p:sp>
         <p:nvSpPr>
           <p:cNvPr id="2" name="Title 1"/>
@@ -3854,19 +3808,21 @@
         <p:spPr/>
         <p:txBody>
           <a:bodyPr/>
+          <a:lstStyle/>
           <a:p>
             <a:r>
               <a:rPr lang="en-US"/>
-              <a:t>Superpixel Benchmarks</a:t>
-            </a:r>
-            <a:endParaRPr lang="en-US"/>
+              <a:t>m2_1 Unsupervised Learning of Depth and Ego-Motion from Video</a:t>
+            </a:r>
           </a:p>
         </p:txBody>
       </p:sp>
       <p:sp>
         <p:nvSpPr>
-          <p:cNvPr id="6" name="Content Placeholder 5"/>
-          <p:cNvSpPr/>
+          <p:cNvPr id="3" name="Content Placeholder 2"/>
+          <p:cNvSpPr>
+            <a:spLocks noGrp="1"/>
+          </p:cNvSpPr>
           <p:nvPr>
             <p:ph idx="1"/>
           </p:nvPr>
@@ -3874,6 +3830,73 @@
         <p:spPr/>
         <p:txBody>
           <a:bodyPr/>
+          <a:lstStyle/>
+          <a:p>
+            <a:endParaRPr lang="en-US"/>
+          </a:p>
+        </p:txBody>
+      </p:sp>
+    </p:spTree>
+  </p:cSld>
+  <p:clrMapOvr>
+    <a:masterClrMapping/>
+  </p:clrMapOvr>
+</p:sld>
+</file>
+
+<file path=ppt/slides/slide2.xml><?xml version="1.0" encoding="utf-8"?>
+<p:sld xmlns:a="http://schemas.openxmlformats.org/drawingml/2006/main" xmlns:r="http://schemas.openxmlformats.org/officeDocument/2006/relationships" xmlns:p="http://schemas.openxmlformats.org/presentationml/2006/main">
+  <p:cSld>
+    <p:spTree>
+      <p:nvGrpSpPr>
+        <p:cNvPr id="1" name=""/>
+        <p:cNvGrpSpPr/>
+        <p:nvPr/>
+      </p:nvGrpSpPr>
+      <p:grpSpPr>
+        <a:xfrm>
+          <a:off x="0" y="0"/>
+          <a:ext cx="0" cy="0"/>
+          <a:chOff x="0" y="0"/>
+          <a:chExt cx="0" cy="0"/>
+        </a:xfrm>
+      </p:grpSpPr>
+      <p:sp>
+        <p:nvSpPr>
+          <p:cNvPr id="2" name="Title 1"/>
+          <p:cNvSpPr>
+            <a:spLocks noGrp="1"/>
+          </p:cNvSpPr>
+          <p:nvPr>
+            <p:ph type="title"/>
+          </p:nvPr>
+        </p:nvSpPr>
+        <p:spPr/>
+        <p:txBody>
+          <a:bodyPr/>
+          <a:lstStyle/>
+          <a:p>
+            <a:r>
+              <a:rPr lang="en-US"/>
+              <a:t>Superpixel Benchmarks</a:t>
+            </a:r>
+          </a:p>
+        </p:txBody>
+      </p:sp>
+      <p:sp>
+        <p:nvSpPr>
+          <p:cNvPr id="6" name="Content Placeholder 5"/>
+          <p:cNvSpPr>
+            <a:spLocks noGrp="1"/>
+          </p:cNvSpPr>
+          <p:nvPr>
+            <p:ph idx="1"/>
+          </p:nvPr>
+        </p:nvSpPr>
+        <p:spPr/>
+        <p:txBody>
+          <a:bodyPr/>
+          <a:lstStyle/>
           <a:p>
             <a:endParaRPr lang="en-US"/>
           </a:p>
@@ -3896,7 +3919,50 @@
         <p:cNvGrpSpPr/>
         <p:nvPr/>
       </p:nvGrpSpPr>
-      <p:grpSpPr/>
+      <p:grpSpPr>
+        <a:xfrm>
+          <a:off x="0" y="0"/>
+          <a:ext cx="0" cy="0"/>
+          <a:chOff x="0" y="0"/>
+          <a:chExt cx="0" cy="0"/>
+        </a:xfrm>
+      </p:grpSpPr>
+      <p:pic>
+        <p:nvPicPr>
+          <p:cNvPr id="9" name="Grafik 8">
+            <a:extLst>
+              <a:ext uri="{FF2B5EF4-FFF2-40B4-BE49-F238E27FC236}">
+                <a16:creationId xmlns:a16="http://schemas.microsoft.com/office/drawing/2014/main" id="{294A86B1-35EB-1D4F-86BD-543CF62C8C8B}"/>
+              </a:ext>
+            </a:extLst>
+          </p:cNvPr>
+          <p:cNvPicPr>
+            <a:picLocks noChangeAspect="1"/>
+          </p:cNvPicPr>
+          <p:nvPr/>
+        </p:nvPicPr>
+        <p:blipFill>
+          <a:blip r:embed="rId2">
+            <a:extLst>
+              <a:ext uri="{28A0092B-C50C-407E-A947-70E740481C1C}">
+                <a14:useLocalDpi xmlns:a14="http://schemas.microsoft.com/office/drawing/2010/main" val="0"/>
+              </a:ext>
+            </a:extLst>
+          </a:blip>
+          <a:stretch>
+            <a:fillRect/>
+          </a:stretch>
+        </p:blipFill>
+        <p:spPr>
+          <a:xfrm>
+            <a:off x="5046675" y="2841176"/>
+            <a:ext cx="2920980" cy="2920980"/>
+          </a:xfrm>
+          <a:prstGeom prst="rect">
+            <a:avLst/>
+          </a:prstGeom>
+        </p:spPr>
+      </p:pic>
       <p:sp>
         <p:nvSpPr>
           <p:cNvPr id="2" name="Title 1"/>
@@ -3910,33 +3976,706 @@
         <p:spPr/>
         <p:txBody>
           <a:bodyPr/>
-          <a:p>
-            <a:r>
-              <a:rPr lang="en-US"/>
-              <a:t>s1 SLIC </a:t>
-            </a:r>
-            <a:endParaRPr lang="en-US"/>
+          <a:lstStyle/>
+          <a:p>
+            <a:r>
+              <a:rPr lang="en-US" dirty="0"/>
+              <a:t>s1 SLIC- Simple linear iterative clustering </a:t>
+            </a:r>
+          </a:p>
+        </p:txBody>
+      </p:sp>
+      <mc:AlternateContent xmlns:mc="http://schemas.openxmlformats.org/markup-compatibility/2006" xmlns:a14="http://schemas.microsoft.com/office/drawing/2010/main">
+        <mc:Choice Requires="a14">
+          <p:sp>
+            <p:nvSpPr>
+              <p:cNvPr id="4" name="Textfeld 3">
+                <a:extLst>
+                  <a:ext uri="{FF2B5EF4-FFF2-40B4-BE49-F238E27FC236}">
+                    <a16:creationId xmlns:a16="http://schemas.microsoft.com/office/drawing/2014/main" id="{F3CCCEE2-048B-E042-9215-1DCDC72685DB}"/>
+                  </a:ext>
+                </a:extLst>
+              </p:cNvPr>
+              <p:cNvSpPr txBox="1"/>
+              <p:nvPr/>
+            </p:nvSpPr>
+            <p:spPr>
+              <a:xfrm>
+                <a:off x="179512" y="1628800"/>
+                <a:ext cx="4891083" cy="1200329"/>
+              </a:xfrm>
+              <a:prstGeom prst="rect">
+                <a:avLst/>
+              </a:prstGeom>
+              <a:noFill/>
+            </p:spPr>
+            <p:txBody>
+              <a:bodyPr wrap="none" rtlCol="0">
+                <a:spAutoFit/>
+              </a:bodyPr>
+              <a:lstStyle/>
+              <a:p>
+                <a:r>
+                  <a:rPr lang="de-DE" dirty="0"/>
+                  <a:t>Clustering </a:t>
+                </a:r>
+                <a:r>
+                  <a:rPr lang="de-DE" dirty="0" err="1"/>
+                  <a:t>pixels</a:t>
+                </a:r>
+                <a:r>
+                  <a:rPr lang="de-DE" dirty="0"/>
+                  <a:t> </a:t>
+                </a:r>
+                <a:r>
+                  <a:rPr lang="de-DE" dirty="0" err="1"/>
+                  <a:t>based</a:t>
+                </a:r>
+                <a:r>
+                  <a:rPr lang="de-DE" dirty="0"/>
+                  <a:t> on </a:t>
+                </a:r>
+                <a:r>
+                  <a:rPr lang="de-DE" dirty="0" err="1"/>
+                  <a:t>color</a:t>
+                </a:r>
+                <a:r>
+                  <a:rPr lang="de-DE" dirty="0"/>
+                  <a:t> </a:t>
+                </a:r>
+                <a:r>
+                  <a:rPr lang="de-DE" dirty="0" err="1"/>
+                  <a:t>and</a:t>
+                </a:r>
+                <a:r>
+                  <a:rPr lang="de-DE" dirty="0"/>
+                  <a:t> </a:t>
+                </a:r>
+                <a:r>
+                  <a:rPr lang="de-DE" dirty="0" err="1"/>
+                  <a:t>proximity</a:t>
+                </a:r>
+                <a:endParaRPr lang="de-DE" dirty="0"/>
+              </a:p>
+              <a:p>
+                <a:pPr marL="285750" indent="-285750">
+                  <a:buFont typeface="Arial" panose="020B0604020202020204" pitchFamily="34" charset="0"/>
+                  <a:buChar char="•"/>
+                </a:pPr>
+                <a:r>
+                  <a:rPr lang="de-DE" dirty="0"/>
+                  <a:t>5D </a:t>
+                </a:r>
+                <a:r>
+                  <a:rPr lang="de-DE" dirty="0" err="1"/>
+                  <a:t>space</a:t>
+                </a:r>
+                <a:r>
+                  <a:rPr lang="de-DE" dirty="0"/>
+                  <a:t> [</a:t>
+                </a:r>
+                <a:r>
+                  <a:rPr lang="de-DE" dirty="0" err="1"/>
+                  <a:t>l,a,b,x,y</a:t>
+                </a:r>
+                <a:r>
+                  <a:rPr lang="de-DE" dirty="0"/>
+                  <a:t>]</a:t>
+                </a:r>
+              </a:p>
+              <a:p>
+                <a:pPr marL="285750" indent="-285750">
+                  <a:buFont typeface="Arial" panose="020B0604020202020204" pitchFamily="34" charset="0"/>
+                  <a:buChar char="•"/>
+                </a:pPr>
+                <a:r>
+                  <a:rPr lang="de-DE" dirty="0"/>
+                  <a:t>[</a:t>
+                </a:r>
+                <a:r>
+                  <a:rPr lang="de-DE" dirty="0" err="1"/>
+                  <a:t>x,y</a:t>
+                </a:r>
+                <a:r>
+                  <a:rPr lang="de-DE" dirty="0"/>
+                  <a:t>] </a:t>
+                </a:r>
+                <a14:m>
+                  <m:oMath xmlns:m="http://schemas.openxmlformats.org/officeDocument/2006/math">
+                    <m:r>
+                      <a:rPr lang="de-DE" i="1" smtClean="0">
+                        <a:latin typeface="Cambria Math" panose="02040503050406030204" pitchFamily="18" charset="0"/>
+                        <a:ea typeface="Cambria Math" panose="02040503050406030204" pitchFamily="18" charset="0"/>
+                      </a:rPr>
+                      <m:t>≜</m:t>
+                    </m:r>
+                    <m:r>
+                      <a:rPr lang="de-DE" b="0" i="1" smtClean="0">
+                        <a:latin typeface="Cambria Math" panose="02040503050406030204" pitchFamily="18" charset="0"/>
+                        <a:ea typeface="Cambria Math" panose="02040503050406030204" pitchFamily="18" charset="0"/>
+                      </a:rPr>
+                      <m:t>𝐶𝑜𝑜𝑟𝑑𝑖𝑛𝑎𝑡𝑒𝑠</m:t>
+                    </m:r>
+                    <m:r>
+                      <a:rPr lang="de-DE" b="0" i="1" smtClean="0">
+                        <a:latin typeface="Cambria Math" panose="02040503050406030204" pitchFamily="18" charset="0"/>
+                        <a:ea typeface="Cambria Math" panose="02040503050406030204" pitchFamily="18" charset="0"/>
+                      </a:rPr>
+                      <m:t> </m:t>
+                    </m:r>
+                    <m:r>
+                      <a:rPr lang="de-DE" b="0" i="1" smtClean="0">
+                        <a:latin typeface="Cambria Math" panose="02040503050406030204" pitchFamily="18" charset="0"/>
+                        <a:ea typeface="Cambria Math" panose="02040503050406030204" pitchFamily="18" charset="0"/>
+                      </a:rPr>
+                      <m:t>𝑖𝑛</m:t>
+                    </m:r>
+                    <m:r>
+                      <a:rPr lang="de-DE" b="0" i="1" smtClean="0">
+                        <a:latin typeface="Cambria Math" panose="02040503050406030204" pitchFamily="18" charset="0"/>
+                        <a:ea typeface="Cambria Math" panose="02040503050406030204" pitchFamily="18" charset="0"/>
+                      </a:rPr>
+                      <m:t> </m:t>
+                    </m:r>
+                    <m:r>
+                      <a:rPr lang="de-DE" b="0" i="1" smtClean="0">
+                        <a:latin typeface="Cambria Math" panose="02040503050406030204" pitchFamily="18" charset="0"/>
+                        <a:ea typeface="Cambria Math" panose="02040503050406030204" pitchFamily="18" charset="0"/>
+                      </a:rPr>
+                      <m:t>𝑖𝑚𝑎𝑔𝑒</m:t>
+                    </m:r>
+                    <m:r>
+                      <a:rPr lang="de-DE" b="0" i="1" smtClean="0">
+                        <a:latin typeface="Cambria Math" panose="02040503050406030204" pitchFamily="18" charset="0"/>
+                        <a:ea typeface="Cambria Math" panose="02040503050406030204" pitchFamily="18" charset="0"/>
+                      </a:rPr>
+                      <m:t> </m:t>
+                    </m:r>
+                    <m:r>
+                      <a:rPr lang="de-DE" b="0" i="1" smtClean="0">
+                        <a:latin typeface="Cambria Math" panose="02040503050406030204" pitchFamily="18" charset="0"/>
+                        <a:ea typeface="Cambria Math" panose="02040503050406030204" pitchFamily="18" charset="0"/>
+                      </a:rPr>
+                      <m:t>𝑝𝑙𝑎𝑛𝑒</m:t>
+                    </m:r>
+                  </m:oMath>
+                </a14:m>
+                <a:endParaRPr lang="de-DE" b="0" dirty="0">
+                  <a:ea typeface="Cambria Math" panose="02040503050406030204" pitchFamily="18" charset="0"/>
+                </a:endParaRPr>
+              </a:p>
+              <a:p>
+                <a:pPr marL="285750" indent="-285750">
+                  <a:buFont typeface="Arial" panose="020B0604020202020204" pitchFamily="34" charset="0"/>
+                  <a:buChar char="•"/>
+                </a:pPr>
+                <a:r>
+                  <a:rPr lang="de-DE" dirty="0"/>
+                  <a:t>[</a:t>
+                </a:r>
+                <a:r>
+                  <a:rPr lang="de-DE" dirty="0" err="1"/>
+                  <a:t>l,a,b</a:t>
+                </a:r>
+                <a:r>
+                  <a:rPr lang="de-DE" dirty="0"/>
+                  <a:t>] </a:t>
+                </a:r>
+                <a14:m>
+                  <m:oMath xmlns:m="http://schemas.openxmlformats.org/officeDocument/2006/math">
+                    <m:r>
+                      <a:rPr lang="de-DE" i="1">
+                        <a:latin typeface="Cambria Math" panose="02040503050406030204" pitchFamily="18" charset="0"/>
+                        <a:ea typeface="Cambria Math" panose="02040503050406030204" pitchFamily="18" charset="0"/>
+                      </a:rPr>
+                      <m:t>≜</m:t>
+                    </m:r>
+                    <m:r>
+                      <m:rPr>
+                        <m:nor/>
+                      </m:rPr>
+                      <a:rPr lang="de-DE" b="0" i="0" smtClean="0">
+                        <a:latin typeface="Cambria Math" panose="02040503050406030204" pitchFamily="18" charset="0"/>
+                        <a:ea typeface="Cambria Math" panose="02040503050406030204" pitchFamily="18" charset="0"/>
+                      </a:rPr>
+                      <m:t>Color</m:t>
+                    </m:r>
+                    <m:r>
+                      <m:rPr>
+                        <m:nor/>
+                      </m:rPr>
+                      <a:rPr lang="de-DE" b="0" i="0" smtClean="0">
+                        <a:latin typeface="Cambria Math" panose="02040503050406030204" pitchFamily="18" charset="0"/>
+                        <a:ea typeface="Cambria Math" panose="02040503050406030204" pitchFamily="18" charset="0"/>
+                      </a:rPr>
+                      <m:t> </m:t>
+                    </m:r>
+                    <m:r>
+                      <m:rPr>
+                        <m:nor/>
+                      </m:rPr>
+                      <a:rPr lang="de-DE" b="0" i="0" smtClean="0">
+                        <a:latin typeface="Cambria Math" panose="02040503050406030204" pitchFamily="18" charset="0"/>
+                        <a:ea typeface="Cambria Math" panose="02040503050406030204" pitchFamily="18" charset="0"/>
+                      </a:rPr>
+                      <m:t>in</m:t>
+                    </m:r>
+                    <m:r>
+                      <m:rPr>
+                        <m:nor/>
+                      </m:rPr>
+                      <a:rPr lang="de-DE" b="0" i="0" smtClean="0">
+                        <a:latin typeface="Cambria Math" panose="02040503050406030204" pitchFamily="18" charset="0"/>
+                        <a:ea typeface="Cambria Math" panose="02040503050406030204" pitchFamily="18" charset="0"/>
+                      </a:rPr>
+                      <m:t> </m:t>
+                    </m:r>
+                    <m:r>
+                      <m:rPr>
+                        <m:nor/>
+                      </m:rPr>
+                      <a:rPr lang="de-DE" b="0" i="0" smtClean="0">
+                        <a:latin typeface="Cambria Math" panose="02040503050406030204" pitchFamily="18" charset="0"/>
+                        <a:ea typeface="Cambria Math" panose="02040503050406030204" pitchFamily="18" charset="0"/>
+                      </a:rPr>
+                      <m:t>CIELAB</m:t>
+                    </m:r>
+                    <m:r>
+                      <m:rPr>
+                        <m:nor/>
+                      </m:rPr>
+                      <a:rPr lang="de-DE" b="0" i="0" smtClean="0">
+                        <a:latin typeface="Cambria Math" panose="02040503050406030204" pitchFamily="18" charset="0"/>
+                        <a:ea typeface="Cambria Math" panose="02040503050406030204" pitchFamily="18" charset="0"/>
+                      </a:rPr>
+                      <m:t>−</m:t>
+                    </m:r>
+                    <m:r>
+                      <m:rPr>
+                        <m:nor/>
+                      </m:rPr>
+                      <a:rPr lang="de-DE" b="0" i="0" smtClean="0">
+                        <a:latin typeface="Cambria Math" panose="02040503050406030204" pitchFamily="18" charset="0"/>
+                        <a:ea typeface="Cambria Math" panose="02040503050406030204" pitchFamily="18" charset="0"/>
+                      </a:rPr>
+                      <m:t>space</m:t>
+                    </m:r>
+                  </m:oMath>
+                </a14:m>
+                <a:endParaRPr lang="de-DE" dirty="0"/>
+              </a:p>
+            </p:txBody>
+          </p:sp>
+        </mc:Choice>
+        <mc:Fallback xmlns="">
+          <p:sp>
+            <p:nvSpPr>
+              <p:cNvPr id="4" name="Textfeld 3">
+                <a:extLst>
+                  <a:ext uri="{FF2B5EF4-FFF2-40B4-BE49-F238E27FC236}">
+                    <a16:creationId xmlns:a16="http://schemas.microsoft.com/office/drawing/2014/main" id="{F3CCCEE2-048B-E042-9215-1DCDC72685DB}"/>
+                  </a:ext>
+                </a:extLst>
+              </p:cNvPr>
+              <p:cNvSpPr txBox="1">
+                <a:spLocks noRot="1" noChangeAspect="1" noMove="1" noResize="1" noEditPoints="1" noAdjustHandles="1" noChangeArrowheads="1" noChangeShapeType="1" noTextEdit="1"/>
+              </p:cNvSpPr>
+              <p:nvPr/>
+            </p:nvSpPr>
+            <p:spPr>
+              <a:xfrm>
+                <a:off x="179512" y="1628800"/>
+                <a:ext cx="4891083" cy="1200329"/>
+              </a:xfrm>
+              <a:prstGeom prst="rect">
+                <a:avLst/>
+              </a:prstGeom>
+              <a:blipFill>
+                <a:blip r:embed="rId3"/>
+                <a:stretch>
+                  <a:fillRect l="-777" t="-1042" b="-5208"/>
+                </a:stretch>
+              </a:blipFill>
+            </p:spPr>
+            <p:txBody>
+              <a:bodyPr/>
+              <a:lstStyle/>
+              <a:p>
+                <a:r>
+                  <a:rPr lang="de-DE">
+                    <a:noFill/>
+                  </a:rPr>
+                  <a:t> </a:t>
+                </a:r>
+              </a:p>
+            </p:txBody>
+          </p:sp>
+        </mc:Fallback>
+      </mc:AlternateContent>
+      <p:pic>
+        <p:nvPicPr>
+          <p:cNvPr id="6" name="Grafik 5">
+            <a:extLst>
+              <a:ext uri="{FF2B5EF4-FFF2-40B4-BE49-F238E27FC236}">
+                <a16:creationId xmlns:a16="http://schemas.microsoft.com/office/drawing/2014/main" id="{E3AD3ED1-2677-DB44-83A4-840528317920}"/>
+              </a:ext>
+            </a:extLst>
+          </p:cNvPr>
+          <p:cNvPicPr>
+            <a:picLocks noChangeAspect="1"/>
+          </p:cNvPicPr>
+          <p:nvPr/>
+        </p:nvPicPr>
+        <p:blipFill>
+          <a:blip r:embed="rId4">
+            <a:extLst>
+              <a:ext uri="{28A0092B-C50C-407E-A947-70E740481C1C}">
+                <a14:useLocalDpi xmlns:a14="http://schemas.microsoft.com/office/drawing/2010/main" val="0"/>
+              </a:ext>
+            </a:extLst>
+          </a:blip>
+          <a:stretch>
+            <a:fillRect/>
+          </a:stretch>
+        </p:blipFill>
+        <p:spPr>
+          <a:xfrm>
+            <a:off x="890598" y="3130779"/>
+            <a:ext cx="3028128" cy="2530469"/>
+          </a:xfrm>
+          <a:prstGeom prst="rect">
+            <a:avLst/>
+          </a:prstGeom>
+        </p:spPr>
+      </p:pic>
+      <p:sp>
+        <p:nvSpPr>
+          <p:cNvPr id="7" name="Textfeld 6">
+            <a:extLst>
+              <a:ext uri="{FF2B5EF4-FFF2-40B4-BE49-F238E27FC236}">
+                <a16:creationId xmlns:a16="http://schemas.microsoft.com/office/drawing/2014/main" id="{5DCFEB8E-A0A0-4F41-9861-FC4A3040A9BA}"/>
+              </a:ext>
+            </a:extLst>
+          </p:cNvPr>
+          <p:cNvSpPr txBox="1"/>
+          <p:nvPr/>
+        </p:nvSpPr>
+        <p:spPr>
+          <a:xfrm>
+            <a:off x="890598" y="5701288"/>
+            <a:ext cx="1728192" cy="523220"/>
+          </a:xfrm>
+          <a:prstGeom prst="rect">
+            <a:avLst/>
+          </a:prstGeom>
+          <a:noFill/>
+        </p:spPr>
+        <p:txBody>
+          <a:bodyPr wrap="square" rtlCol="0">
+            <a:spAutoFit/>
+          </a:bodyPr>
+          <a:lstStyle/>
+          <a:p>
+            <a:r>
+              <a:rPr lang="de-DE" sz="700" dirty="0"/>
+              <a:t>https://www.researchgate.net/figure/</a:t>
+            </a:r>
+          </a:p>
+          <a:p>
+            <a:r>
+              <a:rPr lang="de-DE" sz="700" dirty="0"/>
+              <a:t>A-digital-image-is-a-2D-array-of-pixels</a:t>
+            </a:r>
+          </a:p>
+          <a:p>
+            <a:r>
+              <a:rPr lang="de-DE" sz="700" dirty="0"/>
+              <a:t>-Each-pixel-is-characterised-by-its-x-y_fig1_221918148</a:t>
+            </a:r>
           </a:p>
         </p:txBody>
       </p:sp>
       <p:sp>
         <p:nvSpPr>
-          <p:cNvPr id="3" name="Content Placeholder 2"/>
-          <p:cNvSpPr>
-            <a:spLocks noGrp="1"/>
-          </p:cNvSpPr>
-          <p:nvPr>
-            <p:ph idx="1"/>
-          </p:nvPr>
+          <p:cNvPr id="11" name="Textfeld 10">
+            <a:extLst>
+              <a:ext uri="{FF2B5EF4-FFF2-40B4-BE49-F238E27FC236}">
+                <a16:creationId xmlns:a16="http://schemas.microsoft.com/office/drawing/2014/main" id="{82A35C09-D8CE-DB46-8850-DE654BC4212D}"/>
+              </a:ext>
+            </a:extLst>
+          </p:cNvPr>
+          <p:cNvSpPr txBox="1"/>
+          <p:nvPr/>
         </p:nvSpPr>
-        <p:spPr/>
+        <p:spPr>
+          <a:xfrm>
+            <a:off x="5338768" y="5809010"/>
+            <a:ext cx="1728192" cy="415498"/>
+          </a:xfrm>
+          <a:prstGeom prst="rect">
+            <a:avLst/>
+          </a:prstGeom>
+          <a:noFill/>
+        </p:spPr>
         <p:txBody>
-          <a:bodyPr/>
-          <a:p>
-            <a:endParaRPr lang="en-US"/>
+          <a:bodyPr wrap="square" rtlCol="0">
+            <a:spAutoFit/>
+          </a:bodyPr>
+          <a:lstStyle/>
+          <a:p>
+            <a:r>
+              <a:rPr lang="de-DE" sz="700" dirty="0"/>
+              <a:t>https://</a:t>
+            </a:r>
+            <a:r>
+              <a:rPr lang="de-DE" sz="700" dirty="0" err="1"/>
+              <a:t>www.heise.de</a:t>
+            </a:r>
+            <a:r>
+              <a:rPr lang="de-DE" sz="700" dirty="0"/>
+              <a:t>/ct/</a:t>
+            </a:r>
+            <a:r>
+              <a:rPr lang="de-DE" sz="700" dirty="0" err="1"/>
+              <a:t>imgs</a:t>
+            </a:r>
+            <a:r>
+              <a:rPr lang="de-DE" sz="700" dirty="0"/>
+              <a:t>/04/1/4/8/7/2/5/1/Lab-Farbraum-ead9d79b2a394144.jpeg</a:t>
+            </a:r>
           </a:p>
         </p:txBody>
       </p:sp>
+      <p:sp>
+        <p:nvSpPr>
+          <p:cNvPr id="12" name="Rechteck 11">
+            <a:extLst>
+              <a:ext uri="{FF2B5EF4-FFF2-40B4-BE49-F238E27FC236}">
+                <a16:creationId xmlns:a16="http://schemas.microsoft.com/office/drawing/2014/main" id="{85AEDFED-5DEE-DD4D-B2E3-53B949D36D31}"/>
+              </a:ext>
+            </a:extLst>
+          </p:cNvPr>
+          <p:cNvSpPr/>
+          <p:nvPr/>
+        </p:nvSpPr>
+        <p:spPr>
+          <a:xfrm>
+            <a:off x="6202864" y="5532111"/>
+            <a:ext cx="549750" cy="216201"/>
+          </a:xfrm>
+          <a:prstGeom prst="rect">
+            <a:avLst/>
+          </a:prstGeom>
+          <a:solidFill>
+            <a:schemeClr val="bg1"/>
+          </a:solidFill>
+          <a:ln>
+            <a:solidFill>
+              <a:schemeClr val="bg1"/>
+            </a:solidFill>
+          </a:ln>
+        </p:spPr>
+        <p:style>
+          <a:lnRef idx="2">
+            <a:schemeClr val="accent1">
+              <a:shade val="50000"/>
+            </a:schemeClr>
+          </a:lnRef>
+          <a:fillRef idx="1">
+            <a:schemeClr val="accent1"/>
+          </a:fillRef>
+          <a:effectRef idx="0">
+            <a:schemeClr val="accent1"/>
+          </a:effectRef>
+          <a:fontRef idx="minor">
+            <a:schemeClr val="lt1"/>
+          </a:fontRef>
+        </p:style>
+        <p:txBody>
+          <a:bodyPr rtlCol="0" anchor="ctr"/>
+          <a:lstStyle/>
+          <a:p>
+            <a:pPr algn="ctr"/>
+            <a:r>
+              <a:rPr lang="de-DE" sz="1200" dirty="0" err="1">
+                <a:solidFill>
+                  <a:schemeClr val="tx1"/>
+                </a:solidFill>
+              </a:rPr>
+              <a:t>black</a:t>
+            </a:r>
+            <a:endParaRPr lang="de-DE" sz="1200" dirty="0">
+              <a:solidFill>
+                <a:schemeClr val="tx1"/>
+              </a:solidFill>
+            </a:endParaRPr>
+          </a:p>
+        </p:txBody>
+      </p:sp>
+      <p:sp>
+        <p:nvSpPr>
+          <p:cNvPr id="13" name="Rechteck 12">
+            <a:extLst>
+              <a:ext uri="{FF2B5EF4-FFF2-40B4-BE49-F238E27FC236}">
+                <a16:creationId xmlns:a16="http://schemas.microsoft.com/office/drawing/2014/main" id="{E5E8AF95-CAAF-E247-B3F3-037B3AAD1EAF}"/>
+              </a:ext>
+            </a:extLst>
+          </p:cNvPr>
+          <p:cNvSpPr/>
+          <p:nvPr/>
+        </p:nvSpPr>
+        <p:spPr>
+          <a:xfrm>
+            <a:off x="6202864" y="2941835"/>
+            <a:ext cx="608601" cy="152717"/>
+          </a:xfrm>
+          <a:prstGeom prst="rect">
+            <a:avLst/>
+          </a:prstGeom>
+          <a:solidFill>
+            <a:schemeClr val="bg1"/>
+          </a:solidFill>
+          <a:ln>
+            <a:solidFill>
+              <a:schemeClr val="bg1"/>
+            </a:solidFill>
+          </a:ln>
+        </p:spPr>
+        <p:style>
+          <a:lnRef idx="2">
+            <a:schemeClr val="accent1">
+              <a:shade val="50000"/>
+            </a:schemeClr>
+          </a:lnRef>
+          <a:fillRef idx="1">
+            <a:schemeClr val="accent1"/>
+          </a:fillRef>
+          <a:effectRef idx="0">
+            <a:schemeClr val="accent1"/>
+          </a:effectRef>
+          <a:fontRef idx="minor">
+            <a:schemeClr val="lt1"/>
+          </a:fontRef>
+        </p:style>
+        <p:txBody>
+          <a:bodyPr rtlCol="0" anchor="ctr"/>
+          <a:lstStyle/>
+          <a:p>
+            <a:pPr algn="ctr"/>
+            <a:r>
+              <a:rPr lang="de-DE" sz="1200" dirty="0" err="1">
+                <a:solidFill>
+                  <a:schemeClr val="tx1"/>
+                </a:solidFill>
+              </a:rPr>
+              <a:t>white</a:t>
+            </a:r>
+            <a:endParaRPr lang="de-DE" sz="1200" dirty="0">
+              <a:solidFill>
+                <a:schemeClr val="tx1"/>
+              </a:solidFill>
+            </a:endParaRPr>
+          </a:p>
+        </p:txBody>
+      </p:sp>
+      <mc:AlternateContent xmlns:mc="http://schemas.openxmlformats.org/markup-compatibility/2006" xmlns:a14="http://schemas.microsoft.com/office/drawing/2010/main">
+        <mc:Choice Requires="a14">
+          <p:sp>
+            <p:nvSpPr>
+              <p:cNvPr id="20" name="Textfeld 19">
+                <a:extLst>
+                  <a:ext uri="{FF2B5EF4-FFF2-40B4-BE49-F238E27FC236}">
+                    <a16:creationId xmlns:a16="http://schemas.microsoft.com/office/drawing/2014/main" id="{CB0E7A2F-66B9-6748-92E2-D438C51DA3C2}"/>
+                  </a:ext>
+                </a:extLst>
+              </p:cNvPr>
+              <p:cNvSpPr txBox="1"/>
+              <p:nvPr/>
+            </p:nvSpPr>
+            <p:spPr>
+              <a:xfrm>
+                <a:off x="7236296" y="3023104"/>
+                <a:ext cx="1695721" cy="369332"/>
+              </a:xfrm>
+              <a:prstGeom prst="rect">
+                <a:avLst/>
+              </a:prstGeom>
+              <a:noFill/>
+            </p:spPr>
+            <p:txBody>
+              <a:bodyPr wrap="none" rtlCol="0">
+                <a:spAutoFit/>
+              </a:bodyPr>
+              <a:lstStyle/>
+              <a:p>
+                <a:r>
+                  <a:rPr lang="de-DE" dirty="0"/>
+                  <a:t>L </a:t>
+                </a:r>
+                <a14:m>
+                  <m:oMath xmlns:m="http://schemas.openxmlformats.org/officeDocument/2006/math">
+                    <m:r>
+                      <a:rPr lang="de-DE" i="1">
+                        <a:latin typeface="Cambria Math" panose="02040503050406030204" pitchFamily="18" charset="0"/>
+                        <a:ea typeface="Cambria Math" panose="02040503050406030204" pitchFamily="18" charset="0"/>
+                      </a:rPr>
+                      <m:t>≜</m:t>
+                    </m:r>
+                  </m:oMath>
+                </a14:m>
+                <a:r>
+                  <a:rPr lang="de-DE" dirty="0"/>
+                  <a:t> Brightness</a:t>
+                </a:r>
+              </a:p>
+            </p:txBody>
+          </p:sp>
+        </mc:Choice>
+        <mc:Fallback xmlns="">
+          <p:sp>
+            <p:nvSpPr>
+              <p:cNvPr id="20" name="Textfeld 19">
+                <a:extLst>
+                  <a:ext uri="{FF2B5EF4-FFF2-40B4-BE49-F238E27FC236}">
+                    <a16:creationId xmlns:a16="http://schemas.microsoft.com/office/drawing/2014/main" id="{CB0E7A2F-66B9-6748-92E2-D438C51DA3C2}"/>
+                  </a:ext>
+                </a:extLst>
+              </p:cNvPr>
+              <p:cNvSpPr txBox="1">
+                <a:spLocks noRot="1" noChangeAspect="1" noMove="1" noResize="1" noEditPoints="1" noAdjustHandles="1" noChangeArrowheads="1" noChangeShapeType="1" noTextEdit="1"/>
+              </p:cNvSpPr>
+              <p:nvPr/>
+            </p:nvSpPr>
+            <p:spPr>
+              <a:xfrm>
+                <a:off x="7236296" y="3023104"/>
+                <a:ext cx="1695721" cy="369332"/>
+              </a:xfrm>
+              <a:prstGeom prst="rect">
+                <a:avLst/>
+              </a:prstGeom>
+              <a:blipFill>
+                <a:blip r:embed="rId5"/>
+                <a:stretch>
+                  <a:fillRect l="-2985" t="-6667" r="-2239" b="-26667"/>
+                </a:stretch>
+              </a:blipFill>
+            </p:spPr>
+            <p:txBody>
+              <a:bodyPr/>
+              <a:lstStyle/>
+              <a:p>
+                <a:r>
+                  <a:rPr lang="de-DE">
+                    <a:noFill/>
+                  </a:rPr>
+                  <a:t> </a:t>
+                </a:r>
+              </a:p>
+            </p:txBody>
+          </p:sp>
+        </mc:Fallback>
+      </mc:AlternateContent>
     </p:spTree>
   </p:cSld>
   <p:clrMapOvr>
@@ -3954,7 +4693,3577 @@
         <p:cNvGrpSpPr/>
         <p:nvPr/>
       </p:nvGrpSpPr>
-      <p:grpSpPr/>
+      <p:grpSpPr>
+        <a:xfrm>
+          <a:off x="0" y="0"/>
+          <a:ext cx="0" cy="0"/>
+          <a:chOff x="0" y="0"/>
+          <a:chExt cx="0" cy="0"/>
+        </a:xfrm>
+      </p:grpSpPr>
+      <p:sp>
+        <p:nvSpPr>
+          <p:cNvPr id="2" name="Title 1"/>
+          <p:cNvSpPr>
+            <a:spLocks noGrp="1"/>
+          </p:cNvSpPr>
+          <p:nvPr>
+            <p:ph type="title"/>
+          </p:nvPr>
+        </p:nvSpPr>
+        <p:spPr/>
+        <p:txBody>
+          <a:bodyPr/>
+          <a:lstStyle/>
+          <a:p>
+            <a:r>
+              <a:rPr lang="en-US" dirty="0"/>
+              <a:t>s1 SLIC- Simple linear iterative clustering </a:t>
+            </a:r>
+          </a:p>
+        </p:txBody>
+      </p:sp>
+      <mc:AlternateContent xmlns:mc="http://schemas.openxmlformats.org/markup-compatibility/2006" xmlns:a14="http://schemas.microsoft.com/office/drawing/2010/main">
+        <mc:Choice Requires="a14">
+          <p:sp>
+            <p:nvSpPr>
+              <p:cNvPr id="40" name="Textfeld 39">
+                <a:extLst>
+                  <a:ext uri="{FF2B5EF4-FFF2-40B4-BE49-F238E27FC236}">
+                    <a16:creationId xmlns:a16="http://schemas.microsoft.com/office/drawing/2014/main" id="{303CCC09-5DF5-1145-A743-72B7C2D7A9E3}"/>
+                  </a:ext>
+                </a:extLst>
+              </p:cNvPr>
+              <p:cNvSpPr txBox="1"/>
+              <p:nvPr/>
+            </p:nvSpPr>
+            <p:spPr>
+              <a:xfrm>
+                <a:off x="179512" y="1484784"/>
+                <a:ext cx="5160387" cy="923330"/>
+              </a:xfrm>
+              <a:prstGeom prst="rect">
+                <a:avLst/>
+              </a:prstGeom>
+              <a:noFill/>
+            </p:spPr>
+            <p:txBody>
+              <a:bodyPr wrap="none" rtlCol="0">
+                <a:spAutoFit/>
+              </a:bodyPr>
+              <a:lstStyle/>
+              <a:p>
+                <a:r>
+                  <a:rPr lang="de-DE" b="1" dirty="0" err="1"/>
+                  <a:t>Algorithm</a:t>
+                </a:r>
+                <a:r>
+                  <a:rPr lang="de-DE" b="1" dirty="0"/>
+                  <a:t>:</a:t>
+                </a:r>
+              </a:p>
+              <a:p>
+                <a:pPr marL="342900" indent="-342900">
+                  <a:buAutoNum type="arabicPeriod"/>
+                </a:pPr>
+                <a:r>
+                  <a:rPr lang="de-DE" dirty="0" err="1"/>
+                  <a:t>Choose</a:t>
+                </a:r>
+                <a:r>
+                  <a:rPr lang="de-DE" dirty="0"/>
+                  <a:t> </a:t>
+                </a:r>
+                <a14:m>
+                  <m:oMath xmlns:m="http://schemas.openxmlformats.org/officeDocument/2006/math">
+                    <m:r>
+                      <m:rPr>
+                        <m:sty m:val="p"/>
+                      </m:rPr>
+                      <a:rPr lang="de-DE" dirty="0">
+                        <a:latin typeface="Cambria Math" panose="02040503050406030204" pitchFamily="18" charset="0"/>
+                        <a:ea typeface="Cambria Math" panose="02040503050406030204" pitchFamily="18" charset="0"/>
+                      </a:rPr>
+                      <m:t>K</m:t>
+                    </m:r>
+                    <m:r>
+                      <a:rPr lang="de-DE" b="0" i="0" dirty="0" smtClean="0">
+                        <a:latin typeface="Cambria Math" panose="02040503050406030204" pitchFamily="18" charset="0"/>
+                        <a:ea typeface="Cambria Math" panose="02040503050406030204" pitchFamily="18" charset="0"/>
+                      </a:rPr>
+                      <m:t> </m:t>
+                    </m:r>
+                    <m:r>
+                      <a:rPr lang="de-DE" i="1">
+                        <a:latin typeface="Cambria Math" panose="02040503050406030204" pitchFamily="18" charset="0"/>
+                        <a:ea typeface="Cambria Math" panose="02040503050406030204" pitchFamily="18" charset="0"/>
+                      </a:rPr>
+                      <m:t>≜</m:t>
+                    </m:r>
+                    <m:r>
+                      <a:rPr lang="de-DE" b="0" i="1" smtClean="0">
+                        <a:latin typeface="Cambria Math" panose="02040503050406030204" pitchFamily="18" charset="0"/>
+                        <a:ea typeface="Cambria Math" panose="02040503050406030204" pitchFamily="18" charset="0"/>
+                      </a:rPr>
+                      <m:t>𝑛𝑜</m:t>
+                    </m:r>
+                    <m:r>
+                      <a:rPr lang="de-DE" b="0" i="1" smtClean="0">
+                        <a:latin typeface="Cambria Math" panose="02040503050406030204" pitchFamily="18" charset="0"/>
+                        <a:ea typeface="Cambria Math" panose="02040503050406030204" pitchFamily="18" charset="0"/>
+                      </a:rPr>
+                      <m:t>. </m:t>
+                    </m:r>
+                    <m:r>
+                      <a:rPr lang="de-DE" b="0" i="1" smtClean="0">
+                        <a:latin typeface="Cambria Math" panose="02040503050406030204" pitchFamily="18" charset="0"/>
+                        <a:ea typeface="Cambria Math" panose="02040503050406030204" pitchFamily="18" charset="0"/>
+                      </a:rPr>
+                      <m:t>𝑜𝑓</m:t>
+                    </m:r>
+                    <m:r>
+                      <a:rPr lang="de-DE" b="0" i="1" smtClean="0">
+                        <a:latin typeface="Cambria Math" panose="02040503050406030204" pitchFamily="18" charset="0"/>
+                        <a:ea typeface="Cambria Math" panose="02040503050406030204" pitchFamily="18" charset="0"/>
+                      </a:rPr>
+                      <m:t> </m:t>
+                    </m:r>
+                    <m:r>
+                      <a:rPr lang="de-DE" b="0" i="1" smtClean="0">
+                        <a:latin typeface="Cambria Math" panose="02040503050406030204" pitchFamily="18" charset="0"/>
+                        <a:ea typeface="Cambria Math" panose="02040503050406030204" pitchFamily="18" charset="0"/>
+                      </a:rPr>
+                      <m:t>𝑆𝑢𝑝𝑒𝑟𝑝𝑖𝑥𝑒𝑙𝑠</m:t>
+                    </m:r>
+                  </m:oMath>
+                </a14:m>
+                <a:endParaRPr lang="de-DE" dirty="0">
+                  <a:ea typeface="Cambria Math" panose="02040503050406030204" pitchFamily="18" charset="0"/>
+                </a:endParaRPr>
+              </a:p>
+              <a:p>
+                <a:pPr marL="342900" indent="-342900">
+                  <a:buAutoNum type="arabicPeriod"/>
+                </a:pPr>
+                <a:r>
+                  <a:rPr lang="de-DE" dirty="0">
+                    <a:ea typeface="Cambria Math" panose="02040503050406030204" pitchFamily="18" charset="0"/>
+                  </a:rPr>
+                  <a:t>K </a:t>
+                </a:r>
+                <a:r>
+                  <a:rPr lang="de-DE" dirty="0" err="1">
+                    <a:ea typeface="Cambria Math" panose="02040503050406030204" pitchFamily="18" charset="0"/>
+                  </a:rPr>
+                  <a:t>cluster</a:t>
+                </a:r>
+                <a:r>
+                  <a:rPr lang="de-DE" dirty="0">
+                    <a:ea typeface="Cambria Math" panose="02040503050406030204" pitchFamily="18" charset="0"/>
+                  </a:rPr>
+                  <a:t> </a:t>
+                </a:r>
+                <a:r>
+                  <a:rPr lang="de-DE" dirty="0" err="1">
+                    <a:ea typeface="Cambria Math" panose="02040503050406030204" pitchFamily="18" charset="0"/>
+                  </a:rPr>
+                  <a:t>centers</a:t>
+                </a:r>
+                <a:r>
+                  <a:rPr lang="de-DE" dirty="0">
+                    <a:ea typeface="Cambria Math" panose="02040503050406030204" pitchFamily="18" charset="0"/>
+                  </a:rPr>
+                  <a:t> in </a:t>
+                </a:r>
+                <a:r>
+                  <a:rPr lang="de-DE" dirty="0" err="1">
+                    <a:ea typeface="Cambria Math" panose="02040503050406030204" pitchFamily="18" charset="0"/>
+                  </a:rPr>
+                  <a:t>grid</a:t>
+                </a:r>
+                <a:r>
+                  <a:rPr lang="de-DE" dirty="0">
+                    <a:ea typeface="Cambria Math" panose="02040503050406030204" pitchFamily="18" charset="0"/>
+                  </a:rPr>
+                  <a:t> </a:t>
+                </a:r>
+                <a:r>
+                  <a:rPr lang="de-DE" dirty="0" err="1">
+                    <a:ea typeface="Cambria Math" panose="02040503050406030204" pitchFamily="18" charset="0"/>
+                  </a:rPr>
+                  <a:t>intervall</a:t>
+                </a:r>
+                <a:r>
+                  <a:rPr lang="de-DE" dirty="0">
+                    <a:ea typeface="Cambria Math" panose="02040503050406030204" pitchFamily="18" charset="0"/>
+                  </a:rPr>
+                  <a:t> S </a:t>
+                </a:r>
+                <a:r>
+                  <a:rPr lang="de-DE" dirty="0" err="1">
+                    <a:ea typeface="Cambria Math" panose="02040503050406030204" pitchFamily="18" charset="0"/>
+                  </a:rPr>
+                  <a:t>are</a:t>
+                </a:r>
+                <a:r>
+                  <a:rPr lang="de-DE" dirty="0">
+                    <a:ea typeface="Cambria Math" panose="02040503050406030204" pitchFamily="18" charset="0"/>
+                  </a:rPr>
+                  <a:t> </a:t>
+                </a:r>
+                <a:r>
+                  <a:rPr lang="de-DE" dirty="0" err="1">
+                    <a:ea typeface="Cambria Math" panose="02040503050406030204" pitchFamily="18" charset="0"/>
+                  </a:rPr>
+                  <a:t>placed</a:t>
+                </a:r>
+                <a:endParaRPr lang="de-DE" b="0" dirty="0">
+                  <a:ea typeface="Cambria Math" panose="02040503050406030204" pitchFamily="18" charset="0"/>
+                </a:endParaRPr>
+              </a:p>
+            </p:txBody>
+          </p:sp>
+        </mc:Choice>
+        <mc:Fallback xmlns="">
+          <p:sp>
+            <p:nvSpPr>
+              <p:cNvPr id="40" name="Textfeld 39">
+                <a:extLst>
+                  <a:ext uri="{FF2B5EF4-FFF2-40B4-BE49-F238E27FC236}">
+                    <a16:creationId xmlns:a16="http://schemas.microsoft.com/office/drawing/2014/main" id="{303CCC09-5DF5-1145-A743-72B7C2D7A9E3}"/>
+                  </a:ext>
+                </a:extLst>
+              </p:cNvPr>
+              <p:cNvSpPr txBox="1">
+                <a:spLocks noRot="1" noChangeAspect="1" noMove="1" noResize="1" noEditPoints="1" noAdjustHandles="1" noChangeArrowheads="1" noChangeShapeType="1" noTextEdit="1"/>
+              </p:cNvSpPr>
+              <p:nvPr/>
+            </p:nvSpPr>
+            <p:spPr>
+              <a:xfrm>
+                <a:off x="179512" y="1484784"/>
+                <a:ext cx="5160387" cy="923330"/>
+              </a:xfrm>
+              <a:prstGeom prst="rect">
+                <a:avLst/>
+              </a:prstGeom>
+              <a:blipFill>
+                <a:blip r:embed="rId2"/>
+                <a:stretch>
+                  <a:fillRect l="-737" t="-2703" b="-8108"/>
+                </a:stretch>
+              </a:blipFill>
+            </p:spPr>
+            <p:txBody>
+              <a:bodyPr/>
+              <a:lstStyle/>
+              <a:p>
+                <a:r>
+                  <a:rPr lang="de-DE">
+                    <a:noFill/>
+                  </a:rPr>
+                  <a:t> </a:t>
+                </a:r>
+              </a:p>
+            </p:txBody>
+          </p:sp>
+        </mc:Fallback>
+      </mc:AlternateContent>
+      <mc:AlternateContent xmlns:mc="http://schemas.openxmlformats.org/markup-compatibility/2006" xmlns:a14="http://schemas.microsoft.com/office/drawing/2010/main">
+        <mc:Choice Requires="a14">
+          <p:sp>
+            <p:nvSpPr>
+              <p:cNvPr id="41" name="Textfeld 40">
+                <a:extLst>
+                  <a:ext uri="{FF2B5EF4-FFF2-40B4-BE49-F238E27FC236}">
+                    <a16:creationId xmlns:a16="http://schemas.microsoft.com/office/drawing/2014/main" id="{43DB4424-8DFF-2B46-8D73-DF4A7587E7F8}"/>
+                  </a:ext>
+                </a:extLst>
+              </p:cNvPr>
+              <p:cNvSpPr txBox="1"/>
+              <p:nvPr/>
+            </p:nvSpPr>
+            <p:spPr>
+              <a:xfrm>
+                <a:off x="249180" y="2619769"/>
+                <a:ext cx="3912289" cy="369332"/>
+              </a:xfrm>
+              <a:prstGeom prst="rect">
+                <a:avLst/>
+              </a:prstGeom>
+              <a:noFill/>
+            </p:spPr>
+            <p:txBody>
+              <a:bodyPr wrap="none" rtlCol="0">
+                <a:spAutoFit/>
+              </a:bodyPr>
+              <a:lstStyle/>
+              <a:p>
+                <a:pPr/>
+                <a14:m>
+                  <m:oMathPara xmlns:m="http://schemas.openxmlformats.org/officeDocument/2006/math">
+                    <m:oMathParaPr>
+                      <m:jc m:val="centerGroup"/>
+                    </m:oMathParaPr>
+                    <m:oMath xmlns:m="http://schemas.openxmlformats.org/officeDocument/2006/math">
+                      <m:sSub>
+                        <m:sSubPr>
+                          <m:ctrlPr>
+                            <a:rPr lang="de-DE" i="1" smtClean="0">
+                              <a:latin typeface="Cambria Math" panose="02040503050406030204" pitchFamily="18" charset="0"/>
+                            </a:rPr>
+                          </m:ctrlPr>
+                        </m:sSubPr>
+                        <m:e>
+                          <m:r>
+                            <a:rPr lang="de-DE" b="0" i="1" smtClean="0">
+                              <a:latin typeface="Cambria Math" panose="02040503050406030204" pitchFamily="18" charset="0"/>
+                            </a:rPr>
+                            <m:t>𝐶</m:t>
+                          </m:r>
+                        </m:e>
+                        <m:sub>
+                          <m:r>
+                            <a:rPr lang="de-DE" b="0" i="1" smtClean="0">
+                              <a:latin typeface="Cambria Math" panose="02040503050406030204" pitchFamily="18" charset="0"/>
+                            </a:rPr>
+                            <m:t>𝑘</m:t>
+                          </m:r>
+                        </m:sub>
+                      </m:sSub>
+                      <m:r>
+                        <a:rPr lang="de-DE" b="0" i="1" smtClean="0">
+                          <a:latin typeface="Cambria Math" panose="02040503050406030204" pitchFamily="18" charset="0"/>
+                        </a:rPr>
+                        <m:t>=</m:t>
+                      </m:r>
+                      <m:d>
+                        <m:dPr>
+                          <m:begChr m:val="["/>
+                          <m:endChr m:val="]"/>
+                          <m:ctrlPr>
+                            <a:rPr lang="de-DE" b="0" i="1" smtClean="0">
+                              <a:latin typeface="Cambria Math" panose="02040503050406030204" pitchFamily="18" charset="0"/>
+                            </a:rPr>
+                          </m:ctrlPr>
+                        </m:dPr>
+                        <m:e>
+                          <m:sSub>
+                            <m:sSubPr>
+                              <m:ctrlPr>
+                                <a:rPr lang="de-DE" b="0" i="1" smtClean="0">
+                                  <a:latin typeface="Cambria Math" panose="02040503050406030204" pitchFamily="18" charset="0"/>
+                                </a:rPr>
+                              </m:ctrlPr>
+                            </m:sSubPr>
+                            <m:e>
+                              <m:r>
+                                <a:rPr lang="de-DE" b="0" i="1" smtClean="0">
+                                  <a:latin typeface="Cambria Math" panose="02040503050406030204" pitchFamily="18" charset="0"/>
+                                </a:rPr>
+                                <m:t>𝑙</m:t>
+                              </m:r>
+                            </m:e>
+                            <m:sub>
+                              <m:r>
+                                <a:rPr lang="de-DE" b="0" i="1" smtClean="0">
+                                  <a:latin typeface="Cambria Math" panose="02040503050406030204" pitchFamily="18" charset="0"/>
+                                </a:rPr>
+                                <m:t>𝑘</m:t>
+                              </m:r>
+                            </m:sub>
+                          </m:sSub>
+                          <m:r>
+                            <a:rPr lang="de-DE" b="0" i="1" smtClean="0">
+                              <a:latin typeface="Cambria Math" panose="02040503050406030204" pitchFamily="18" charset="0"/>
+                            </a:rPr>
+                            <m:t>,</m:t>
+                          </m:r>
+                          <m:sSub>
+                            <m:sSubPr>
+                              <m:ctrlPr>
+                                <a:rPr lang="de-DE" i="1" smtClean="0">
+                                  <a:latin typeface="Cambria Math" panose="02040503050406030204" pitchFamily="18" charset="0"/>
+                                </a:rPr>
+                              </m:ctrlPr>
+                            </m:sSubPr>
+                            <m:e>
+                              <m:r>
+                                <a:rPr lang="de-DE" b="0" i="1" smtClean="0">
+                                  <a:latin typeface="Cambria Math" panose="02040503050406030204" pitchFamily="18" charset="0"/>
+                                </a:rPr>
+                                <m:t>𝑎</m:t>
+                              </m:r>
+                            </m:e>
+                            <m:sub>
+                              <m:r>
+                                <a:rPr lang="de-DE" i="1">
+                                  <a:latin typeface="Cambria Math" panose="02040503050406030204" pitchFamily="18" charset="0"/>
+                                </a:rPr>
+                                <m:t>𝑘</m:t>
+                              </m:r>
+                            </m:sub>
+                          </m:sSub>
+                          <m:r>
+                            <a:rPr lang="de-DE" i="1">
+                              <a:latin typeface="Cambria Math" panose="02040503050406030204" pitchFamily="18" charset="0"/>
+                            </a:rPr>
+                            <m:t>,</m:t>
+                          </m:r>
+                          <m:sSub>
+                            <m:sSubPr>
+                              <m:ctrlPr>
+                                <a:rPr lang="de-DE" i="1">
+                                  <a:latin typeface="Cambria Math" panose="02040503050406030204" pitchFamily="18" charset="0"/>
+                                </a:rPr>
+                              </m:ctrlPr>
+                            </m:sSubPr>
+                            <m:e>
+                              <m:r>
+                                <a:rPr lang="de-DE" b="0" i="1" smtClean="0">
+                                  <a:latin typeface="Cambria Math" panose="02040503050406030204" pitchFamily="18" charset="0"/>
+                                </a:rPr>
+                                <m:t>𝑏</m:t>
+                              </m:r>
+                            </m:e>
+                            <m:sub>
+                              <m:r>
+                                <a:rPr lang="de-DE" i="1">
+                                  <a:latin typeface="Cambria Math" panose="02040503050406030204" pitchFamily="18" charset="0"/>
+                                </a:rPr>
+                                <m:t>𝑘</m:t>
+                              </m:r>
+                            </m:sub>
+                          </m:sSub>
+                          <m:r>
+                            <a:rPr lang="de-DE" i="1">
+                              <a:latin typeface="Cambria Math" panose="02040503050406030204" pitchFamily="18" charset="0"/>
+                            </a:rPr>
+                            <m:t>,</m:t>
+                          </m:r>
+                          <m:sSub>
+                            <m:sSubPr>
+                              <m:ctrlPr>
+                                <a:rPr lang="de-DE" i="1" smtClean="0">
+                                  <a:latin typeface="Cambria Math" panose="02040503050406030204" pitchFamily="18" charset="0"/>
+                                </a:rPr>
+                              </m:ctrlPr>
+                            </m:sSubPr>
+                            <m:e>
+                              <m:r>
+                                <a:rPr lang="de-DE" b="0" i="1" smtClean="0">
+                                  <a:latin typeface="Cambria Math" panose="02040503050406030204" pitchFamily="18" charset="0"/>
+                                </a:rPr>
+                                <m:t>𝑥</m:t>
+                              </m:r>
+                            </m:e>
+                            <m:sub>
+                              <m:r>
+                                <a:rPr lang="de-DE" i="1">
+                                  <a:latin typeface="Cambria Math" panose="02040503050406030204" pitchFamily="18" charset="0"/>
+                                </a:rPr>
+                                <m:t>𝑘</m:t>
+                              </m:r>
+                            </m:sub>
+                          </m:sSub>
+                          <m:r>
+                            <a:rPr lang="de-DE" i="1">
+                              <a:latin typeface="Cambria Math" panose="02040503050406030204" pitchFamily="18" charset="0"/>
+                            </a:rPr>
+                            <m:t>,</m:t>
+                          </m:r>
+                          <m:sSub>
+                            <m:sSubPr>
+                              <m:ctrlPr>
+                                <a:rPr lang="de-DE" i="1">
+                                  <a:latin typeface="Cambria Math" panose="02040503050406030204" pitchFamily="18" charset="0"/>
+                                </a:rPr>
+                              </m:ctrlPr>
+                            </m:sSubPr>
+                            <m:e>
+                              <m:r>
+                                <a:rPr lang="de-DE" b="0" i="1" smtClean="0">
+                                  <a:latin typeface="Cambria Math" panose="02040503050406030204" pitchFamily="18" charset="0"/>
+                                </a:rPr>
+                                <m:t>𝑦</m:t>
+                              </m:r>
+                            </m:e>
+                            <m:sub>
+                              <m:r>
+                                <a:rPr lang="de-DE" i="1">
+                                  <a:latin typeface="Cambria Math" panose="02040503050406030204" pitchFamily="18" charset="0"/>
+                                </a:rPr>
+                                <m:t>𝑘</m:t>
+                              </m:r>
+                            </m:sub>
+                          </m:sSub>
+                        </m:e>
+                      </m:d>
+                      <m:r>
+                        <a:rPr lang="de-DE" b="0" i="1" smtClean="0">
+                          <a:latin typeface="Cambria Math" panose="02040503050406030204" pitchFamily="18" charset="0"/>
+                        </a:rPr>
+                        <m:t>,   </m:t>
+                      </m:r>
+                      <m:r>
+                        <a:rPr lang="de-DE" b="0" i="1" smtClean="0">
+                          <a:latin typeface="Cambria Math" panose="02040503050406030204" pitchFamily="18" charset="0"/>
+                        </a:rPr>
+                        <m:t>𝑘</m:t>
+                      </m:r>
+                      <m:r>
+                        <a:rPr lang="de-DE" b="0" i="1" smtClean="0">
+                          <a:latin typeface="Cambria Math" panose="02040503050406030204" pitchFamily="18" charset="0"/>
+                        </a:rPr>
+                        <m:t> </m:t>
+                      </m:r>
+                      <m:r>
+                        <a:rPr lang="de-DE" b="0" i="1" smtClean="0">
+                          <a:latin typeface="Cambria Math" panose="02040503050406030204" pitchFamily="18" charset="0"/>
+                          <a:ea typeface="Cambria Math" panose="02040503050406030204" pitchFamily="18" charset="0"/>
+                        </a:rPr>
+                        <m:t>𝜖</m:t>
+                      </m:r>
+                      <m:r>
+                        <a:rPr lang="de-DE" b="0" i="1" smtClean="0">
+                          <a:latin typeface="Cambria Math" panose="02040503050406030204" pitchFamily="18" charset="0"/>
+                          <a:ea typeface="Cambria Math" panose="02040503050406030204" pitchFamily="18" charset="0"/>
+                        </a:rPr>
+                        <m:t> </m:t>
+                      </m:r>
+                      <m:d>
+                        <m:dPr>
+                          <m:begChr m:val="["/>
+                          <m:endChr m:val="]"/>
+                          <m:ctrlPr>
+                            <a:rPr lang="de-DE" b="0" i="1" smtClean="0">
+                              <a:latin typeface="Cambria Math" panose="02040503050406030204" pitchFamily="18" charset="0"/>
+                              <a:ea typeface="Cambria Math" panose="02040503050406030204" pitchFamily="18" charset="0"/>
+                            </a:rPr>
+                          </m:ctrlPr>
+                        </m:dPr>
+                        <m:e>
+                          <m:r>
+                            <a:rPr lang="de-DE" b="0" i="1" smtClean="0">
+                              <a:latin typeface="Cambria Math" panose="02040503050406030204" pitchFamily="18" charset="0"/>
+                              <a:ea typeface="Cambria Math" panose="02040503050406030204" pitchFamily="18" charset="0"/>
+                            </a:rPr>
+                            <m:t>1,</m:t>
+                          </m:r>
+                          <m:r>
+                            <a:rPr lang="de-DE" b="0" i="1" smtClean="0">
+                              <a:latin typeface="Cambria Math" panose="02040503050406030204" pitchFamily="18" charset="0"/>
+                              <a:ea typeface="Cambria Math" panose="02040503050406030204" pitchFamily="18" charset="0"/>
+                            </a:rPr>
+                            <m:t>𝐾</m:t>
+                          </m:r>
+                        </m:e>
+                      </m:d>
+                    </m:oMath>
+                  </m:oMathPara>
+                </a14:m>
+                <a:endParaRPr lang="de-DE" dirty="0"/>
+              </a:p>
+            </p:txBody>
+          </p:sp>
+        </mc:Choice>
+        <mc:Fallback xmlns="">
+          <p:sp>
+            <p:nvSpPr>
+              <p:cNvPr id="41" name="Textfeld 40">
+                <a:extLst>
+                  <a:ext uri="{FF2B5EF4-FFF2-40B4-BE49-F238E27FC236}">
+                    <a16:creationId xmlns:a16="http://schemas.microsoft.com/office/drawing/2014/main" id="{43DB4424-8DFF-2B46-8D73-DF4A7587E7F8}"/>
+                  </a:ext>
+                </a:extLst>
+              </p:cNvPr>
+              <p:cNvSpPr txBox="1">
+                <a:spLocks noRot="1" noChangeAspect="1" noMove="1" noResize="1" noEditPoints="1" noAdjustHandles="1" noChangeArrowheads="1" noChangeShapeType="1" noTextEdit="1"/>
+              </p:cNvSpPr>
+              <p:nvPr/>
+            </p:nvSpPr>
+            <p:spPr>
+              <a:xfrm>
+                <a:off x="249180" y="2619769"/>
+                <a:ext cx="3912289" cy="369332"/>
+              </a:xfrm>
+              <a:prstGeom prst="rect">
+                <a:avLst/>
+              </a:prstGeom>
+              <a:blipFill>
+                <a:blip r:embed="rId3"/>
+                <a:stretch>
+                  <a:fillRect b="-16667"/>
+                </a:stretch>
+              </a:blipFill>
+            </p:spPr>
+            <p:txBody>
+              <a:bodyPr/>
+              <a:lstStyle/>
+              <a:p>
+                <a:r>
+                  <a:rPr lang="de-DE">
+                    <a:noFill/>
+                  </a:rPr>
+                  <a:t> </a:t>
+                </a:r>
+              </a:p>
+            </p:txBody>
+          </p:sp>
+        </mc:Fallback>
+      </mc:AlternateContent>
+      <mc:AlternateContent xmlns:mc="http://schemas.openxmlformats.org/markup-compatibility/2006" xmlns:a14="http://schemas.microsoft.com/office/drawing/2010/main">
+        <mc:Choice Requires="a14">
+          <p:sp>
+            <p:nvSpPr>
+              <p:cNvPr id="42" name="Textfeld 41">
+                <a:extLst>
+                  <a:ext uri="{FF2B5EF4-FFF2-40B4-BE49-F238E27FC236}">
+                    <a16:creationId xmlns:a16="http://schemas.microsoft.com/office/drawing/2014/main" id="{C946DD8E-5C0C-2E4F-B812-CA0F32FF2FEF}"/>
+                  </a:ext>
+                </a:extLst>
+              </p:cNvPr>
+              <p:cNvSpPr txBox="1"/>
+              <p:nvPr/>
+            </p:nvSpPr>
+            <p:spPr>
+              <a:xfrm>
+                <a:off x="258449" y="2989101"/>
+                <a:ext cx="3241721" cy="910699"/>
+              </a:xfrm>
+              <a:prstGeom prst="rect">
+                <a:avLst/>
+              </a:prstGeom>
+              <a:noFill/>
+            </p:spPr>
+            <p:txBody>
+              <a:bodyPr wrap="none" rtlCol="0">
+                <a:spAutoFit/>
+              </a:bodyPr>
+              <a:lstStyle/>
+              <a:p>
+                <a:pPr/>
+                <a14:m>
+                  <m:oMathPara xmlns:m="http://schemas.openxmlformats.org/officeDocument/2006/math">
+                    <m:oMathParaPr>
+                      <m:jc m:val="centerGroup"/>
+                    </m:oMathParaPr>
+                    <m:oMath xmlns:m="http://schemas.openxmlformats.org/officeDocument/2006/math">
+                      <m:r>
+                        <a:rPr lang="de-DE" b="0" i="1" smtClean="0">
+                          <a:latin typeface="Cambria Math" panose="02040503050406030204" pitchFamily="18" charset="0"/>
+                        </a:rPr>
+                        <m:t>𝑆</m:t>
+                      </m:r>
+                      <m:r>
+                        <a:rPr lang="de-DE" b="0" i="1" smtClean="0">
+                          <a:latin typeface="Cambria Math" panose="02040503050406030204" pitchFamily="18" charset="0"/>
+                        </a:rPr>
+                        <m:t>= </m:t>
+                      </m:r>
+                      <m:rad>
+                        <m:radPr>
+                          <m:degHide m:val="on"/>
+                          <m:ctrlPr>
+                            <a:rPr lang="de-DE" b="0" i="1" smtClean="0">
+                              <a:latin typeface="Cambria Math" panose="02040503050406030204" pitchFamily="18" charset="0"/>
+                            </a:rPr>
+                          </m:ctrlPr>
+                        </m:radPr>
+                        <m:deg/>
+                        <m:e>
+                          <m:f>
+                            <m:fPr>
+                              <m:ctrlPr>
+                                <a:rPr lang="de-DE" b="0" i="1" smtClean="0">
+                                  <a:latin typeface="Cambria Math" panose="02040503050406030204" pitchFamily="18" charset="0"/>
+                                </a:rPr>
+                              </m:ctrlPr>
+                            </m:fPr>
+                            <m:num>
+                              <m:r>
+                                <a:rPr lang="de-DE" b="0" i="1" smtClean="0">
+                                  <a:latin typeface="Cambria Math" panose="02040503050406030204" pitchFamily="18" charset="0"/>
+                                </a:rPr>
+                                <m:t>𝑁</m:t>
+                              </m:r>
+                            </m:num>
+                            <m:den>
+                              <m:r>
+                                <a:rPr lang="de-DE" b="0" i="1" smtClean="0">
+                                  <a:latin typeface="Cambria Math" panose="02040503050406030204" pitchFamily="18" charset="0"/>
+                                </a:rPr>
+                                <m:t>𝐾</m:t>
+                              </m:r>
+                            </m:den>
+                          </m:f>
+                        </m:e>
+                      </m:rad>
+                      <m:r>
+                        <a:rPr lang="de-DE" b="0" i="1" smtClean="0">
+                          <a:latin typeface="Cambria Math" panose="02040503050406030204" pitchFamily="18" charset="0"/>
+                        </a:rPr>
+                        <m:t> ,  </m:t>
+                      </m:r>
+                      <m:r>
+                        <a:rPr lang="de-DE" b="0" i="1" smtClean="0">
+                          <a:latin typeface="Cambria Math" panose="02040503050406030204" pitchFamily="18" charset="0"/>
+                        </a:rPr>
+                        <m:t>𝑁</m:t>
+                      </m:r>
+                      <m:r>
+                        <a:rPr lang="de-DE" b="0" i="1" smtClean="0">
+                          <a:latin typeface="Cambria Math" panose="02040503050406030204" pitchFamily="18" charset="0"/>
+                        </a:rPr>
+                        <m:t> ≜</m:t>
+                      </m:r>
+                      <m:r>
+                        <a:rPr lang="de-DE" b="0" i="1" smtClean="0">
+                          <a:latin typeface="Cambria Math" panose="02040503050406030204" pitchFamily="18" charset="0"/>
+                          <a:ea typeface="Cambria Math" panose="02040503050406030204" pitchFamily="18" charset="0"/>
+                        </a:rPr>
+                        <m:t>𝑛𝑜</m:t>
+                      </m:r>
+                      <m:r>
+                        <a:rPr lang="de-DE" b="0" i="1" smtClean="0">
+                          <a:latin typeface="Cambria Math" panose="02040503050406030204" pitchFamily="18" charset="0"/>
+                          <a:ea typeface="Cambria Math" panose="02040503050406030204" pitchFamily="18" charset="0"/>
+                        </a:rPr>
+                        <m:t>. </m:t>
+                      </m:r>
+                      <m:r>
+                        <a:rPr lang="de-DE" b="0" i="1" smtClean="0">
+                          <a:latin typeface="Cambria Math" panose="02040503050406030204" pitchFamily="18" charset="0"/>
+                          <a:ea typeface="Cambria Math" panose="02040503050406030204" pitchFamily="18" charset="0"/>
+                        </a:rPr>
+                        <m:t>𝑃𝑖𝑥𝑒𝑙𝑠</m:t>
+                      </m:r>
+                      <m:r>
+                        <a:rPr lang="de-DE" b="0" i="1" smtClean="0">
+                          <a:latin typeface="Cambria Math" panose="02040503050406030204" pitchFamily="18" charset="0"/>
+                        </a:rPr>
+                        <m:t> </m:t>
+                      </m:r>
+                    </m:oMath>
+                  </m:oMathPara>
+                </a14:m>
+                <a:endParaRPr lang="de-DE" dirty="0"/>
+              </a:p>
+            </p:txBody>
+          </p:sp>
+        </mc:Choice>
+        <mc:Fallback xmlns="">
+          <p:sp>
+            <p:nvSpPr>
+              <p:cNvPr id="42" name="Textfeld 41">
+                <a:extLst>
+                  <a:ext uri="{FF2B5EF4-FFF2-40B4-BE49-F238E27FC236}">
+                    <a16:creationId xmlns:a16="http://schemas.microsoft.com/office/drawing/2014/main" id="{C946DD8E-5C0C-2E4F-B812-CA0F32FF2FEF}"/>
+                  </a:ext>
+                </a:extLst>
+              </p:cNvPr>
+              <p:cNvSpPr txBox="1">
+                <a:spLocks noRot="1" noChangeAspect="1" noMove="1" noResize="1" noEditPoints="1" noAdjustHandles="1" noChangeArrowheads="1" noChangeShapeType="1" noTextEdit="1"/>
+              </p:cNvSpPr>
+              <p:nvPr/>
+            </p:nvSpPr>
+            <p:spPr>
+              <a:xfrm>
+                <a:off x="258449" y="2989101"/>
+                <a:ext cx="3241721" cy="910699"/>
+              </a:xfrm>
+              <a:prstGeom prst="rect">
+                <a:avLst/>
+              </a:prstGeom>
+              <a:blipFill>
+                <a:blip r:embed="rId4"/>
+                <a:stretch>
+                  <a:fillRect/>
+                </a:stretch>
+              </a:blipFill>
+            </p:spPr>
+            <p:txBody>
+              <a:bodyPr/>
+              <a:lstStyle/>
+              <a:p>
+                <a:r>
+                  <a:rPr lang="de-DE">
+                    <a:noFill/>
+                  </a:rPr>
+                  <a:t> </a:t>
+                </a:r>
+              </a:p>
+            </p:txBody>
+          </p:sp>
+        </mc:Fallback>
+      </mc:AlternateContent>
+      <mc:AlternateContent xmlns:mc="http://schemas.openxmlformats.org/markup-compatibility/2006" xmlns:a14="http://schemas.microsoft.com/office/drawing/2010/main">
+        <mc:Choice Requires="a14">
+          <p:sp>
+            <p:nvSpPr>
+              <p:cNvPr id="43" name="Textfeld 42">
+                <a:extLst>
+                  <a:ext uri="{FF2B5EF4-FFF2-40B4-BE49-F238E27FC236}">
+                    <a16:creationId xmlns:a16="http://schemas.microsoft.com/office/drawing/2014/main" id="{D665998A-26CF-BE4A-B97A-FAE8D91C0DD3}"/>
+                  </a:ext>
+                </a:extLst>
+              </p:cNvPr>
+              <p:cNvSpPr txBox="1"/>
+              <p:nvPr/>
+            </p:nvSpPr>
+            <p:spPr>
+              <a:xfrm>
+                <a:off x="178081" y="4256201"/>
+                <a:ext cx="5126212" cy="646331"/>
+              </a:xfrm>
+              <a:prstGeom prst="rect">
+                <a:avLst/>
+              </a:prstGeom>
+              <a:noFill/>
+            </p:spPr>
+            <p:txBody>
+              <a:bodyPr wrap="none" rtlCol="0">
+                <a:spAutoFit/>
+              </a:bodyPr>
+              <a:lstStyle/>
+              <a:p>
+                <a:r>
+                  <a:rPr lang="de-DE" b="0" dirty="0">
+                    <a:ea typeface="Cambria Math" panose="02040503050406030204" pitchFamily="18" charset="0"/>
+                  </a:rPr>
+                  <a:t>3. Move </a:t>
+                </a:r>
+                <a14:m>
+                  <m:oMath xmlns:m="http://schemas.openxmlformats.org/officeDocument/2006/math">
+                    <m:sSub>
+                      <m:sSubPr>
+                        <m:ctrlPr>
+                          <a:rPr lang="de-DE" b="0" i="1" smtClean="0">
+                            <a:latin typeface="Cambria Math" panose="02040503050406030204" pitchFamily="18" charset="0"/>
+                            <a:ea typeface="Cambria Math" panose="02040503050406030204" pitchFamily="18" charset="0"/>
+                          </a:rPr>
+                        </m:ctrlPr>
+                      </m:sSubPr>
+                      <m:e>
+                        <m:r>
+                          <a:rPr lang="de-DE" b="0" i="1" smtClean="0">
+                            <a:latin typeface="Cambria Math" panose="02040503050406030204" pitchFamily="18" charset="0"/>
+                            <a:ea typeface="Cambria Math" panose="02040503050406030204" pitchFamily="18" charset="0"/>
+                          </a:rPr>
+                          <m:t>𝐶</m:t>
+                        </m:r>
+                      </m:e>
+                      <m:sub>
+                        <m:r>
+                          <a:rPr lang="de-DE" b="0" i="1" smtClean="0">
+                            <a:latin typeface="Cambria Math" panose="02040503050406030204" pitchFamily="18" charset="0"/>
+                            <a:ea typeface="Cambria Math" panose="02040503050406030204" pitchFamily="18" charset="0"/>
+                          </a:rPr>
+                          <m:t>𝐾</m:t>
+                        </m:r>
+                      </m:sub>
+                    </m:sSub>
+                    <m:r>
+                      <a:rPr lang="de-DE" b="0" i="1" smtClean="0">
+                        <a:latin typeface="Cambria Math" panose="02040503050406030204" pitchFamily="18" charset="0"/>
+                        <a:ea typeface="Cambria Math" panose="02040503050406030204" pitchFamily="18" charset="0"/>
+                      </a:rPr>
+                      <m:t> </m:t>
+                    </m:r>
+                  </m:oMath>
+                </a14:m>
+                <a:r>
+                  <a:rPr lang="de-DE" b="0" dirty="0">
+                    <a:ea typeface="Cambria Math" panose="02040503050406030204" pitchFamily="18" charset="0"/>
+                  </a:rPr>
+                  <a:t> </a:t>
+                </a:r>
+                <a:r>
+                  <a:rPr lang="de-DE" b="0" dirty="0" err="1">
+                    <a:ea typeface="Cambria Math" panose="02040503050406030204" pitchFamily="18" charset="0"/>
+                  </a:rPr>
+                  <a:t>to</a:t>
+                </a:r>
+                <a:r>
+                  <a:rPr lang="de-DE" b="0" dirty="0">
+                    <a:ea typeface="Cambria Math" panose="02040503050406030204" pitchFamily="18" charset="0"/>
+                  </a:rPr>
+                  <a:t>  </a:t>
+                </a:r>
+                <a:r>
+                  <a:rPr lang="de-DE" b="0" dirty="0" err="1">
+                    <a:ea typeface="Cambria Math" panose="02040503050406030204" pitchFamily="18" charset="0"/>
+                  </a:rPr>
+                  <a:t>lowest</a:t>
+                </a:r>
+                <a:r>
+                  <a:rPr lang="de-DE" b="0" dirty="0">
+                    <a:ea typeface="Cambria Math" panose="02040503050406030204" pitchFamily="18" charset="0"/>
+                  </a:rPr>
+                  <a:t> </a:t>
+                </a:r>
+                <a:r>
+                  <a:rPr lang="de-DE" b="0" dirty="0" err="1">
+                    <a:ea typeface="Cambria Math" panose="02040503050406030204" pitchFamily="18" charset="0"/>
+                  </a:rPr>
+                  <a:t>gradient</a:t>
+                </a:r>
+                <a:r>
+                  <a:rPr lang="de-DE" b="0" dirty="0">
+                    <a:ea typeface="Cambria Math" panose="02040503050406030204" pitchFamily="18" charset="0"/>
+                  </a:rPr>
+                  <a:t> </a:t>
+                </a:r>
+                <a:r>
+                  <a:rPr lang="de-DE" dirty="0" err="1">
+                    <a:ea typeface="Cambria Math" panose="02040503050406030204" pitchFamily="18" charset="0"/>
+                  </a:rPr>
+                  <a:t>p</a:t>
+                </a:r>
+                <a:r>
+                  <a:rPr lang="de-DE" b="0" dirty="0" err="1">
+                    <a:ea typeface="Cambria Math" panose="02040503050406030204" pitchFamily="18" charset="0"/>
+                  </a:rPr>
+                  <a:t>ositions</a:t>
+                </a:r>
+                <a:r>
+                  <a:rPr lang="de-DE" b="0" dirty="0">
+                    <a:ea typeface="Cambria Math" panose="02040503050406030204" pitchFamily="18" charset="0"/>
+                  </a:rPr>
+                  <a:t> in 3x3  </a:t>
+                </a:r>
+              </a:p>
+              <a:p>
+                <a:r>
+                  <a:rPr lang="de-DE" dirty="0" err="1">
+                    <a:ea typeface="Cambria Math" panose="02040503050406030204" pitchFamily="18" charset="0"/>
+                  </a:rPr>
+                  <a:t>neighborhood</a:t>
+                </a:r>
+                <a:r>
+                  <a:rPr lang="de-DE" b="0" dirty="0">
+                    <a:ea typeface="Cambria Math" panose="02040503050406030204" pitchFamily="18" charset="0"/>
+                  </a:rPr>
+                  <a:t> </a:t>
+                </a:r>
+              </a:p>
+            </p:txBody>
+          </p:sp>
+        </mc:Choice>
+        <mc:Fallback xmlns="">
+          <p:sp>
+            <p:nvSpPr>
+              <p:cNvPr id="43" name="Textfeld 42">
+                <a:extLst>
+                  <a:ext uri="{FF2B5EF4-FFF2-40B4-BE49-F238E27FC236}">
+                    <a16:creationId xmlns:a16="http://schemas.microsoft.com/office/drawing/2014/main" id="{D665998A-26CF-BE4A-B97A-FAE8D91C0DD3}"/>
+                  </a:ext>
+                </a:extLst>
+              </p:cNvPr>
+              <p:cNvSpPr txBox="1">
+                <a:spLocks noRot="1" noChangeAspect="1" noMove="1" noResize="1" noEditPoints="1" noAdjustHandles="1" noChangeArrowheads="1" noChangeShapeType="1" noTextEdit="1"/>
+              </p:cNvSpPr>
+              <p:nvPr/>
+            </p:nvSpPr>
+            <p:spPr>
+              <a:xfrm>
+                <a:off x="178081" y="4256201"/>
+                <a:ext cx="5126212" cy="646331"/>
+              </a:xfrm>
+              <a:prstGeom prst="rect">
+                <a:avLst/>
+              </a:prstGeom>
+              <a:blipFill>
+                <a:blip r:embed="rId5"/>
+                <a:stretch>
+                  <a:fillRect l="-741" t="-1923" b="-13462"/>
+                </a:stretch>
+              </a:blipFill>
+            </p:spPr>
+            <p:txBody>
+              <a:bodyPr/>
+              <a:lstStyle/>
+              <a:p>
+                <a:r>
+                  <a:rPr lang="de-DE">
+                    <a:noFill/>
+                  </a:rPr>
+                  <a:t> </a:t>
+                </a:r>
+              </a:p>
+            </p:txBody>
+          </p:sp>
+        </mc:Fallback>
+      </mc:AlternateContent>
+      <mc:AlternateContent xmlns:mc="http://schemas.openxmlformats.org/markup-compatibility/2006" xmlns:a14="http://schemas.microsoft.com/office/drawing/2010/main">
+        <mc:Choice Requires="a14">
+          <p:sp>
+            <p:nvSpPr>
+              <p:cNvPr id="44" name="Textfeld 43">
+                <a:extLst>
+                  <a:ext uri="{FF2B5EF4-FFF2-40B4-BE49-F238E27FC236}">
+                    <a16:creationId xmlns:a16="http://schemas.microsoft.com/office/drawing/2014/main" id="{2CF8AA26-7B8F-CE4D-BECA-AB1716888B81}"/>
+                  </a:ext>
+                </a:extLst>
+              </p:cNvPr>
+              <p:cNvSpPr txBox="1"/>
+              <p:nvPr/>
+            </p:nvSpPr>
+            <p:spPr>
+              <a:xfrm>
+                <a:off x="103548" y="5322966"/>
+                <a:ext cx="7034170" cy="369332"/>
+              </a:xfrm>
+              <a:prstGeom prst="rect">
+                <a:avLst/>
+              </a:prstGeom>
+              <a:noFill/>
+            </p:spPr>
+            <p:txBody>
+              <a:bodyPr wrap="square" rtlCol="0">
+                <a:spAutoFit/>
+              </a:bodyPr>
+              <a:lstStyle/>
+              <a:p>
+                <a:pPr/>
+                <a14:m>
+                  <m:oMathPara xmlns:m="http://schemas.openxmlformats.org/officeDocument/2006/math">
+                    <m:oMathParaPr>
+                      <m:jc m:val="centerGroup"/>
+                    </m:oMathParaPr>
+                    <m:oMath xmlns:m="http://schemas.openxmlformats.org/officeDocument/2006/math">
+                      <m:r>
+                        <a:rPr lang="de-DE" i="1" smtClean="0">
+                          <a:latin typeface="Cambria Math" panose="02040503050406030204" pitchFamily="18" charset="0"/>
+                        </a:rPr>
+                        <m:t>𝐺</m:t>
+                      </m:r>
+                      <m:d>
+                        <m:dPr>
+                          <m:ctrlPr>
+                            <a:rPr lang="de-DE" b="0" i="1" smtClean="0">
+                              <a:latin typeface="Cambria Math" panose="02040503050406030204" pitchFamily="18" charset="0"/>
+                            </a:rPr>
+                          </m:ctrlPr>
+                        </m:dPr>
+                        <m:e>
+                          <m:r>
+                            <a:rPr lang="de-DE" b="0" i="1" smtClean="0">
+                              <a:latin typeface="Cambria Math" panose="02040503050406030204" pitchFamily="18" charset="0"/>
+                            </a:rPr>
+                            <m:t>𝑥</m:t>
+                          </m:r>
+                          <m:r>
+                            <a:rPr lang="de-DE" b="0" i="1" smtClean="0">
+                              <a:latin typeface="Cambria Math" panose="02040503050406030204" pitchFamily="18" charset="0"/>
+                            </a:rPr>
+                            <m:t>,</m:t>
+                          </m:r>
+                          <m:r>
+                            <a:rPr lang="de-DE" b="0" i="1" smtClean="0">
+                              <a:latin typeface="Cambria Math" panose="02040503050406030204" pitchFamily="18" charset="0"/>
+                            </a:rPr>
+                            <m:t>𝑦</m:t>
+                          </m:r>
+                        </m:e>
+                      </m:d>
+                      <m:r>
+                        <a:rPr lang="de-DE" b="0" i="1" smtClean="0">
+                          <a:latin typeface="Cambria Math" panose="02040503050406030204" pitchFamily="18" charset="0"/>
+                        </a:rPr>
+                        <m:t>= </m:t>
+                      </m:r>
+                      <m:sSup>
+                        <m:sSupPr>
+                          <m:ctrlPr>
+                            <a:rPr lang="de-DE" b="0" i="1" smtClean="0">
+                              <a:latin typeface="Cambria Math" panose="02040503050406030204" pitchFamily="18" charset="0"/>
+                            </a:rPr>
+                          </m:ctrlPr>
+                        </m:sSupPr>
+                        <m:e>
+                          <m:d>
+                            <m:dPr>
+                              <m:begChr m:val="‖"/>
+                              <m:endChr m:val="‖"/>
+                              <m:ctrlPr>
+                                <a:rPr lang="de-DE" b="0" i="1" smtClean="0">
+                                  <a:latin typeface="Cambria Math" panose="02040503050406030204" pitchFamily="18" charset="0"/>
+                                </a:rPr>
+                              </m:ctrlPr>
+                            </m:dPr>
+                            <m:e>
+                              <m:r>
+                                <a:rPr lang="de-DE" i="1">
+                                  <a:latin typeface="Cambria Math" panose="02040503050406030204" pitchFamily="18" charset="0"/>
+                                </a:rPr>
+                                <m:t>𝐼</m:t>
+                              </m:r>
+                              <m:d>
+                                <m:dPr>
+                                  <m:ctrlPr>
+                                    <a:rPr lang="de-DE" i="1">
+                                      <a:latin typeface="Cambria Math" panose="02040503050406030204" pitchFamily="18" charset="0"/>
+                                    </a:rPr>
+                                  </m:ctrlPr>
+                                </m:dPr>
+                                <m:e>
+                                  <m:r>
+                                    <a:rPr lang="de-DE" i="1">
+                                      <a:latin typeface="Cambria Math" panose="02040503050406030204" pitchFamily="18" charset="0"/>
+                                    </a:rPr>
+                                    <m:t>𝑥</m:t>
+                                  </m:r>
+                                  <m:r>
+                                    <a:rPr lang="de-DE" i="1">
+                                      <a:latin typeface="Cambria Math" panose="02040503050406030204" pitchFamily="18" charset="0"/>
+                                    </a:rPr>
+                                    <m:t>+1,</m:t>
+                                  </m:r>
+                                  <m:r>
+                                    <a:rPr lang="de-DE" i="1">
+                                      <a:latin typeface="Cambria Math" panose="02040503050406030204" pitchFamily="18" charset="0"/>
+                                    </a:rPr>
+                                    <m:t>𝑦</m:t>
+                                  </m:r>
+                                </m:e>
+                              </m:d>
+                              <m:r>
+                                <a:rPr lang="de-DE" i="1">
+                                  <a:latin typeface="Cambria Math" panose="02040503050406030204" pitchFamily="18" charset="0"/>
+                                </a:rPr>
+                                <m:t>−</m:t>
+                              </m:r>
+                              <m:r>
+                                <a:rPr lang="de-DE" i="1">
+                                  <a:latin typeface="Cambria Math" panose="02040503050406030204" pitchFamily="18" charset="0"/>
+                                </a:rPr>
+                                <m:t>𝐼</m:t>
+                              </m:r>
+                              <m:d>
+                                <m:dPr>
+                                  <m:ctrlPr>
+                                    <a:rPr lang="de-DE" i="1">
+                                      <a:latin typeface="Cambria Math" panose="02040503050406030204" pitchFamily="18" charset="0"/>
+                                    </a:rPr>
+                                  </m:ctrlPr>
+                                </m:dPr>
+                                <m:e>
+                                  <m:r>
+                                    <a:rPr lang="de-DE" i="1">
+                                      <a:latin typeface="Cambria Math" panose="02040503050406030204" pitchFamily="18" charset="0"/>
+                                    </a:rPr>
+                                    <m:t>𝑥</m:t>
+                                  </m:r>
+                                  <m:r>
+                                    <a:rPr lang="de-DE" i="1">
+                                      <a:latin typeface="Cambria Math" panose="02040503050406030204" pitchFamily="18" charset="0"/>
+                                    </a:rPr>
+                                    <m:t>−1,</m:t>
+                                  </m:r>
+                                  <m:r>
+                                    <a:rPr lang="de-DE" i="1">
+                                      <a:latin typeface="Cambria Math" panose="02040503050406030204" pitchFamily="18" charset="0"/>
+                                    </a:rPr>
+                                    <m:t>𝑦</m:t>
+                                  </m:r>
+                                </m:e>
+                              </m:d>
+                            </m:e>
+                          </m:d>
+                        </m:e>
+                        <m:sup>
+                          <m:r>
+                            <a:rPr lang="de-DE" b="0" i="1" smtClean="0">
+                              <a:latin typeface="Cambria Math" panose="02040503050406030204" pitchFamily="18" charset="0"/>
+                            </a:rPr>
+                            <m:t>2 </m:t>
+                          </m:r>
+                        </m:sup>
+                      </m:sSup>
+                      <m:r>
+                        <a:rPr lang="de-DE" b="0" i="1" smtClean="0">
+                          <a:latin typeface="Cambria Math" panose="02040503050406030204" pitchFamily="18" charset="0"/>
+                        </a:rPr>
+                        <m:t>+</m:t>
+                      </m:r>
+                      <m:sSup>
+                        <m:sSupPr>
+                          <m:ctrlPr>
+                            <a:rPr lang="de-DE" i="1">
+                              <a:latin typeface="Cambria Math" panose="02040503050406030204" pitchFamily="18" charset="0"/>
+                            </a:rPr>
+                          </m:ctrlPr>
+                        </m:sSupPr>
+                        <m:e>
+                          <m:d>
+                            <m:dPr>
+                              <m:begChr m:val="‖"/>
+                              <m:endChr m:val="‖"/>
+                              <m:ctrlPr>
+                                <a:rPr lang="de-DE" i="1">
+                                  <a:latin typeface="Cambria Math" panose="02040503050406030204" pitchFamily="18" charset="0"/>
+                                </a:rPr>
+                              </m:ctrlPr>
+                            </m:dPr>
+                            <m:e>
+                              <m:r>
+                                <a:rPr lang="de-DE" i="1">
+                                  <a:latin typeface="Cambria Math" panose="02040503050406030204" pitchFamily="18" charset="0"/>
+                                </a:rPr>
+                                <m:t>𝐼</m:t>
+                              </m:r>
+                              <m:d>
+                                <m:dPr>
+                                  <m:ctrlPr>
+                                    <a:rPr lang="de-DE" i="1">
+                                      <a:latin typeface="Cambria Math" panose="02040503050406030204" pitchFamily="18" charset="0"/>
+                                    </a:rPr>
+                                  </m:ctrlPr>
+                                </m:dPr>
+                                <m:e>
+                                  <m:r>
+                                    <a:rPr lang="de-DE" i="1">
+                                      <a:latin typeface="Cambria Math" panose="02040503050406030204" pitchFamily="18" charset="0"/>
+                                    </a:rPr>
+                                    <m:t>𝑥</m:t>
+                                  </m:r>
+                                  <m:r>
+                                    <a:rPr lang="de-DE" i="1">
+                                      <a:latin typeface="Cambria Math" panose="02040503050406030204" pitchFamily="18" charset="0"/>
+                                    </a:rPr>
+                                    <m:t>,</m:t>
+                                  </m:r>
+                                  <m:r>
+                                    <a:rPr lang="de-DE" i="1">
+                                      <a:latin typeface="Cambria Math" panose="02040503050406030204" pitchFamily="18" charset="0"/>
+                                    </a:rPr>
+                                    <m:t>𝑦</m:t>
+                                  </m:r>
+                                  <m:r>
+                                    <a:rPr lang="de-DE" b="0" i="1" smtClean="0">
+                                      <a:latin typeface="Cambria Math" panose="02040503050406030204" pitchFamily="18" charset="0"/>
+                                    </a:rPr>
+                                    <m:t>+1</m:t>
+                                  </m:r>
+                                </m:e>
+                              </m:d>
+                              <m:r>
+                                <a:rPr lang="de-DE" i="1">
+                                  <a:latin typeface="Cambria Math" panose="02040503050406030204" pitchFamily="18" charset="0"/>
+                                </a:rPr>
+                                <m:t>−</m:t>
+                              </m:r>
+                              <m:r>
+                                <a:rPr lang="de-DE" i="1">
+                                  <a:latin typeface="Cambria Math" panose="02040503050406030204" pitchFamily="18" charset="0"/>
+                                </a:rPr>
+                                <m:t>𝐼</m:t>
+                              </m:r>
+                              <m:d>
+                                <m:dPr>
+                                  <m:ctrlPr>
+                                    <a:rPr lang="de-DE" i="1">
+                                      <a:latin typeface="Cambria Math" panose="02040503050406030204" pitchFamily="18" charset="0"/>
+                                    </a:rPr>
+                                  </m:ctrlPr>
+                                </m:dPr>
+                                <m:e>
+                                  <m:r>
+                                    <a:rPr lang="de-DE" i="1">
+                                      <a:latin typeface="Cambria Math" panose="02040503050406030204" pitchFamily="18" charset="0"/>
+                                    </a:rPr>
+                                    <m:t>𝑥</m:t>
+                                  </m:r>
+                                  <m:r>
+                                    <a:rPr lang="de-DE" i="1">
+                                      <a:latin typeface="Cambria Math" panose="02040503050406030204" pitchFamily="18" charset="0"/>
+                                    </a:rPr>
+                                    <m:t>,</m:t>
+                                  </m:r>
+                                  <m:r>
+                                    <a:rPr lang="de-DE" i="1">
+                                      <a:latin typeface="Cambria Math" panose="02040503050406030204" pitchFamily="18" charset="0"/>
+                                    </a:rPr>
+                                    <m:t>𝑦</m:t>
+                                  </m:r>
+                                  <m:r>
+                                    <a:rPr lang="de-DE" b="0" i="1" smtClean="0">
+                                      <a:latin typeface="Cambria Math" panose="02040503050406030204" pitchFamily="18" charset="0"/>
+                                    </a:rPr>
+                                    <m:t>−1</m:t>
+                                  </m:r>
+                                </m:e>
+                              </m:d>
+                            </m:e>
+                          </m:d>
+                        </m:e>
+                        <m:sup>
+                          <m:r>
+                            <a:rPr lang="de-DE" i="1">
+                              <a:latin typeface="Cambria Math" panose="02040503050406030204" pitchFamily="18" charset="0"/>
+                            </a:rPr>
+                            <m:t>2</m:t>
+                          </m:r>
+                        </m:sup>
+                      </m:sSup>
+                    </m:oMath>
+                  </m:oMathPara>
+                </a14:m>
+                <a:endParaRPr lang="de-DE" dirty="0"/>
+              </a:p>
+            </p:txBody>
+          </p:sp>
+        </mc:Choice>
+        <mc:Fallback xmlns="">
+          <p:sp>
+            <p:nvSpPr>
+              <p:cNvPr id="44" name="Textfeld 43">
+                <a:extLst>
+                  <a:ext uri="{FF2B5EF4-FFF2-40B4-BE49-F238E27FC236}">
+                    <a16:creationId xmlns:a16="http://schemas.microsoft.com/office/drawing/2014/main" id="{2CF8AA26-7B8F-CE4D-BECA-AB1716888B81}"/>
+                  </a:ext>
+                </a:extLst>
+              </p:cNvPr>
+              <p:cNvSpPr txBox="1">
+                <a:spLocks noRot="1" noChangeAspect="1" noMove="1" noResize="1" noEditPoints="1" noAdjustHandles="1" noChangeArrowheads="1" noChangeShapeType="1" noTextEdit="1"/>
+              </p:cNvSpPr>
+              <p:nvPr/>
+            </p:nvSpPr>
+            <p:spPr>
+              <a:xfrm>
+                <a:off x="103548" y="5322966"/>
+                <a:ext cx="7034170" cy="369332"/>
+              </a:xfrm>
+              <a:prstGeom prst="rect">
+                <a:avLst/>
+              </a:prstGeom>
+              <a:blipFill>
+                <a:blip r:embed="rId6"/>
+                <a:stretch>
+                  <a:fillRect b="-20000"/>
+                </a:stretch>
+              </a:blipFill>
+            </p:spPr>
+            <p:txBody>
+              <a:bodyPr/>
+              <a:lstStyle/>
+              <a:p>
+                <a:r>
+                  <a:rPr lang="de-DE">
+                    <a:noFill/>
+                  </a:rPr>
+                  <a:t> </a:t>
+                </a:r>
+              </a:p>
+            </p:txBody>
+          </p:sp>
+        </mc:Fallback>
+      </mc:AlternateContent>
+      <p:pic>
+        <p:nvPicPr>
+          <p:cNvPr id="46" name="Grafik 45">
+            <a:extLst>
+              <a:ext uri="{FF2B5EF4-FFF2-40B4-BE49-F238E27FC236}">
+                <a16:creationId xmlns:a16="http://schemas.microsoft.com/office/drawing/2014/main" id="{DD0E581C-53A9-334A-B207-96FDA6957ACB}"/>
+              </a:ext>
+            </a:extLst>
+          </p:cNvPr>
+          <p:cNvPicPr>
+            <a:picLocks noChangeAspect="1"/>
+          </p:cNvPicPr>
+          <p:nvPr/>
+        </p:nvPicPr>
+        <p:blipFill>
+          <a:blip r:embed="rId7">
+            <a:extLst>
+              <a:ext uri="{28A0092B-C50C-407E-A947-70E740481C1C}">
+                <a14:useLocalDpi xmlns:a14="http://schemas.microsoft.com/office/drawing/2010/main" val="0"/>
+              </a:ext>
+            </a:extLst>
+          </a:blip>
+          <a:stretch>
+            <a:fillRect/>
+          </a:stretch>
+        </p:blipFill>
+        <p:spPr>
+          <a:xfrm>
+            <a:off x="5967688" y="1621769"/>
+            <a:ext cx="2424142" cy="2432196"/>
+          </a:xfrm>
+          <a:prstGeom prst="rect">
+            <a:avLst/>
+          </a:prstGeom>
+        </p:spPr>
+      </p:pic>
+      <mc:AlternateContent xmlns:mc="http://schemas.openxmlformats.org/markup-compatibility/2006" xmlns:a14="http://schemas.microsoft.com/office/drawing/2010/main">
+        <mc:Choice Requires="a14">
+          <p:sp>
+            <p:nvSpPr>
+              <p:cNvPr id="47" name="Textfeld 46">
+                <a:extLst>
+                  <a:ext uri="{FF2B5EF4-FFF2-40B4-BE49-F238E27FC236}">
+                    <a16:creationId xmlns:a16="http://schemas.microsoft.com/office/drawing/2014/main" id="{F3DC2504-B7CE-7D42-BD98-B7089C97B485}"/>
+                  </a:ext>
+                </a:extLst>
+              </p:cNvPr>
+              <p:cNvSpPr txBox="1"/>
+              <p:nvPr/>
+            </p:nvSpPr>
+            <p:spPr>
+              <a:xfrm>
+                <a:off x="5304293" y="3582425"/>
+                <a:ext cx="522451" cy="400110"/>
+              </a:xfrm>
+              <a:prstGeom prst="rect">
+                <a:avLst/>
+              </a:prstGeom>
+              <a:noFill/>
+            </p:spPr>
+            <p:txBody>
+              <a:bodyPr wrap="none" rtlCol="0">
+                <a:spAutoFit/>
+              </a:bodyPr>
+              <a:lstStyle/>
+              <a:p>
+                <a:pPr/>
+                <a14:m>
+                  <m:oMathPara xmlns:m="http://schemas.openxmlformats.org/officeDocument/2006/math">
+                    <m:oMathParaPr>
+                      <m:jc m:val="centerGroup"/>
+                    </m:oMathParaPr>
+                    <m:oMath xmlns:m="http://schemas.openxmlformats.org/officeDocument/2006/math">
+                      <m:sSub>
+                        <m:sSubPr>
+                          <m:ctrlPr>
+                            <a:rPr lang="de-DE" sz="2000" b="0" i="1" smtClean="0">
+                              <a:solidFill>
+                                <a:srgbClr val="C00000"/>
+                              </a:solidFill>
+                              <a:latin typeface="Cambria Math" panose="02040503050406030204" pitchFamily="18" charset="0"/>
+                            </a:rPr>
+                          </m:ctrlPr>
+                        </m:sSubPr>
+                        <m:e>
+                          <m:r>
+                            <a:rPr lang="de-DE" sz="2000" b="0" i="1" smtClean="0">
+                              <a:solidFill>
+                                <a:srgbClr val="C00000"/>
+                              </a:solidFill>
+                              <a:latin typeface="Cambria Math" panose="02040503050406030204" pitchFamily="18" charset="0"/>
+                            </a:rPr>
+                            <m:t>𝐶</m:t>
+                          </m:r>
+                        </m:e>
+                        <m:sub>
+                          <m:r>
+                            <a:rPr lang="de-DE" sz="2000" b="0" i="1" smtClean="0">
+                              <a:solidFill>
+                                <a:srgbClr val="C00000"/>
+                              </a:solidFill>
+                              <a:latin typeface="Cambria Math" panose="02040503050406030204" pitchFamily="18" charset="0"/>
+                            </a:rPr>
+                            <m:t>𝑘</m:t>
+                          </m:r>
+                        </m:sub>
+                      </m:sSub>
+                    </m:oMath>
+                  </m:oMathPara>
+                </a14:m>
+                <a:endParaRPr lang="de-DE" sz="2000" dirty="0">
+                  <a:solidFill>
+                    <a:srgbClr val="C00000"/>
+                  </a:solidFill>
+                </a:endParaRPr>
+              </a:p>
+            </p:txBody>
+          </p:sp>
+        </mc:Choice>
+        <mc:Fallback xmlns="">
+          <p:sp>
+            <p:nvSpPr>
+              <p:cNvPr id="47" name="Textfeld 46">
+                <a:extLst>
+                  <a:ext uri="{FF2B5EF4-FFF2-40B4-BE49-F238E27FC236}">
+                    <a16:creationId xmlns:a16="http://schemas.microsoft.com/office/drawing/2014/main" id="{F3DC2504-B7CE-7D42-BD98-B7089C97B485}"/>
+                  </a:ext>
+                </a:extLst>
+              </p:cNvPr>
+              <p:cNvSpPr txBox="1">
+                <a:spLocks noRot="1" noChangeAspect="1" noMove="1" noResize="1" noEditPoints="1" noAdjustHandles="1" noChangeArrowheads="1" noChangeShapeType="1" noTextEdit="1"/>
+              </p:cNvSpPr>
+              <p:nvPr/>
+            </p:nvSpPr>
+            <p:spPr>
+              <a:xfrm>
+                <a:off x="5304293" y="3582425"/>
+                <a:ext cx="522451" cy="400110"/>
+              </a:xfrm>
+              <a:prstGeom prst="rect">
+                <a:avLst/>
+              </a:prstGeom>
+              <a:blipFill>
+                <a:blip r:embed="rId8"/>
+                <a:stretch>
+                  <a:fillRect/>
+                </a:stretch>
+              </a:blipFill>
+            </p:spPr>
+            <p:txBody>
+              <a:bodyPr/>
+              <a:lstStyle/>
+              <a:p>
+                <a:r>
+                  <a:rPr lang="de-DE">
+                    <a:noFill/>
+                  </a:rPr>
+                  <a:t> </a:t>
+                </a:r>
+              </a:p>
+            </p:txBody>
+          </p:sp>
+        </mc:Fallback>
+      </mc:AlternateContent>
+      <p:cxnSp>
+        <p:nvCxnSpPr>
+          <p:cNvPr id="48" name="Gerade Verbindung mit Pfeil 47">
+            <a:extLst>
+              <a:ext uri="{FF2B5EF4-FFF2-40B4-BE49-F238E27FC236}">
+                <a16:creationId xmlns:a16="http://schemas.microsoft.com/office/drawing/2014/main" id="{22557AEF-5320-B948-A0D7-E23B1A7C354C}"/>
+              </a:ext>
+            </a:extLst>
+          </p:cNvPr>
+          <p:cNvCxnSpPr>
+            <a:cxnSpLocks/>
+          </p:cNvCxnSpPr>
+          <p:nvPr/>
+        </p:nvCxnSpPr>
+        <p:spPr>
+          <a:xfrm flipV="1">
+            <a:off x="5768839" y="3109845"/>
+            <a:ext cx="531353" cy="492193"/>
+          </a:xfrm>
+          <a:prstGeom prst="straightConnector1">
+            <a:avLst/>
+          </a:prstGeom>
+          <a:ln w="47625">
+            <a:solidFill>
+              <a:srgbClr val="C00000"/>
+            </a:solidFill>
+            <a:tailEnd type="triangle"/>
+          </a:ln>
+        </p:spPr>
+        <p:style>
+          <a:lnRef idx="1">
+            <a:schemeClr val="accent1"/>
+          </a:lnRef>
+          <a:fillRef idx="0">
+            <a:schemeClr val="accent1"/>
+          </a:fillRef>
+          <a:effectRef idx="0">
+            <a:schemeClr val="accent1"/>
+          </a:effectRef>
+          <a:fontRef idx="minor">
+            <a:schemeClr val="tx1"/>
+          </a:fontRef>
+        </p:style>
+      </p:cxnSp>
+      <p:cxnSp>
+        <p:nvCxnSpPr>
+          <p:cNvPr id="51" name="Gerade Verbindung mit Pfeil 50">
+            <a:extLst>
+              <a:ext uri="{FF2B5EF4-FFF2-40B4-BE49-F238E27FC236}">
+                <a16:creationId xmlns:a16="http://schemas.microsoft.com/office/drawing/2014/main" id="{1C808EB3-04E7-0844-A88F-40281DD00F4B}"/>
+              </a:ext>
+            </a:extLst>
+          </p:cNvPr>
+          <p:cNvCxnSpPr>
+            <a:cxnSpLocks/>
+          </p:cNvCxnSpPr>
+          <p:nvPr/>
+        </p:nvCxnSpPr>
+        <p:spPr>
+          <a:xfrm>
+            <a:off x="6845712" y="1857916"/>
+            <a:ext cx="750624" cy="0"/>
+          </a:xfrm>
+          <a:prstGeom prst="straightConnector1">
+            <a:avLst/>
+          </a:prstGeom>
+          <a:ln w="41275">
+            <a:solidFill>
+              <a:srgbClr val="C00000"/>
+            </a:solidFill>
+            <a:headEnd type="triangle"/>
+            <a:tailEnd type="triangle"/>
+          </a:ln>
+        </p:spPr>
+        <p:style>
+          <a:lnRef idx="1">
+            <a:schemeClr val="accent1"/>
+          </a:lnRef>
+          <a:fillRef idx="0">
+            <a:schemeClr val="accent1"/>
+          </a:fillRef>
+          <a:effectRef idx="0">
+            <a:schemeClr val="accent1"/>
+          </a:effectRef>
+          <a:fontRef idx="minor">
+            <a:schemeClr val="tx1"/>
+          </a:fontRef>
+        </p:style>
+      </p:cxnSp>
+      <p:sp>
+        <p:nvSpPr>
+          <p:cNvPr id="52" name="Textfeld 51">
+            <a:extLst>
+              <a:ext uri="{FF2B5EF4-FFF2-40B4-BE49-F238E27FC236}">
+                <a16:creationId xmlns:a16="http://schemas.microsoft.com/office/drawing/2014/main" id="{5C57B549-5A96-8E43-9E2B-620D7989B2C1}"/>
+              </a:ext>
+            </a:extLst>
+          </p:cNvPr>
+          <p:cNvSpPr txBox="1"/>
+          <p:nvPr/>
+        </p:nvSpPr>
+        <p:spPr>
+          <a:xfrm>
+            <a:off x="7000892" y="1372724"/>
+            <a:ext cx="338554" cy="400110"/>
+          </a:xfrm>
+          <a:prstGeom prst="rect">
+            <a:avLst/>
+          </a:prstGeom>
+          <a:noFill/>
+        </p:spPr>
+        <p:txBody>
+          <a:bodyPr wrap="square" rtlCol="0">
+            <a:spAutoFit/>
+          </a:bodyPr>
+          <a:lstStyle/>
+          <a:p>
+            <a:r>
+              <a:rPr lang="de-DE" sz="2000" dirty="0">
+                <a:solidFill>
+                  <a:srgbClr val="C00000"/>
+                </a:solidFill>
+              </a:rPr>
+              <a:t>S</a:t>
+            </a:r>
+          </a:p>
+        </p:txBody>
+      </p:sp>
+      <mc:AlternateContent xmlns:mc="http://schemas.openxmlformats.org/markup-compatibility/2006" xmlns:a14="http://schemas.microsoft.com/office/drawing/2010/main">
+        <mc:Choice Requires="a14">
+          <p:sp>
+            <p:nvSpPr>
+              <p:cNvPr id="54" name="Textfeld 53">
+                <a:extLst>
+                  <a:ext uri="{FF2B5EF4-FFF2-40B4-BE49-F238E27FC236}">
+                    <a16:creationId xmlns:a16="http://schemas.microsoft.com/office/drawing/2014/main" id="{F2A3C39C-724E-2646-8E6B-01168C6792B4}"/>
+                  </a:ext>
+                </a:extLst>
+              </p:cNvPr>
+              <p:cNvSpPr txBox="1"/>
+              <p:nvPr/>
+            </p:nvSpPr>
+            <p:spPr>
+              <a:xfrm>
+                <a:off x="6060650" y="2329238"/>
+                <a:ext cx="524246" cy="400110"/>
+              </a:xfrm>
+              <a:prstGeom prst="rect">
+                <a:avLst/>
+              </a:prstGeom>
+              <a:noFill/>
+            </p:spPr>
+            <p:txBody>
+              <a:bodyPr wrap="none" rtlCol="0">
+                <a:spAutoFit/>
+              </a:bodyPr>
+              <a:lstStyle/>
+              <a:p>
+                <a:pPr/>
+                <a14:m>
+                  <m:oMathPara xmlns:m="http://schemas.openxmlformats.org/officeDocument/2006/math">
+                    <m:oMathParaPr>
+                      <m:jc m:val="centerGroup"/>
+                    </m:oMathParaPr>
+                    <m:oMath xmlns:m="http://schemas.openxmlformats.org/officeDocument/2006/math">
+                      <m:sSup>
+                        <m:sSupPr>
+                          <m:ctrlPr>
+                            <a:rPr lang="de-DE" sz="2000" b="0" i="1" smtClean="0">
+                              <a:solidFill>
+                                <a:srgbClr val="C00000"/>
+                              </a:solidFill>
+                              <a:latin typeface="Cambria Math" panose="02040503050406030204" pitchFamily="18" charset="0"/>
+                            </a:rPr>
+                          </m:ctrlPr>
+                        </m:sSupPr>
+                        <m:e>
+                          <m:r>
+                            <a:rPr lang="de-DE" sz="2000" b="0" i="1" smtClean="0">
+                              <a:solidFill>
+                                <a:srgbClr val="C00000"/>
+                              </a:solidFill>
+                              <a:latin typeface="Cambria Math" panose="02040503050406030204" pitchFamily="18" charset="0"/>
+                            </a:rPr>
+                            <m:t>𝑆</m:t>
+                          </m:r>
+                        </m:e>
+                        <m:sup>
+                          <m:r>
+                            <a:rPr lang="de-DE" sz="2000" b="0" i="1" smtClean="0">
+                              <a:solidFill>
+                                <a:srgbClr val="C00000"/>
+                              </a:solidFill>
+                              <a:latin typeface="Cambria Math" panose="02040503050406030204" pitchFamily="18" charset="0"/>
+                            </a:rPr>
+                            <m:t>2</m:t>
+                          </m:r>
+                        </m:sup>
+                      </m:sSup>
+                    </m:oMath>
+                  </m:oMathPara>
+                </a14:m>
+                <a:endParaRPr lang="de-DE" sz="2000" dirty="0">
+                  <a:solidFill>
+                    <a:srgbClr val="C00000"/>
+                  </a:solidFill>
+                </a:endParaRPr>
+              </a:p>
+            </p:txBody>
+          </p:sp>
+        </mc:Choice>
+        <mc:Fallback xmlns="">
+          <p:sp>
+            <p:nvSpPr>
+              <p:cNvPr id="54" name="Textfeld 53">
+                <a:extLst>
+                  <a:ext uri="{FF2B5EF4-FFF2-40B4-BE49-F238E27FC236}">
+                    <a16:creationId xmlns:a16="http://schemas.microsoft.com/office/drawing/2014/main" id="{F2A3C39C-724E-2646-8E6B-01168C6792B4}"/>
+                  </a:ext>
+                </a:extLst>
+              </p:cNvPr>
+              <p:cNvSpPr txBox="1">
+                <a:spLocks noRot="1" noChangeAspect="1" noMove="1" noResize="1" noEditPoints="1" noAdjustHandles="1" noChangeArrowheads="1" noChangeShapeType="1" noTextEdit="1"/>
+              </p:cNvSpPr>
+              <p:nvPr/>
+            </p:nvSpPr>
+            <p:spPr>
+              <a:xfrm>
+                <a:off x="6060650" y="2329238"/>
+                <a:ext cx="524246" cy="400110"/>
+              </a:xfrm>
+              <a:prstGeom prst="rect">
+                <a:avLst/>
+              </a:prstGeom>
+              <a:blipFill>
+                <a:blip r:embed="rId9"/>
+                <a:stretch>
+                  <a:fillRect/>
+                </a:stretch>
+              </a:blipFill>
+            </p:spPr>
+            <p:txBody>
+              <a:bodyPr/>
+              <a:lstStyle/>
+              <a:p>
+                <a:r>
+                  <a:rPr lang="de-DE">
+                    <a:noFill/>
+                  </a:rPr>
+                  <a:t> </a:t>
+                </a:r>
+              </a:p>
+            </p:txBody>
+          </p:sp>
+        </mc:Fallback>
+      </mc:AlternateContent>
+      <p:sp>
+        <p:nvSpPr>
+          <p:cNvPr id="55" name="Textfeld 54">
+            <a:extLst>
+              <a:ext uri="{FF2B5EF4-FFF2-40B4-BE49-F238E27FC236}">
+                <a16:creationId xmlns:a16="http://schemas.microsoft.com/office/drawing/2014/main" id="{4BEBC45B-F99A-5642-AB97-0A0DA539E1B5}"/>
+              </a:ext>
+            </a:extLst>
+          </p:cNvPr>
+          <p:cNvSpPr txBox="1"/>
+          <p:nvPr/>
+        </p:nvSpPr>
+        <p:spPr>
+          <a:xfrm>
+            <a:off x="6324033" y="4118344"/>
+            <a:ext cx="1627369" cy="369332"/>
+          </a:xfrm>
+          <a:prstGeom prst="rect">
+            <a:avLst/>
+          </a:prstGeom>
+          <a:noFill/>
+        </p:spPr>
+        <p:txBody>
+          <a:bodyPr wrap="none" rtlCol="0">
+            <a:spAutoFit/>
+          </a:bodyPr>
+          <a:lstStyle/>
+          <a:p>
+            <a:r>
+              <a:rPr lang="de-DE" dirty="0"/>
+              <a:t>N = 256x256p</a:t>
+            </a:r>
+          </a:p>
+        </p:txBody>
+      </p:sp>
+    </p:spTree>
+    <p:extLst>
+      <p:ext uri="{BB962C8B-B14F-4D97-AF65-F5344CB8AC3E}">
+        <p14:creationId xmlns:p14="http://schemas.microsoft.com/office/powerpoint/2010/main" val="434333802"/>
+      </p:ext>
+    </p:extLst>
+  </p:cSld>
+  <p:clrMapOvr>
+    <a:masterClrMapping/>
+  </p:clrMapOvr>
+</p:sld>
+</file>
+
+<file path=ppt/slides/slide5.xml><?xml version="1.0" encoding="utf-8"?>
+<p:sld xmlns:a="http://schemas.openxmlformats.org/drawingml/2006/main" xmlns:r="http://schemas.openxmlformats.org/officeDocument/2006/relationships" xmlns:p="http://schemas.openxmlformats.org/presentationml/2006/main">
+  <p:cSld>
+    <p:spTree>
+      <p:nvGrpSpPr>
+        <p:cNvPr id="1" name=""/>
+        <p:cNvGrpSpPr/>
+        <p:nvPr/>
+      </p:nvGrpSpPr>
+      <p:grpSpPr>
+        <a:xfrm>
+          <a:off x="0" y="0"/>
+          <a:ext cx="0" cy="0"/>
+          <a:chOff x="0" y="0"/>
+          <a:chExt cx="0" cy="0"/>
+        </a:xfrm>
+      </p:grpSpPr>
+      <p:sp>
+        <p:nvSpPr>
+          <p:cNvPr id="2" name="Title 1"/>
+          <p:cNvSpPr>
+            <a:spLocks noGrp="1"/>
+          </p:cNvSpPr>
+          <p:nvPr>
+            <p:ph type="title"/>
+          </p:nvPr>
+        </p:nvSpPr>
+        <p:spPr/>
+        <p:txBody>
+          <a:bodyPr/>
+          <a:lstStyle/>
+          <a:p>
+            <a:r>
+              <a:rPr lang="en-US" dirty="0"/>
+              <a:t>s1 SLIC- Simple linear iterative clustering </a:t>
+            </a:r>
+          </a:p>
+        </p:txBody>
+      </p:sp>
+      <mc:AlternateContent xmlns:mc="http://schemas.openxmlformats.org/markup-compatibility/2006" xmlns:a14="http://schemas.microsoft.com/office/drawing/2010/main">
+        <mc:Choice Requires="a14">
+          <p:sp>
+            <p:nvSpPr>
+              <p:cNvPr id="31" name="Textfeld 30">
+                <a:extLst>
+                  <a:ext uri="{FF2B5EF4-FFF2-40B4-BE49-F238E27FC236}">
+                    <a16:creationId xmlns:a16="http://schemas.microsoft.com/office/drawing/2014/main" id="{331DEF4C-3750-864C-A846-8AD1C58FE497}"/>
+                  </a:ext>
+                </a:extLst>
+              </p:cNvPr>
+              <p:cNvSpPr txBox="1"/>
+              <p:nvPr/>
+            </p:nvSpPr>
+            <p:spPr>
+              <a:xfrm>
+                <a:off x="179512" y="1528131"/>
+                <a:ext cx="4953023" cy="369332"/>
+              </a:xfrm>
+              <a:prstGeom prst="rect">
+                <a:avLst/>
+              </a:prstGeom>
+              <a:noFill/>
+            </p:spPr>
+            <p:txBody>
+              <a:bodyPr wrap="none" rtlCol="0">
+                <a:spAutoFit/>
+              </a:bodyPr>
+              <a:lstStyle/>
+              <a:p>
+                <a:r>
+                  <a:rPr lang="de-DE" dirty="0"/>
+                  <a:t>4. </a:t>
+                </a:r>
+                <a:r>
+                  <a:rPr lang="de-DE" dirty="0" err="1"/>
+                  <a:t>Associate</a:t>
+                </a:r>
+                <a:r>
+                  <a:rPr lang="de-DE" dirty="0"/>
+                  <a:t> </a:t>
+                </a:r>
+                <a:r>
+                  <a:rPr lang="de-DE" dirty="0" err="1"/>
+                  <a:t>pixels</a:t>
+                </a:r>
+                <a:r>
+                  <a:rPr lang="de-DE" dirty="0"/>
+                  <a:t> </a:t>
+                </a:r>
+                <a:r>
+                  <a:rPr lang="de-DE" dirty="0" err="1"/>
+                  <a:t>to</a:t>
+                </a:r>
+                <a:r>
+                  <a:rPr lang="de-DE" dirty="0"/>
+                  <a:t> </a:t>
+                </a:r>
+                <a:r>
+                  <a:rPr lang="de-DE" dirty="0" err="1"/>
+                  <a:t>nearest</a:t>
+                </a:r>
+                <a:r>
+                  <a:rPr lang="de-DE" dirty="0"/>
+                  <a:t> </a:t>
+                </a:r>
+                <a14:m>
+                  <m:oMath xmlns:m="http://schemas.openxmlformats.org/officeDocument/2006/math">
+                    <m:sSub>
+                      <m:sSubPr>
+                        <m:ctrlPr>
+                          <a:rPr lang="de-DE" i="1" smtClean="0">
+                            <a:latin typeface="Cambria Math" panose="02040503050406030204" pitchFamily="18" charset="0"/>
+                          </a:rPr>
+                        </m:ctrlPr>
+                      </m:sSubPr>
+                      <m:e>
+                        <m:r>
+                          <a:rPr lang="de-DE" b="0" i="1" smtClean="0">
+                            <a:latin typeface="Cambria Math" panose="02040503050406030204" pitchFamily="18" charset="0"/>
+                          </a:rPr>
+                          <m:t>𝐶</m:t>
+                        </m:r>
+                      </m:e>
+                      <m:sub>
+                        <m:r>
+                          <a:rPr lang="de-DE" b="0" i="1" smtClean="0">
+                            <a:latin typeface="Cambria Math" panose="02040503050406030204" pitchFamily="18" charset="0"/>
+                          </a:rPr>
+                          <m:t>𝑘</m:t>
+                        </m:r>
+                      </m:sub>
+                    </m:sSub>
+                    <m:r>
+                      <a:rPr lang="de-DE" b="0" i="1" smtClean="0">
+                        <a:latin typeface="Cambria Math" panose="02040503050406030204" pitchFamily="18" charset="0"/>
+                      </a:rPr>
+                      <m:t> </m:t>
+                    </m:r>
+                    <m:r>
+                      <a:rPr lang="de-DE" b="0" i="0" smtClean="0">
+                        <a:latin typeface="Cambria Math" panose="02040503050406030204" pitchFamily="18" charset="0"/>
+                      </a:rPr>
+                      <m:t>→</m:t>
+                    </m:r>
+                    <m:r>
+                      <m:rPr>
+                        <m:sty m:val="p"/>
+                      </m:rPr>
+                      <a:rPr lang="de-DE" b="0" i="0" smtClean="0">
+                        <a:latin typeface="Cambria Math" panose="02040503050406030204" pitchFamily="18" charset="0"/>
+                      </a:rPr>
+                      <m:t>superpixel</m:t>
+                    </m:r>
+                  </m:oMath>
+                </a14:m>
+                <a:r>
+                  <a:rPr lang="de-DE" dirty="0"/>
+                  <a:t> </a:t>
+                </a:r>
+              </a:p>
+            </p:txBody>
+          </p:sp>
+        </mc:Choice>
+        <mc:Fallback xmlns="">
+          <p:sp>
+            <p:nvSpPr>
+              <p:cNvPr id="31" name="Textfeld 30">
+                <a:extLst>
+                  <a:ext uri="{FF2B5EF4-FFF2-40B4-BE49-F238E27FC236}">
+                    <a16:creationId xmlns:a16="http://schemas.microsoft.com/office/drawing/2014/main" id="{331DEF4C-3750-864C-A846-8AD1C58FE497}"/>
+                  </a:ext>
+                </a:extLst>
+              </p:cNvPr>
+              <p:cNvSpPr txBox="1">
+                <a:spLocks noRot="1" noChangeAspect="1" noMove="1" noResize="1" noEditPoints="1" noAdjustHandles="1" noChangeArrowheads="1" noChangeShapeType="1" noTextEdit="1"/>
+              </p:cNvSpPr>
+              <p:nvPr/>
+            </p:nvSpPr>
+            <p:spPr>
+              <a:xfrm>
+                <a:off x="179512" y="1528131"/>
+                <a:ext cx="4953023" cy="369332"/>
+              </a:xfrm>
+              <a:prstGeom prst="rect">
+                <a:avLst/>
+              </a:prstGeom>
+              <a:blipFill>
+                <a:blip r:embed="rId2"/>
+                <a:stretch>
+                  <a:fillRect l="-767" t="-6897" b="-24138"/>
+                </a:stretch>
+              </a:blipFill>
+            </p:spPr>
+            <p:txBody>
+              <a:bodyPr/>
+              <a:lstStyle/>
+              <a:p>
+                <a:r>
+                  <a:rPr lang="de-DE">
+                    <a:noFill/>
+                  </a:rPr>
+                  <a:t> </a:t>
+                </a:r>
+              </a:p>
+            </p:txBody>
+          </p:sp>
+        </mc:Fallback>
+      </mc:AlternateContent>
+      <p:sp>
+        <p:nvSpPr>
+          <p:cNvPr id="32" name="Textfeld 31">
+            <a:extLst>
+              <a:ext uri="{FF2B5EF4-FFF2-40B4-BE49-F238E27FC236}">
+                <a16:creationId xmlns:a16="http://schemas.microsoft.com/office/drawing/2014/main" id="{845BD36C-05CE-EC4F-A482-561CD974F628}"/>
+              </a:ext>
+            </a:extLst>
+          </p:cNvPr>
+          <p:cNvSpPr txBox="1"/>
+          <p:nvPr/>
+        </p:nvSpPr>
+        <p:spPr>
+          <a:xfrm>
+            <a:off x="487725" y="1893441"/>
+            <a:ext cx="2730235" cy="369332"/>
+          </a:xfrm>
+          <a:prstGeom prst="rect">
+            <a:avLst/>
+          </a:prstGeom>
+          <a:noFill/>
+        </p:spPr>
+        <p:txBody>
+          <a:bodyPr wrap="none" rtlCol="0">
+            <a:spAutoFit/>
+          </a:bodyPr>
+          <a:lstStyle/>
+          <a:p>
+            <a:pPr marL="285750" indent="-285750">
+              <a:buFont typeface="Arial" panose="020B0604020202020204" pitchFamily="34" charset="0"/>
+              <a:buChar char="•"/>
+            </a:pPr>
+            <a:r>
+              <a:rPr lang="de-DE" dirty="0"/>
+              <a:t>Search </a:t>
+            </a:r>
+            <a:r>
+              <a:rPr lang="de-DE" dirty="0" err="1"/>
+              <a:t>area</a:t>
+            </a:r>
+            <a:r>
+              <a:rPr lang="de-DE" dirty="0"/>
+              <a:t>: 2S x 2S </a:t>
+            </a:r>
+          </a:p>
+        </p:txBody>
+      </p:sp>
+      <mc:AlternateContent xmlns:mc="http://schemas.openxmlformats.org/markup-compatibility/2006" xmlns:a14="http://schemas.microsoft.com/office/drawing/2010/main">
+        <mc:Choice Requires="a14">
+          <p:sp>
+            <p:nvSpPr>
+              <p:cNvPr id="33" name="Textfeld 32">
+                <a:extLst>
+                  <a:ext uri="{FF2B5EF4-FFF2-40B4-BE49-F238E27FC236}">
+                    <a16:creationId xmlns:a16="http://schemas.microsoft.com/office/drawing/2014/main" id="{ABEC815D-D439-D448-8E67-D508AE06D99A}"/>
+                  </a:ext>
+                </a:extLst>
+              </p:cNvPr>
+              <p:cNvSpPr txBox="1"/>
+              <p:nvPr/>
+            </p:nvSpPr>
+            <p:spPr>
+              <a:xfrm>
+                <a:off x="179512" y="2384257"/>
+                <a:ext cx="4644990" cy="704745"/>
+              </a:xfrm>
+              <a:prstGeom prst="rect">
+                <a:avLst/>
+              </a:prstGeom>
+              <a:noFill/>
+            </p:spPr>
+            <p:txBody>
+              <a:bodyPr wrap="none" rtlCol="0">
+                <a:spAutoFit/>
+              </a:bodyPr>
+              <a:lstStyle/>
+              <a:p>
+                <a:pPr/>
+                <a14:m>
+                  <m:oMathPara xmlns:m="http://schemas.openxmlformats.org/officeDocument/2006/math">
+                    <m:oMathParaPr>
+                      <m:jc m:val="centerGroup"/>
+                    </m:oMathParaPr>
+                    <m:oMath xmlns:m="http://schemas.openxmlformats.org/officeDocument/2006/math">
+                      <m:sSub>
+                        <m:sSubPr>
+                          <m:ctrlPr>
+                            <a:rPr lang="de-DE" b="0" i="1" smtClean="0">
+                              <a:latin typeface="Cambria Math" panose="02040503050406030204" pitchFamily="18" charset="0"/>
+                            </a:rPr>
+                          </m:ctrlPr>
+                        </m:sSubPr>
+                        <m:e>
+                          <m:r>
+                            <a:rPr lang="de-DE" b="0" i="1" smtClean="0">
+                              <a:latin typeface="Cambria Math" panose="02040503050406030204" pitchFamily="18" charset="0"/>
+                            </a:rPr>
+                            <m:t>𝑑</m:t>
+                          </m:r>
+                        </m:e>
+                        <m:sub>
+                          <m:r>
+                            <a:rPr lang="de-DE" b="0" i="1" smtClean="0">
+                              <a:latin typeface="Cambria Math" panose="02040503050406030204" pitchFamily="18" charset="0"/>
+                            </a:rPr>
+                            <m:t>𝑙𝑎𝑏</m:t>
+                          </m:r>
+                        </m:sub>
+                      </m:sSub>
+                      <m:r>
+                        <a:rPr lang="de-DE" b="0" i="1" smtClean="0">
+                          <a:latin typeface="Cambria Math" panose="02040503050406030204" pitchFamily="18" charset="0"/>
+                        </a:rPr>
+                        <m:t>=</m:t>
+                      </m:r>
+                      <m:rad>
+                        <m:radPr>
+                          <m:degHide m:val="on"/>
+                          <m:ctrlPr>
+                            <a:rPr lang="de-DE" b="0" i="1" smtClean="0">
+                              <a:latin typeface="Cambria Math" panose="02040503050406030204" pitchFamily="18" charset="0"/>
+                            </a:rPr>
+                          </m:ctrlPr>
+                        </m:radPr>
+                        <m:deg/>
+                        <m:e>
+                          <m:sSup>
+                            <m:sSupPr>
+                              <m:ctrlPr>
+                                <a:rPr lang="de-DE" b="0" i="1" smtClean="0">
+                                  <a:latin typeface="Cambria Math" panose="02040503050406030204" pitchFamily="18" charset="0"/>
+                                </a:rPr>
+                              </m:ctrlPr>
+                            </m:sSupPr>
+                            <m:e>
+                              <m:d>
+                                <m:dPr>
+                                  <m:ctrlPr>
+                                    <a:rPr lang="de-DE" b="0" i="1" smtClean="0">
+                                      <a:latin typeface="Cambria Math" panose="02040503050406030204" pitchFamily="18" charset="0"/>
+                                    </a:rPr>
+                                  </m:ctrlPr>
+                                </m:dPr>
+                                <m:e>
+                                  <m:sSub>
+                                    <m:sSubPr>
+                                      <m:ctrlPr>
+                                        <a:rPr lang="de-DE" b="0" i="1" smtClean="0">
+                                          <a:latin typeface="Cambria Math" panose="02040503050406030204" pitchFamily="18" charset="0"/>
+                                        </a:rPr>
+                                      </m:ctrlPr>
+                                    </m:sSubPr>
+                                    <m:e>
+                                      <m:r>
+                                        <a:rPr lang="de-DE" b="0" i="1" smtClean="0">
+                                          <a:latin typeface="Cambria Math" panose="02040503050406030204" pitchFamily="18" charset="0"/>
+                                        </a:rPr>
+                                        <m:t>𝑙</m:t>
+                                      </m:r>
+                                    </m:e>
+                                    <m:sub>
+                                      <m:r>
+                                        <a:rPr lang="de-DE" b="0" i="1" smtClean="0">
+                                          <a:latin typeface="Cambria Math" panose="02040503050406030204" pitchFamily="18" charset="0"/>
+                                        </a:rPr>
+                                        <m:t>𝑘</m:t>
+                                      </m:r>
+                                    </m:sub>
+                                  </m:sSub>
+                                  <m:r>
+                                    <a:rPr lang="de-DE" b="0" i="1" smtClean="0">
+                                      <a:latin typeface="Cambria Math" panose="02040503050406030204" pitchFamily="18" charset="0"/>
+                                    </a:rPr>
+                                    <m:t>−</m:t>
+                                  </m:r>
+                                  <m:sSub>
+                                    <m:sSubPr>
+                                      <m:ctrlPr>
+                                        <a:rPr lang="de-DE" b="0" i="1" smtClean="0">
+                                          <a:latin typeface="Cambria Math" panose="02040503050406030204" pitchFamily="18" charset="0"/>
+                                        </a:rPr>
+                                      </m:ctrlPr>
+                                    </m:sSubPr>
+                                    <m:e>
+                                      <m:r>
+                                        <a:rPr lang="de-DE" b="0" i="1" smtClean="0">
+                                          <a:latin typeface="Cambria Math" panose="02040503050406030204" pitchFamily="18" charset="0"/>
+                                        </a:rPr>
+                                        <m:t>𝑙</m:t>
+                                      </m:r>
+                                    </m:e>
+                                    <m:sub>
+                                      <m:r>
+                                        <a:rPr lang="de-DE" b="0" i="1" smtClean="0">
+                                          <a:latin typeface="Cambria Math" panose="02040503050406030204" pitchFamily="18" charset="0"/>
+                                        </a:rPr>
+                                        <m:t>𝑖</m:t>
+                                      </m:r>
+                                    </m:sub>
+                                  </m:sSub>
+                                </m:e>
+                              </m:d>
+                            </m:e>
+                            <m:sup>
+                              <m:r>
+                                <a:rPr lang="de-DE" b="0" i="1" smtClean="0">
+                                  <a:latin typeface="Cambria Math" panose="02040503050406030204" pitchFamily="18" charset="0"/>
+                                </a:rPr>
+                                <m:t>2</m:t>
+                              </m:r>
+                            </m:sup>
+                          </m:sSup>
+                          <m:r>
+                            <a:rPr lang="de-DE" b="0" i="1" smtClean="0">
+                              <a:latin typeface="Cambria Math" panose="02040503050406030204" pitchFamily="18" charset="0"/>
+                            </a:rPr>
+                            <m:t>+</m:t>
+                          </m:r>
+                          <m:sSup>
+                            <m:sSupPr>
+                              <m:ctrlPr>
+                                <a:rPr lang="de-DE" i="1">
+                                  <a:latin typeface="Cambria Math" panose="02040503050406030204" pitchFamily="18" charset="0"/>
+                                </a:rPr>
+                              </m:ctrlPr>
+                            </m:sSupPr>
+                            <m:e>
+                              <m:d>
+                                <m:dPr>
+                                  <m:ctrlPr>
+                                    <a:rPr lang="de-DE" i="1">
+                                      <a:latin typeface="Cambria Math" panose="02040503050406030204" pitchFamily="18" charset="0"/>
+                                    </a:rPr>
+                                  </m:ctrlPr>
+                                </m:dPr>
+                                <m:e>
+                                  <m:sSub>
+                                    <m:sSubPr>
+                                      <m:ctrlPr>
+                                        <a:rPr lang="de-DE" i="1">
+                                          <a:latin typeface="Cambria Math" panose="02040503050406030204" pitchFamily="18" charset="0"/>
+                                        </a:rPr>
+                                      </m:ctrlPr>
+                                    </m:sSubPr>
+                                    <m:e>
+                                      <m:r>
+                                        <a:rPr lang="de-DE" b="0" i="1" smtClean="0">
+                                          <a:latin typeface="Cambria Math" panose="02040503050406030204" pitchFamily="18" charset="0"/>
+                                        </a:rPr>
+                                        <m:t>𝑎</m:t>
+                                      </m:r>
+                                    </m:e>
+                                    <m:sub>
+                                      <m:r>
+                                        <a:rPr lang="de-DE" i="1">
+                                          <a:latin typeface="Cambria Math" panose="02040503050406030204" pitchFamily="18" charset="0"/>
+                                        </a:rPr>
+                                        <m:t>𝑘</m:t>
+                                      </m:r>
+                                    </m:sub>
+                                  </m:sSub>
+                                  <m:r>
+                                    <a:rPr lang="de-DE" i="1">
+                                      <a:latin typeface="Cambria Math" panose="02040503050406030204" pitchFamily="18" charset="0"/>
+                                    </a:rPr>
+                                    <m:t>−</m:t>
+                                  </m:r>
+                                  <m:sSub>
+                                    <m:sSubPr>
+                                      <m:ctrlPr>
+                                        <a:rPr lang="de-DE" i="1">
+                                          <a:latin typeface="Cambria Math" panose="02040503050406030204" pitchFamily="18" charset="0"/>
+                                        </a:rPr>
+                                      </m:ctrlPr>
+                                    </m:sSubPr>
+                                    <m:e>
+                                      <m:r>
+                                        <a:rPr lang="de-DE" b="0" i="1" smtClean="0">
+                                          <a:latin typeface="Cambria Math" panose="02040503050406030204" pitchFamily="18" charset="0"/>
+                                        </a:rPr>
+                                        <m:t>𝑎</m:t>
+                                      </m:r>
+                                    </m:e>
+                                    <m:sub>
+                                      <m:r>
+                                        <a:rPr lang="de-DE" i="1">
+                                          <a:latin typeface="Cambria Math" panose="02040503050406030204" pitchFamily="18" charset="0"/>
+                                        </a:rPr>
+                                        <m:t>𝑖</m:t>
+                                      </m:r>
+                                    </m:sub>
+                                  </m:sSub>
+                                </m:e>
+                              </m:d>
+                            </m:e>
+                            <m:sup>
+                              <m:r>
+                                <a:rPr lang="de-DE" i="1">
+                                  <a:latin typeface="Cambria Math" panose="02040503050406030204" pitchFamily="18" charset="0"/>
+                                </a:rPr>
+                                <m:t>2</m:t>
+                              </m:r>
+                            </m:sup>
+                          </m:sSup>
+                          <m:r>
+                            <a:rPr lang="de-DE" b="0" i="1" smtClean="0">
+                              <a:latin typeface="Cambria Math" panose="02040503050406030204" pitchFamily="18" charset="0"/>
+                            </a:rPr>
+                            <m:t>+</m:t>
+                          </m:r>
+                          <m:sSup>
+                            <m:sSupPr>
+                              <m:ctrlPr>
+                                <a:rPr lang="de-DE" i="1">
+                                  <a:latin typeface="Cambria Math" panose="02040503050406030204" pitchFamily="18" charset="0"/>
+                                </a:rPr>
+                              </m:ctrlPr>
+                            </m:sSupPr>
+                            <m:e>
+                              <m:d>
+                                <m:dPr>
+                                  <m:ctrlPr>
+                                    <a:rPr lang="de-DE" i="1">
+                                      <a:latin typeface="Cambria Math" panose="02040503050406030204" pitchFamily="18" charset="0"/>
+                                    </a:rPr>
+                                  </m:ctrlPr>
+                                </m:dPr>
+                                <m:e>
+                                  <m:sSub>
+                                    <m:sSubPr>
+                                      <m:ctrlPr>
+                                        <a:rPr lang="de-DE" i="1">
+                                          <a:latin typeface="Cambria Math" panose="02040503050406030204" pitchFamily="18" charset="0"/>
+                                        </a:rPr>
+                                      </m:ctrlPr>
+                                    </m:sSubPr>
+                                    <m:e>
+                                      <m:r>
+                                        <a:rPr lang="de-DE" b="0" i="1" smtClean="0">
+                                          <a:latin typeface="Cambria Math" panose="02040503050406030204" pitchFamily="18" charset="0"/>
+                                        </a:rPr>
+                                        <m:t>𝑏</m:t>
+                                      </m:r>
+                                    </m:e>
+                                    <m:sub>
+                                      <m:r>
+                                        <a:rPr lang="de-DE" i="1">
+                                          <a:latin typeface="Cambria Math" panose="02040503050406030204" pitchFamily="18" charset="0"/>
+                                        </a:rPr>
+                                        <m:t>𝑘</m:t>
+                                      </m:r>
+                                    </m:sub>
+                                  </m:sSub>
+                                  <m:r>
+                                    <a:rPr lang="de-DE" i="1">
+                                      <a:latin typeface="Cambria Math" panose="02040503050406030204" pitchFamily="18" charset="0"/>
+                                    </a:rPr>
+                                    <m:t>−</m:t>
+                                  </m:r>
+                                  <m:sSub>
+                                    <m:sSubPr>
+                                      <m:ctrlPr>
+                                        <a:rPr lang="de-DE" i="1">
+                                          <a:latin typeface="Cambria Math" panose="02040503050406030204" pitchFamily="18" charset="0"/>
+                                        </a:rPr>
+                                      </m:ctrlPr>
+                                    </m:sSubPr>
+                                    <m:e>
+                                      <m:r>
+                                        <a:rPr lang="de-DE" b="0" i="1" smtClean="0">
+                                          <a:latin typeface="Cambria Math" panose="02040503050406030204" pitchFamily="18" charset="0"/>
+                                        </a:rPr>
+                                        <m:t>𝑏</m:t>
+                                      </m:r>
+                                    </m:e>
+                                    <m:sub>
+                                      <m:r>
+                                        <a:rPr lang="de-DE" i="1">
+                                          <a:latin typeface="Cambria Math" panose="02040503050406030204" pitchFamily="18" charset="0"/>
+                                        </a:rPr>
+                                        <m:t>𝑖</m:t>
+                                      </m:r>
+                                    </m:sub>
+                                  </m:sSub>
+                                </m:e>
+                              </m:d>
+                            </m:e>
+                            <m:sup>
+                              <m:r>
+                                <a:rPr lang="de-DE" i="1">
+                                  <a:latin typeface="Cambria Math" panose="02040503050406030204" pitchFamily="18" charset="0"/>
+                                </a:rPr>
+                                <m:t>2</m:t>
+                              </m:r>
+                            </m:sup>
+                          </m:sSup>
+                        </m:e>
+                      </m:rad>
+                    </m:oMath>
+                  </m:oMathPara>
+                </a14:m>
+                <a:endParaRPr lang="de-DE" b="0" dirty="0"/>
+              </a:p>
+              <a:p>
+                <a:endParaRPr lang="de-DE" dirty="0"/>
+              </a:p>
+            </p:txBody>
+          </p:sp>
+        </mc:Choice>
+        <mc:Fallback xmlns="">
+          <p:sp>
+            <p:nvSpPr>
+              <p:cNvPr id="33" name="Textfeld 32">
+                <a:extLst>
+                  <a:ext uri="{FF2B5EF4-FFF2-40B4-BE49-F238E27FC236}">
+                    <a16:creationId xmlns:a16="http://schemas.microsoft.com/office/drawing/2014/main" id="{ABEC815D-D439-D448-8E67-D508AE06D99A}"/>
+                  </a:ext>
+                </a:extLst>
+              </p:cNvPr>
+              <p:cNvSpPr txBox="1">
+                <a:spLocks noRot="1" noChangeAspect="1" noMove="1" noResize="1" noEditPoints="1" noAdjustHandles="1" noChangeArrowheads="1" noChangeShapeType="1" noTextEdit="1"/>
+              </p:cNvSpPr>
+              <p:nvPr/>
+            </p:nvSpPr>
+            <p:spPr>
+              <a:xfrm>
+                <a:off x="179512" y="2384257"/>
+                <a:ext cx="4644990" cy="704745"/>
+              </a:xfrm>
+              <a:prstGeom prst="rect">
+                <a:avLst/>
+              </a:prstGeom>
+              <a:blipFill>
+                <a:blip r:embed="rId3"/>
+                <a:stretch>
+                  <a:fillRect/>
+                </a:stretch>
+              </a:blipFill>
+            </p:spPr>
+            <p:txBody>
+              <a:bodyPr/>
+              <a:lstStyle/>
+              <a:p>
+                <a:r>
+                  <a:rPr lang="de-DE">
+                    <a:noFill/>
+                  </a:rPr>
+                  <a:t> </a:t>
+                </a:r>
+              </a:p>
+            </p:txBody>
+          </p:sp>
+        </mc:Fallback>
+      </mc:AlternateContent>
+      <mc:AlternateContent xmlns:mc="http://schemas.openxmlformats.org/markup-compatibility/2006" xmlns:a14="http://schemas.microsoft.com/office/drawing/2010/main">
+        <mc:Choice Requires="a14">
+          <p:sp>
+            <p:nvSpPr>
+              <p:cNvPr id="34" name="Textfeld 33">
+                <a:extLst>
+                  <a:ext uri="{FF2B5EF4-FFF2-40B4-BE49-F238E27FC236}">
+                    <a16:creationId xmlns:a16="http://schemas.microsoft.com/office/drawing/2014/main" id="{73E615D9-1387-D04F-9651-42A6F49D39FE}"/>
+                  </a:ext>
+                </a:extLst>
+              </p:cNvPr>
+              <p:cNvSpPr txBox="1"/>
+              <p:nvPr/>
+            </p:nvSpPr>
+            <p:spPr>
+              <a:xfrm>
+                <a:off x="4921188" y="2341169"/>
+                <a:ext cx="4159408" cy="727443"/>
+              </a:xfrm>
+              <a:prstGeom prst="rect">
+                <a:avLst/>
+              </a:prstGeom>
+              <a:noFill/>
+            </p:spPr>
+            <p:txBody>
+              <a:bodyPr wrap="none" rtlCol="0">
+                <a:spAutoFit/>
+              </a:bodyPr>
+              <a:lstStyle/>
+              <a:p>
+                <a:pPr/>
+                <a14:m>
+                  <m:oMathPara xmlns:m="http://schemas.openxmlformats.org/officeDocument/2006/math">
+                    <m:oMathParaPr>
+                      <m:jc m:val="centerGroup"/>
+                    </m:oMathParaPr>
+                    <m:oMath xmlns:m="http://schemas.openxmlformats.org/officeDocument/2006/math">
+                      <m:sSub>
+                        <m:sSubPr>
+                          <m:ctrlPr>
+                            <a:rPr lang="de-DE" b="0" i="1" smtClean="0">
+                              <a:latin typeface="Cambria Math" panose="02040503050406030204" pitchFamily="18" charset="0"/>
+                            </a:rPr>
+                          </m:ctrlPr>
+                        </m:sSubPr>
+                        <m:e>
+                          <m:r>
+                            <a:rPr lang="de-DE" b="0" i="1" smtClean="0">
+                              <a:latin typeface="Cambria Math" panose="02040503050406030204" pitchFamily="18" charset="0"/>
+                            </a:rPr>
+                            <m:t>𝑑</m:t>
+                          </m:r>
+                        </m:e>
+                        <m:sub>
+                          <m:r>
+                            <a:rPr lang="de-DE" b="0" i="1" smtClean="0">
+                              <a:latin typeface="Cambria Math" panose="02040503050406030204" pitchFamily="18" charset="0"/>
+                            </a:rPr>
+                            <m:t>𝑥𝑦</m:t>
+                          </m:r>
+                        </m:sub>
+                      </m:sSub>
+                      <m:r>
+                        <a:rPr lang="de-DE" b="0" i="1" smtClean="0">
+                          <a:latin typeface="Cambria Math" panose="02040503050406030204" pitchFamily="18" charset="0"/>
+                        </a:rPr>
+                        <m:t>=</m:t>
+                      </m:r>
+                      <m:rad>
+                        <m:radPr>
+                          <m:degHide m:val="on"/>
+                          <m:ctrlPr>
+                            <a:rPr lang="de-DE" b="0" i="1" smtClean="0">
+                              <a:latin typeface="Cambria Math" panose="02040503050406030204" pitchFamily="18" charset="0"/>
+                            </a:rPr>
+                          </m:ctrlPr>
+                        </m:radPr>
+                        <m:deg/>
+                        <m:e>
+                          <m:sSup>
+                            <m:sSupPr>
+                              <m:ctrlPr>
+                                <a:rPr lang="de-DE" b="0" i="1" smtClean="0">
+                                  <a:latin typeface="Cambria Math" panose="02040503050406030204" pitchFamily="18" charset="0"/>
+                                </a:rPr>
+                              </m:ctrlPr>
+                            </m:sSupPr>
+                            <m:e>
+                              <m:d>
+                                <m:dPr>
+                                  <m:ctrlPr>
+                                    <a:rPr lang="de-DE" b="0" i="1" smtClean="0">
+                                      <a:latin typeface="Cambria Math" panose="02040503050406030204" pitchFamily="18" charset="0"/>
+                                    </a:rPr>
+                                  </m:ctrlPr>
+                                </m:dPr>
+                                <m:e>
+                                  <m:sSub>
+                                    <m:sSubPr>
+                                      <m:ctrlPr>
+                                        <a:rPr lang="de-DE" b="0" i="1" smtClean="0">
+                                          <a:latin typeface="Cambria Math" panose="02040503050406030204" pitchFamily="18" charset="0"/>
+                                        </a:rPr>
+                                      </m:ctrlPr>
+                                    </m:sSubPr>
+                                    <m:e>
+                                      <m:r>
+                                        <a:rPr lang="de-DE" b="0" i="1" smtClean="0">
+                                          <a:latin typeface="Cambria Math" panose="02040503050406030204" pitchFamily="18" charset="0"/>
+                                        </a:rPr>
+                                        <m:t>𝑥</m:t>
+                                      </m:r>
+                                    </m:e>
+                                    <m:sub>
+                                      <m:r>
+                                        <a:rPr lang="de-DE" b="0" i="1" smtClean="0">
+                                          <a:latin typeface="Cambria Math" panose="02040503050406030204" pitchFamily="18" charset="0"/>
+                                        </a:rPr>
+                                        <m:t>𝑘</m:t>
+                                      </m:r>
+                                    </m:sub>
+                                  </m:sSub>
+                                  <m:r>
+                                    <a:rPr lang="de-DE" b="0" i="1" smtClean="0">
+                                      <a:latin typeface="Cambria Math" panose="02040503050406030204" pitchFamily="18" charset="0"/>
+                                    </a:rPr>
+                                    <m:t>−</m:t>
+                                  </m:r>
+                                  <m:sSub>
+                                    <m:sSubPr>
+                                      <m:ctrlPr>
+                                        <a:rPr lang="de-DE" b="0" i="1" smtClean="0">
+                                          <a:latin typeface="Cambria Math" panose="02040503050406030204" pitchFamily="18" charset="0"/>
+                                        </a:rPr>
+                                      </m:ctrlPr>
+                                    </m:sSubPr>
+                                    <m:e>
+                                      <m:r>
+                                        <a:rPr lang="de-DE" b="0" i="1" smtClean="0">
+                                          <a:latin typeface="Cambria Math" panose="02040503050406030204" pitchFamily="18" charset="0"/>
+                                        </a:rPr>
+                                        <m:t>𝑥</m:t>
+                                      </m:r>
+                                    </m:e>
+                                    <m:sub>
+                                      <m:r>
+                                        <a:rPr lang="de-DE" b="0" i="1" smtClean="0">
+                                          <a:latin typeface="Cambria Math" panose="02040503050406030204" pitchFamily="18" charset="0"/>
+                                        </a:rPr>
+                                        <m:t>𝑖</m:t>
+                                      </m:r>
+                                    </m:sub>
+                                  </m:sSub>
+                                </m:e>
+                              </m:d>
+                            </m:e>
+                            <m:sup>
+                              <m:r>
+                                <a:rPr lang="de-DE" b="0" i="1" smtClean="0">
+                                  <a:latin typeface="Cambria Math" panose="02040503050406030204" pitchFamily="18" charset="0"/>
+                                </a:rPr>
+                                <m:t>2</m:t>
+                              </m:r>
+                            </m:sup>
+                          </m:sSup>
+                          <m:r>
+                            <a:rPr lang="de-DE" b="0" i="1" smtClean="0">
+                              <a:latin typeface="Cambria Math" panose="02040503050406030204" pitchFamily="18" charset="0"/>
+                            </a:rPr>
+                            <m:t>+</m:t>
+                          </m:r>
+                          <m:sSup>
+                            <m:sSupPr>
+                              <m:ctrlPr>
+                                <a:rPr lang="de-DE" i="1">
+                                  <a:latin typeface="Cambria Math" panose="02040503050406030204" pitchFamily="18" charset="0"/>
+                                </a:rPr>
+                              </m:ctrlPr>
+                            </m:sSupPr>
+                            <m:e>
+                              <m:d>
+                                <m:dPr>
+                                  <m:ctrlPr>
+                                    <a:rPr lang="de-DE" i="1">
+                                      <a:latin typeface="Cambria Math" panose="02040503050406030204" pitchFamily="18" charset="0"/>
+                                    </a:rPr>
+                                  </m:ctrlPr>
+                                </m:dPr>
+                                <m:e>
+                                  <m:sSub>
+                                    <m:sSubPr>
+                                      <m:ctrlPr>
+                                        <a:rPr lang="de-DE" i="1">
+                                          <a:latin typeface="Cambria Math" panose="02040503050406030204" pitchFamily="18" charset="0"/>
+                                        </a:rPr>
+                                      </m:ctrlPr>
+                                    </m:sSubPr>
+                                    <m:e>
+                                      <m:r>
+                                        <a:rPr lang="de-DE" b="0" i="1" smtClean="0">
+                                          <a:latin typeface="Cambria Math" panose="02040503050406030204" pitchFamily="18" charset="0"/>
+                                        </a:rPr>
+                                        <m:t>𝑦</m:t>
+                                      </m:r>
+                                    </m:e>
+                                    <m:sub>
+                                      <m:r>
+                                        <a:rPr lang="de-DE" i="1">
+                                          <a:latin typeface="Cambria Math" panose="02040503050406030204" pitchFamily="18" charset="0"/>
+                                        </a:rPr>
+                                        <m:t>𝑘</m:t>
+                                      </m:r>
+                                    </m:sub>
+                                  </m:sSub>
+                                  <m:r>
+                                    <a:rPr lang="de-DE" i="1">
+                                      <a:latin typeface="Cambria Math" panose="02040503050406030204" pitchFamily="18" charset="0"/>
+                                    </a:rPr>
+                                    <m:t>−</m:t>
+                                  </m:r>
+                                  <m:sSub>
+                                    <m:sSubPr>
+                                      <m:ctrlPr>
+                                        <a:rPr lang="de-DE" i="1">
+                                          <a:latin typeface="Cambria Math" panose="02040503050406030204" pitchFamily="18" charset="0"/>
+                                        </a:rPr>
+                                      </m:ctrlPr>
+                                    </m:sSubPr>
+                                    <m:e>
+                                      <m:r>
+                                        <a:rPr lang="de-DE" b="0" i="1" smtClean="0">
+                                          <a:latin typeface="Cambria Math" panose="02040503050406030204" pitchFamily="18" charset="0"/>
+                                        </a:rPr>
+                                        <m:t>𝑦</m:t>
+                                      </m:r>
+                                    </m:e>
+                                    <m:sub>
+                                      <m:r>
+                                        <a:rPr lang="de-DE" i="1">
+                                          <a:latin typeface="Cambria Math" panose="02040503050406030204" pitchFamily="18" charset="0"/>
+                                        </a:rPr>
+                                        <m:t>𝑖</m:t>
+                                      </m:r>
+                                    </m:sub>
+                                  </m:sSub>
+                                </m:e>
+                              </m:d>
+                            </m:e>
+                            <m:sup>
+                              <m:r>
+                                <a:rPr lang="de-DE" i="1">
+                                  <a:latin typeface="Cambria Math" panose="02040503050406030204" pitchFamily="18" charset="0"/>
+                                </a:rPr>
+                                <m:t>2</m:t>
+                              </m:r>
+                            </m:sup>
+                          </m:sSup>
+                        </m:e>
+                      </m:rad>
+                    </m:oMath>
+                  </m:oMathPara>
+                </a14:m>
+                <a:endParaRPr lang="de-DE" b="0" dirty="0"/>
+              </a:p>
+              <a:p>
+                <a:endParaRPr lang="de-DE" dirty="0"/>
+              </a:p>
+            </p:txBody>
+          </p:sp>
+        </mc:Choice>
+        <mc:Fallback xmlns="">
+          <p:sp>
+            <p:nvSpPr>
+              <p:cNvPr id="34" name="Textfeld 33">
+                <a:extLst>
+                  <a:ext uri="{FF2B5EF4-FFF2-40B4-BE49-F238E27FC236}">
+                    <a16:creationId xmlns:a16="http://schemas.microsoft.com/office/drawing/2014/main" id="{73E615D9-1387-D04F-9651-42A6F49D39FE}"/>
+                  </a:ext>
+                </a:extLst>
+              </p:cNvPr>
+              <p:cNvSpPr txBox="1">
+                <a:spLocks noRot="1" noChangeAspect="1" noMove="1" noResize="1" noEditPoints="1" noAdjustHandles="1" noChangeArrowheads="1" noChangeShapeType="1" noTextEdit="1"/>
+              </p:cNvSpPr>
+              <p:nvPr/>
+            </p:nvSpPr>
+            <p:spPr>
+              <a:xfrm>
+                <a:off x="4921188" y="2341169"/>
+                <a:ext cx="4159408" cy="727443"/>
+              </a:xfrm>
+              <a:prstGeom prst="rect">
+                <a:avLst/>
+              </a:prstGeom>
+              <a:blipFill>
+                <a:blip r:embed="rId4"/>
+                <a:stretch>
+                  <a:fillRect/>
+                </a:stretch>
+              </a:blipFill>
+            </p:spPr>
+            <p:txBody>
+              <a:bodyPr/>
+              <a:lstStyle/>
+              <a:p>
+                <a:r>
+                  <a:rPr lang="de-DE">
+                    <a:noFill/>
+                  </a:rPr>
+                  <a:t> </a:t>
+                </a:r>
+              </a:p>
+            </p:txBody>
+          </p:sp>
+        </mc:Fallback>
+      </mc:AlternateContent>
+      <mc:AlternateContent xmlns:mc="http://schemas.openxmlformats.org/markup-compatibility/2006" xmlns:a14="http://schemas.microsoft.com/office/drawing/2010/main">
+        <mc:Choice Requires="a14">
+          <p:sp>
+            <p:nvSpPr>
+              <p:cNvPr id="35" name="Textfeld 34">
+                <a:extLst>
+                  <a:ext uri="{FF2B5EF4-FFF2-40B4-BE49-F238E27FC236}">
+                    <a16:creationId xmlns:a16="http://schemas.microsoft.com/office/drawing/2014/main" id="{62DCFC56-F633-9947-B750-5FA44F840C3A}"/>
+                  </a:ext>
+                </a:extLst>
+              </p:cNvPr>
+              <p:cNvSpPr txBox="1"/>
+              <p:nvPr/>
+            </p:nvSpPr>
+            <p:spPr>
+              <a:xfrm>
+                <a:off x="239404" y="2955295"/>
+                <a:ext cx="5256311" cy="740267"/>
+              </a:xfrm>
+              <a:prstGeom prst="rect">
+                <a:avLst/>
+              </a:prstGeom>
+              <a:noFill/>
+            </p:spPr>
+            <p:txBody>
+              <a:bodyPr wrap="none" rtlCol="0">
+                <a:spAutoFit/>
+              </a:bodyPr>
+              <a:lstStyle/>
+              <a:p>
+                <a14:m>
+                  <m:oMath xmlns:m="http://schemas.openxmlformats.org/officeDocument/2006/math">
+                    <m:sSub>
+                      <m:sSubPr>
+                        <m:ctrlPr>
+                          <a:rPr lang="de-DE" b="0" i="1" smtClean="0">
+                            <a:latin typeface="Cambria Math" panose="02040503050406030204" pitchFamily="18" charset="0"/>
+                          </a:rPr>
+                        </m:ctrlPr>
+                      </m:sSubPr>
+                      <m:e>
+                        <m:r>
+                          <a:rPr lang="de-DE" b="0" i="1" smtClean="0">
+                            <a:latin typeface="Cambria Math" panose="02040503050406030204" pitchFamily="18" charset="0"/>
+                          </a:rPr>
+                          <m:t>𝐷</m:t>
+                        </m:r>
+                      </m:e>
+                      <m:sub>
+                        <m:r>
+                          <a:rPr lang="de-DE" b="0" i="1" smtClean="0">
+                            <a:latin typeface="Cambria Math" panose="02040503050406030204" pitchFamily="18" charset="0"/>
+                          </a:rPr>
+                          <m:t>𝑆</m:t>
+                        </m:r>
+                      </m:sub>
+                    </m:sSub>
+                    <m:r>
+                      <a:rPr lang="de-DE" b="0" i="1" smtClean="0">
+                        <a:latin typeface="Cambria Math" panose="02040503050406030204" pitchFamily="18" charset="0"/>
+                      </a:rPr>
+                      <m:t>=</m:t>
+                    </m:r>
+                    <m:sSub>
+                      <m:sSubPr>
+                        <m:ctrlPr>
+                          <a:rPr lang="de-DE" i="1">
+                            <a:latin typeface="Cambria Math" panose="02040503050406030204" pitchFamily="18" charset="0"/>
+                          </a:rPr>
+                        </m:ctrlPr>
+                      </m:sSubPr>
+                      <m:e>
+                        <m:r>
+                          <a:rPr lang="de-DE" i="1">
+                            <a:latin typeface="Cambria Math" panose="02040503050406030204" pitchFamily="18" charset="0"/>
+                          </a:rPr>
+                          <m:t>𝑑</m:t>
+                        </m:r>
+                      </m:e>
+                      <m:sub>
+                        <m:r>
+                          <a:rPr lang="de-DE" i="1">
+                            <a:latin typeface="Cambria Math" panose="02040503050406030204" pitchFamily="18" charset="0"/>
+                          </a:rPr>
+                          <m:t>𝑙𝑎𝑏</m:t>
+                        </m:r>
+                      </m:sub>
+                    </m:sSub>
+                    <m:r>
+                      <a:rPr lang="de-DE" b="0" i="1" smtClean="0">
+                        <a:latin typeface="Cambria Math" panose="02040503050406030204" pitchFamily="18" charset="0"/>
+                      </a:rPr>
+                      <m:t>+ </m:t>
+                    </m:r>
+                    <m:f>
+                      <m:fPr>
+                        <m:ctrlPr>
+                          <a:rPr lang="de-DE" b="0" i="1" smtClean="0">
+                            <a:latin typeface="Cambria Math" panose="02040503050406030204" pitchFamily="18" charset="0"/>
+                          </a:rPr>
+                        </m:ctrlPr>
+                      </m:fPr>
+                      <m:num>
+                        <m:r>
+                          <a:rPr lang="de-DE" b="0" i="1" smtClean="0">
+                            <a:latin typeface="Cambria Math" panose="02040503050406030204" pitchFamily="18" charset="0"/>
+                          </a:rPr>
+                          <m:t>𝑚</m:t>
+                        </m:r>
+                      </m:num>
+                      <m:den>
+                        <m:r>
+                          <a:rPr lang="de-DE" b="0" i="1" smtClean="0">
+                            <a:latin typeface="Cambria Math" panose="02040503050406030204" pitchFamily="18" charset="0"/>
+                          </a:rPr>
+                          <m:t>𝑆</m:t>
+                        </m:r>
+                      </m:den>
+                    </m:f>
+                  </m:oMath>
+                </a14:m>
+                <a:r>
+                  <a:rPr lang="de-DE" b="0" dirty="0"/>
+                  <a:t> </a:t>
+                </a:r>
+                <a14:m>
+                  <m:oMath xmlns:m="http://schemas.openxmlformats.org/officeDocument/2006/math">
+                    <m:sSub>
+                      <m:sSubPr>
+                        <m:ctrlPr>
+                          <a:rPr lang="de-DE" i="1">
+                            <a:latin typeface="Cambria Math" panose="02040503050406030204" pitchFamily="18" charset="0"/>
+                          </a:rPr>
+                        </m:ctrlPr>
+                      </m:sSubPr>
+                      <m:e>
+                        <m:r>
+                          <a:rPr lang="de-DE" i="1">
+                            <a:latin typeface="Cambria Math" panose="02040503050406030204" pitchFamily="18" charset="0"/>
+                          </a:rPr>
+                          <m:t>𝑑</m:t>
+                        </m:r>
+                      </m:e>
+                      <m:sub>
+                        <m:r>
+                          <a:rPr lang="de-DE" b="0" i="1" smtClean="0">
+                            <a:latin typeface="Cambria Math" panose="02040503050406030204" pitchFamily="18" charset="0"/>
+                          </a:rPr>
+                          <m:t>𝑥𝑦</m:t>
+                        </m:r>
+                        <m:r>
+                          <a:rPr lang="de-DE" b="0" i="1" smtClean="0">
+                            <a:latin typeface="Cambria Math" panose="02040503050406030204" pitchFamily="18" charset="0"/>
+                          </a:rPr>
+                          <m:t>  </m:t>
+                        </m:r>
+                      </m:sub>
+                    </m:sSub>
+                    <m:r>
+                      <a:rPr lang="de-DE" b="0" i="1" smtClean="0">
+                        <a:latin typeface="Cambria Math" panose="02040503050406030204" pitchFamily="18" charset="0"/>
+                      </a:rPr>
+                      <m:t> ,     </m:t>
+                    </m:r>
+                    <m:r>
+                      <a:rPr lang="de-DE" b="0" i="1" smtClean="0">
+                        <a:latin typeface="Cambria Math" panose="02040503050406030204" pitchFamily="18" charset="0"/>
+                      </a:rPr>
+                      <m:t>𝑚</m:t>
+                    </m:r>
+                    <m:r>
+                      <a:rPr lang="de-DE" b="0" i="1" smtClean="0">
+                        <a:latin typeface="Cambria Math" panose="02040503050406030204" pitchFamily="18" charset="0"/>
+                      </a:rPr>
+                      <m:t> ∈</m:t>
+                    </m:r>
+                    <m:d>
+                      <m:dPr>
+                        <m:begChr m:val="["/>
+                        <m:endChr m:val="]"/>
+                        <m:ctrlPr>
+                          <a:rPr lang="de-DE" b="0" i="1" smtClean="0">
+                            <a:latin typeface="Cambria Math" panose="02040503050406030204" pitchFamily="18" charset="0"/>
+                            <a:ea typeface="Cambria Math" panose="02040503050406030204" pitchFamily="18" charset="0"/>
+                          </a:rPr>
+                        </m:ctrlPr>
+                      </m:dPr>
+                      <m:e>
+                        <m:r>
+                          <a:rPr lang="de-DE" b="0" i="1" smtClean="0">
+                            <a:latin typeface="Cambria Math" panose="02040503050406030204" pitchFamily="18" charset="0"/>
+                            <a:ea typeface="Cambria Math" panose="02040503050406030204" pitchFamily="18" charset="0"/>
+                          </a:rPr>
+                          <m:t>1, 20</m:t>
+                        </m:r>
+                      </m:e>
+                    </m:d>
+                    <m:r>
+                      <a:rPr lang="de-DE" i="1">
+                        <a:latin typeface="Cambria Math" panose="02040503050406030204" pitchFamily="18" charset="0"/>
+                        <a:ea typeface="Cambria Math" panose="02040503050406030204" pitchFamily="18" charset="0"/>
+                      </a:rPr>
+                      <m:t>≜</m:t>
+                    </m:r>
+                  </m:oMath>
+                </a14:m>
+                <a:r>
+                  <a:rPr lang="de-DE" b="0" dirty="0"/>
+                  <a:t> compactness</a:t>
+                </a:r>
+              </a:p>
+              <a:p>
+                <a:endParaRPr lang="de-DE" dirty="0"/>
+              </a:p>
+            </p:txBody>
+          </p:sp>
+        </mc:Choice>
+        <mc:Fallback xmlns="">
+          <p:sp>
+            <p:nvSpPr>
+              <p:cNvPr id="35" name="Textfeld 34">
+                <a:extLst>
+                  <a:ext uri="{FF2B5EF4-FFF2-40B4-BE49-F238E27FC236}">
+                    <a16:creationId xmlns:a16="http://schemas.microsoft.com/office/drawing/2014/main" id="{62DCFC56-F633-9947-B750-5FA44F840C3A}"/>
+                  </a:ext>
+                </a:extLst>
+              </p:cNvPr>
+              <p:cNvSpPr txBox="1">
+                <a:spLocks noRot="1" noChangeAspect="1" noMove="1" noResize="1" noEditPoints="1" noAdjustHandles="1" noChangeArrowheads="1" noChangeShapeType="1" noTextEdit="1"/>
+              </p:cNvSpPr>
+              <p:nvPr/>
+            </p:nvSpPr>
+            <p:spPr>
+              <a:xfrm>
+                <a:off x="239404" y="2955295"/>
+                <a:ext cx="5256311" cy="740267"/>
+              </a:xfrm>
+              <a:prstGeom prst="rect">
+                <a:avLst/>
+              </a:prstGeom>
+              <a:blipFill>
+                <a:blip r:embed="rId5"/>
+                <a:stretch>
+                  <a:fillRect r="-723"/>
+                </a:stretch>
+              </a:blipFill>
+            </p:spPr>
+            <p:txBody>
+              <a:bodyPr/>
+              <a:lstStyle/>
+              <a:p>
+                <a:r>
+                  <a:rPr lang="de-DE">
+                    <a:noFill/>
+                  </a:rPr>
+                  <a:t> </a:t>
+                </a:r>
+              </a:p>
+            </p:txBody>
+          </p:sp>
+        </mc:Fallback>
+      </mc:AlternateContent>
+      <mc:AlternateContent xmlns:mc="http://schemas.openxmlformats.org/markup-compatibility/2006" xmlns:a14="http://schemas.microsoft.com/office/drawing/2010/main">
+        <mc:Choice Requires="a14">
+          <p:sp>
+            <p:nvSpPr>
+              <p:cNvPr id="36" name="Rechteck 35">
+                <a:extLst>
+                  <a:ext uri="{FF2B5EF4-FFF2-40B4-BE49-F238E27FC236}">
+                    <a16:creationId xmlns:a16="http://schemas.microsoft.com/office/drawing/2014/main" id="{2ABF42A2-7C0E-0041-8AF9-F1D3F8298B98}"/>
+                  </a:ext>
+                </a:extLst>
+              </p:cNvPr>
+              <p:cNvSpPr/>
+              <p:nvPr/>
+            </p:nvSpPr>
+            <p:spPr>
+              <a:xfrm>
+                <a:off x="179512" y="3519365"/>
+                <a:ext cx="7128792" cy="369332"/>
+              </a:xfrm>
+              <a:prstGeom prst="rect">
+                <a:avLst/>
+              </a:prstGeom>
+            </p:spPr>
+            <p:txBody>
+              <a:bodyPr wrap="square">
+                <a:spAutoFit/>
+              </a:bodyPr>
+              <a:lstStyle/>
+              <a:p>
+                <a:r>
+                  <a:rPr lang="de-DE" dirty="0"/>
+                  <a:t>5. C</a:t>
+                </a:r>
+                <a14:m>
+                  <m:oMath xmlns:m="http://schemas.openxmlformats.org/officeDocument/2006/math">
+                    <m:r>
+                      <m:rPr>
+                        <m:sty m:val="p"/>
+                      </m:rPr>
+                      <a:rPr lang="de-DE" b="0" i="0" smtClean="0">
+                        <a:latin typeface="Cambria Math" panose="02040503050406030204" pitchFamily="18" charset="0"/>
+                      </a:rPr>
+                      <m:t>alculate</m:t>
+                    </m:r>
+                    <m:r>
+                      <a:rPr lang="de-DE" b="0" i="0" smtClean="0">
+                        <a:latin typeface="Cambria Math" panose="02040503050406030204" pitchFamily="18" charset="0"/>
+                      </a:rPr>
+                      <m:t> </m:t>
+                    </m:r>
+                    <m:r>
+                      <m:rPr>
+                        <m:sty m:val="p"/>
+                      </m:rPr>
+                      <a:rPr lang="de-DE" b="0" i="0" smtClean="0">
+                        <a:latin typeface="Cambria Math" panose="02040503050406030204" pitchFamily="18" charset="0"/>
+                      </a:rPr>
+                      <m:t>new</m:t>
+                    </m:r>
+                    <m:r>
+                      <a:rPr lang="de-DE" b="0" i="0" smtClean="0">
+                        <a:latin typeface="Cambria Math" panose="02040503050406030204" pitchFamily="18" charset="0"/>
+                      </a:rPr>
+                      <m:t> </m:t>
+                    </m:r>
+                    <m:sSub>
+                      <m:sSubPr>
+                        <m:ctrlPr>
+                          <a:rPr lang="de-DE" i="1">
+                            <a:latin typeface="Cambria Math" panose="02040503050406030204" pitchFamily="18" charset="0"/>
+                          </a:rPr>
+                        </m:ctrlPr>
+                      </m:sSubPr>
+                      <m:e>
+                        <m:r>
+                          <a:rPr lang="de-DE" i="1">
+                            <a:latin typeface="Cambria Math" panose="02040503050406030204" pitchFamily="18" charset="0"/>
+                          </a:rPr>
+                          <m:t>𝐶</m:t>
+                        </m:r>
+                      </m:e>
+                      <m:sub>
+                        <m:r>
+                          <a:rPr lang="de-DE" i="1">
+                            <a:latin typeface="Cambria Math" panose="02040503050406030204" pitchFamily="18" charset="0"/>
+                          </a:rPr>
+                          <m:t>𝑘</m:t>
+                        </m:r>
+                        <m:r>
+                          <a:rPr lang="de-DE" b="0" i="1" smtClean="0">
+                            <a:latin typeface="Cambria Math" panose="02040503050406030204" pitchFamily="18" charset="0"/>
+                          </a:rPr>
+                          <m:t>   </m:t>
+                        </m:r>
+                      </m:sub>
+                    </m:sSub>
+                  </m:oMath>
+                </a14:m>
+                <a:r>
+                  <a:rPr lang="de-DE" dirty="0" err="1"/>
+                  <a:t>by</a:t>
+                </a:r>
+                <a:r>
+                  <a:rPr lang="de-DE" dirty="0"/>
+                  <a:t> </a:t>
+                </a:r>
+                <a:r>
+                  <a:rPr lang="de-DE" dirty="0" err="1"/>
+                  <a:t>averaging</a:t>
+                </a:r>
+                <a:r>
+                  <a:rPr lang="de-DE" dirty="0"/>
+                  <a:t> all </a:t>
+                </a:r>
+                <a:r>
+                  <a:rPr lang="de-DE" dirty="0" err="1"/>
+                  <a:t>pixels</a:t>
+                </a:r>
+                <a:r>
+                  <a:rPr lang="de-DE" dirty="0"/>
+                  <a:t> </a:t>
+                </a:r>
+                <a:r>
+                  <a:rPr lang="de-DE" dirty="0" err="1"/>
+                  <a:t>associated</a:t>
+                </a:r>
+                <a:r>
+                  <a:rPr lang="de-DE" dirty="0"/>
+                  <a:t> </a:t>
+                </a:r>
+                <a:r>
+                  <a:rPr lang="de-DE" dirty="0" err="1"/>
+                  <a:t>to</a:t>
+                </a:r>
+                <a:r>
+                  <a:rPr lang="de-DE" dirty="0"/>
+                  <a:t> </a:t>
+                </a:r>
+                <a14:m>
+                  <m:oMath xmlns:m="http://schemas.openxmlformats.org/officeDocument/2006/math">
+                    <m:sSub>
+                      <m:sSubPr>
+                        <m:ctrlPr>
+                          <a:rPr lang="de-DE" i="1">
+                            <a:latin typeface="Cambria Math" panose="02040503050406030204" pitchFamily="18" charset="0"/>
+                          </a:rPr>
+                        </m:ctrlPr>
+                      </m:sSubPr>
+                      <m:e>
+                        <m:r>
+                          <a:rPr lang="de-DE" i="1">
+                            <a:latin typeface="Cambria Math" panose="02040503050406030204" pitchFamily="18" charset="0"/>
+                          </a:rPr>
+                          <m:t>𝐶</m:t>
+                        </m:r>
+                      </m:e>
+                      <m:sub>
+                        <m:r>
+                          <a:rPr lang="de-DE" i="1">
+                            <a:latin typeface="Cambria Math" panose="02040503050406030204" pitchFamily="18" charset="0"/>
+                          </a:rPr>
+                          <m:t>𝑘</m:t>
+                        </m:r>
+                        <m:r>
+                          <a:rPr lang="de-DE" i="1">
+                            <a:latin typeface="Cambria Math" panose="02040503050406030204" pitchFamily="18" charset="0"/>
+                          </a:rPr>
+                          <m:t>   </m:t>
+                        </m:r>
+                      </m:sub>
+                    </m:sSub>
+                  </m:oMath>
+                </a14:m>
+                <a:r>
+                  <a:rPr lang="de-DE" dirty="0"/>
+                  <a:t>  </a:t>
+                </a:r>
+              </a:p>
+            </p:txBody>
+          </p:sp>
+        </mc:Choice>
+        <mc:Fallback xmlns="">
+          <p:sp>
+            <p:nvSpPr>
+              <p:cNvPr id="36" name="Rechteck 35">
+                <a:extLst>
+                  <a:ext uri="{FF2B5EF4-FFF2-40B4-BE49-F238E27FC236}">
+                    <a16:creationId xmlns:a16="http://schemas.microsoft.com/office/drawing/2014/main" id="{2ABF42A2-7C0E-0041-8AF9-F1D3F8298B98}"/>
+                  </a:ext>
+                </a:extLst>
+              </p:cNvPr>
+              <p:cNvSpPr>
+                <a:spLocks noRot="1" noChangeAspect="1" noMove="1" noResize="1" noEditPoints="1" noAdjustHandles="1" noChangeArrowheads="1" noChangeShapeType="1" noTextEdit="1"/>
+              </p:cNvSpPr>
+              <p:nvPr/>
+            </p:nvSpPr>
+            <p:spPr>
+              <a:xfrm>
+                <a:off x="179512" y="3519365"/>
+                <a:ext cx="7128792" cy="369332"/>
+              </a:xfrm>
+              <a:prstGeom prst="rect">
+                <a:avLst/>
+              </a:prstGeom>
+              <a:blipFill>
+                <a:blip r:embed="rId6"/>
+                <a:stretch>
+                  <a:fillRect l="-534" t="-3333" b="-23333"/>
+                </a:stretch>
+              </a:blipFill>
+            </p:spPr>
+            <p:txBody>
+              <a:bodyPr/>
+              <a:lstStyle/>
+              <a:p>
+                <a:r>
+                  <a:rPr lang="de-DE">
+                    <a:noFill/>
+                  </a:rPr>
+                  <a:t> </a:t>
+                </a:r>
+              </a:p>
+            </p:txBody>
+          </p:sp>
+        </mc:Fallback>
+      </mc:AlternateContent>
+      <p:sp>
+        <p:nvSpPr>
+          <p:cNvPr id="37" name="Rechteck 36">
+            <a:extLst>
+              <a:ext uri="{FF2B5EF4-FFF2-40B4-BE49-F238E27FC236}">
+                <a16:creationId xmlns:a16="http://schemas.microsoft.com/office/drawing/2014/main" id="{456F12C7-B25C-4747-8BCE-2D9A7DB5E7EF}"/>
+              </a:ext>
+            </a:extLst>
+          </p:cNvPr>
+          <p:cNvSpPr/>
+          <p:nvPr/>
+        </p:nvSpPr>
+        <p:spPr>
+          <a:xfrm>
+            <a:off x="179512" y="3954254"/>
+            <a:ext cx="6336704" cy="369332"/>
+          </a:xfrm>
+          <a:prstGeom prst="rect">
+            <a:avLst/>
+          </a:prstGeom>
+        </p:spPr>
+        <p:txBody>
+          <a:bodyPr wrap="square">
+            <a:spAutoFit/>
+          </a:bodyPr>
+          <a:lstStyle/>
+          <a:p>
+            <a:r>
+              <a:rPr lang="de-DE" dirty="0"/>
+              <a:t>6. Repeat 4. &amp; 5. </a:t>
+            </a:r>
+            <a:r>
+              <a:rPr lang="de-DE" dirty="0" err="1"/>
+              <a:t>till</a:t>
+            </a:r>
+            <a:r>
+              <a:rPr lang="de-DE" dirty="0"/>
+              <a:t> </a:t>
+            </a:r>
+            <a:r>
+              <a:rPr lang="de-DE" dirty="0" err="1"/>
+              <a:t>convergence</a:t>
+            </a:r>
+            <a:r>
+              <a:rPr lang="de-DE" dirty="0"/>
+              <a:t> </a:t>
+            </a:r>
+            <a:r>
+              <a:rPr lang="de-DE" dirty="0" err="1"/>
+              <a:t>or</a:t>
+            </a:r>
+            <a:r>
+              <a:rPr lang="de-DE" dirty="0"/>
+              <a:t> </a:t>
+            </a:r>
+            <a:r>
+              <a:rPr lang="de-DE" dirty="0" err="1"/>
+              <a:t>threshhold</a:t>
+            </a:r>
+            <a:r>
+              <a:rPr lang="de-DE" dirty="0"/>
+              <a:t> </a:t>
+            </a:r>
+            <a:r>
+              <a:rPr lang="de-DE" dirty="0" err="1"/>
+              <a:t>is</a:t>
+            </a:r>
+            <a:r>
+              <a:rPr lang="de-DE" dirty="0"/>
+              <a:t> </a:t>
+            </a:r>
+            <a:r>
+              <a:rPr lang="de-DE" dirty="0" err="1"/>
+              <a:t>reached</a:t>
+            </a:r>
+            <a:r>
+              <a:rPr lang="de-DE" dirty="0"/>
+              <a:t>.</a:t>
+            </a:r>
+          </a:p>
+        </p:txBody>
+      </p:sp>
+      <p:pic>
+        <p:nvPicPr>
+          <p:cNvPr id="4" name="Grafik 3">
+            <a:extLst>
+              <a:ext uri="{FF2B5EF4-FFF2-40B4-BE49-F238E27FC236}">
+                <a16:creationId xmlns:a16="http://schemas.microsoft.com/office/drawing/2014/main" id="{BBB46E95-4EC3-E044-8CD2-6FC43FF4B57C}"/>
+              </a:ext>
+            </a:extLst>
+          </p:cNvPr>
+          <p:cNvPicPr>
+            <a:picLocks noChangeAspect="1"/>
+          </p:cNvPicPr>
+          <p:nvPr/>
+        </p:nvPicPr>
+        <p:blipFill>
+          <a:blip r:embed="rId7">
+            <a:extLst>
+              <a:ext uri="{28A0092B-C50C-407E-A947-70E740481C1C}">
+                <a14:useLocalDpi xmlns:a14="http://schemas.microsoft.com/office/drawing/2010/main" val="0"/>
+              </a:ext>
+            </a:extLst>
+          </a:blip>
+          <a:stretch>
+            <a:fillRect/>
+          </a:stretch>
+        </p:blipFill>
+        <p:spPr>
+          <a:xfrm>
+            <a:off x="698329" y="4403564"/>
+            <a:ext cx="1771401" cy="1748016"/>
+          </a:xfrm>
+          <a:prstGeom prst="rect">
+            <a:avLst/>
+          </a:prstGeom>
+        </p:spPr>
+      </p:pic>
+      <p:pic>
+        <p:nvPicPr>
+          <p:cNvPr id="6" name="Grafik 5">
+            <a:extLst>
+              <a:ext uri="{FF2B5EF4-FFF2-40B4-BE49-F238E27FC236}">
+                <a16:creationId xmlns:a16="http://schemas.microsoft.com/office/drawing/2014/main" id="{8F847A6C-EBC3-1740-B23E-A6DEF2506DF9}"/>
+              </a:ext>
+            </a:extLst>
+          </p:cNvPr>
+          <p:cNvPicPr>
+            <a:picLocks noChangeAspect="1"/>
+          </p:cNvPicPr>
+          <p:nvPr/>
+        </p:nvPicPr>
+        <p:blipFill>
+          <a:blip r:embed="rId7">
+            <a:extLst>
+              <a:ext uri="{28A0092B-C50C-407E-A947-70E740481C1C}">
+                <a14:useLocalDpi xmlns:a14="http://schemas.microsoft.com/office/drawing/2010/main" val="0"/>
+              </a:ext>
+            </a:extLst>
+          </a:blip>
+          <a:stretch>
+            <a:fillRect/>
+          </a:stretch>
+        </p:blipFill>
+        <p:spPr>
+          <a:xfrm>
+            <a:off x="3491880" y="4403564"/>
+            <a:ext cx="1771401" cy="1748016"/>
+          </a:xfrm>
+          <a:prstGeom prst="rect">
+            <a:avLst/>
+          </a:prstGeom>
+        </p:spPr>
+      </p:pic>
+      <p:pic>
+        <p:nvPicPr>
+          <p:cNvPr id="8" name="Grafik 7">
+            <a:extLst>
+              <a:ext uri="{FF2B5EF4-FFF2-40B4-BE49-F238E27FC236}">
+                <a16:creationId xmlns:a16="http://schemas.microsoft.com/office/drawing/2014/main" id="{59F6A682-D0C2-E542-A46F-CA7193B22F15}"/>
+              </a:ext>
+            </a:extLst>
+          </p:cNvPr>
+          <p:cNvPicPr>
+            <a:picLocks noChangeAspect="1"/>
+          </p:cNvPicPr>
+          <p:nvPr/>
+        </p:nvPicPr>
+        <p:blipFill>
+          <a:blip r:embed="rId8">
+            <a:extLst>
+              <a:ext uri="{28A0092B-C50C-407E-A947-70E740481C1C}">
+                <a14:useLocalDpi xmlns:a14="http://schemas.microsoft.com/office/drawing/2010/main" val="0"/>
+              </a:ext>
+            </a:extLst>
+          </a:blip>
+          <a:stretch>
+            <a:fillRect/>
+          </a:stretch>
+        </p:blipFill>
+        <p:spPr>
+          <a:xfrm>
+            <a:off x="6320715" y="4403564"/>
+            <a:ext cx="1771400" cy="1765535"/>
+          </a:xfrm>
+          <a:prstGeom prst="rect">
+            <a:avLst/>
+          </a:prstGeom>
+        </p:spPr>
+      </p:pic>
+      <p:sp>
+        <p:nvSpPr>
+          <p:cNvPr id="3" name="Textfeld 2">
+            <a:extLst>
+              <a:ext uri="{FF2B5EF4-FFF2-40B4-BE49-F238E27FC236}">
+                <a16:creationId xmlns:a16="http://schemas.microsoft.com/office/drawing/2014/main" id="{E8C96DE3-3F43-E547-A619-17897BD88BF9}"/>
+              </a:ext>
+            </a:extLst>
+          </p:cNvPr>
+          <p:cNvSpPr txBox="1"/>
+          <p:nvPr/>
+        </p:nvSpPr>
+        <p:spPr>
+          <a:xfrm>
+            <a:off x="689887" y="6177278"/>
+            <a:ext cx="6516528" cy="215444"/>
+          </a:xfrm>
+          <a:prstGeom prst="rect">
+            <a:avLst/>
+          </a:prstGeom>
+          <a:noFill/>
+        </p:spPr>
+        <p:txBody>
+          <a:bodyPr wrap="none" rtlCol="0">
+            <a:spAutoFit/>
+          </a:bodyPr>
+          <a:lstStyle/>
+          <a:p>
+            <a:r>
+              <a:rPr lang="de-DE" sz="800" dirty="0"/>
+              <a:t>https://</a:t>
+            </a:r>
+            <a:r>
+              <a:rPr lang="de-DE" sz="800" dirty="0" err="1"/>
+              <a:t>www.researchgate.net</a:t>
+            </a:r>
+            <a:r>
+              <a:rPr lang="de-DE" sz="800" dirty="0"/>
+              <a:t>/</a:t>
+            </a:r>
+            <a:r>
+              <a:rPr lang="de-DE" sz="800" dirty="0" err="1"/>
+              <a:t>figure</a:t>
+            </a:r>
+            <a:r>
+              <a:rPr lang="de-DE" sz="800" dirty="0"/>
+              <a:t>/A-cartoon-showing-the-progress-of-the-SLIC-algorithm-for-a-simple-case-The-top-left_fig3_322652376</a:t>
+            </a:r>
+          </a:p>
+        </p:txBody>
+      </p:sp>
+    </p:spTree>
+    <p:extLst>
+      <p:ext uri="{BB962C8B-B14F-4D97-AF65-F5344CB8AC3E}">
+        <p14:creationId xmlns:p14="http://schemas.microsoft.com/office/powerpoint/2010/main" val="488085313"/>
+      </p:ext>
+    </p:extLst>
+  </p:cSld>
+  <p:clrMapOvr>
+    <a:masterClrMapping/>
+  </p:clrMapOvr>
+</p:sld>
+</file>
+
+<file path=ppt/slides/slide6.xml><?xml version="1.0" encoding="utf-8"?>
+<p:sld xmlns:a="http://schemas.openxmlformats.org/drawingml/2006/main" xmlns:r="http://schemas.openxmlformats.org/officeDocument/2006/relationships" xmlns:p="http://schemas.openxmlformats.org/presentationml/2006/main">
+  <p:cSld>
+    <p:spTree>
+      <p:nvGrpSpPr>
+        <p:cNvPr id="1" name=""/>
+        <p:cNvGrpSpPr/>
+        <p:nvPr/>
+      </p:nvGrpSpPr>
+      <p:grpSpPr>
+        <a:xfrm>
+          <a:off x="0" y="0"/>
+          <a:ext cx="0" cy="0"/>
+          <a:chOff x="0" y="0"/>
+          <a:chExt cx="0" cy="0"/>
+        </a:xfrm>
+      </p:grpSpPr>
       <p:sp>
         <p:nvSpPr>
           <p:cNvPr id="2" name="Title 1"/>
@@ -3973,146 +8282,12 @@
         </p:spPr>
         <p:txBody>
           <a:bodyPr/>
+          <a:lstStyle/>
           <a:p>
             <a:r>
               <a:rPr lang="en-US"/>
               <a:t>s2 Learning Superpixels With segmentation aware infinity loss </a:t>
             </a:r>
-            <a:endParaRPr lang="en-US"/>
-          </a:p>
-        </p:txBody>
-      </p:sp>
-      <p:sp>
-        <p:nvSpPr>
-          <p:cNvPr id="3" name="Content Placeholder 2"/>
-          <p:cNvSpPr>
-            <a:spLocks noGrp="1"/>
-          </p:cNvSpPr>
-          <p:nvPr>
-            <p:ph idx="1"/>
-          </p:nvPr>
-        </p:nvSpPr>
-        <p:spPr/>
-        <p:txBody>
-          <a:bodyPr/>
-          <a:p>
-            <a:endParaRPr lang="en-US"/>
-          </a:p>
-        </p:txBody>
-      </p:sp>
-    </p:spTree>
-  </p:cSld>
-  <p:clrMapOvr>
-    <a:masterClrMapping/>
-  </p:clrMapOvr>
-</p:sld>
-</file>
-
-<file path=ppt/slides/slide5.xml><?xml version="1.0" encoding="utf-8"?>
-<p:sld xmlns:a="http://schemas.openxmlformats.org/drawingml/2006/main" xmlns:r="http://schemas.openxmlformats.org/officeDocument/2006/relationships" xmlns:p="http://schemas.openxmlformats.org/presentationml/2006/main">
-  <p:cSld>
-    <p:spTree>
-      <p:nvGrpSpPr>
-        <p:cNvPr id="1" name=""/>
-        <p:cNvGrpSpPr/>
-        <p:nvPr/>
-      </p:nvGrpSpPr>
-      <p:grpSpPr/>
-      <p:sp>
-        <p:nvSpPr>
-          <p:cNvPr id="2" name="Title 1"/>
-          <p:cNvSpPr>
-            <a:spLocks noGrp="1"/>
-          </p:cNvSpPr>
-          <p:nvPr>
-            <p:ph type="title"/>
-          </p:nvPr>
-        </p:nvSpPr>
-        <p:spPr/>
-        <p:txBody>
-          <a:bodyPr/>
-          <a:p>
-            <a:r>
-              <a:rPr lang="en-US"/>
-              <a:t>s3 real time coarse to fine topologically preserving segmentation</a:t>
-            </a:r>
-            <a:endParaRPr lang="en-US"/>
-          </a:p>
-        </p:txBody>
-      </p:sp>
-      <p:sp>
-        <p:nvSpPr>
-          <p:cNvPr id="3" name="Content Placeholder 2"/>
-          <p:cNvSpPr>
-            <a:spLocks noGrp="1"/>
-          </p:cNvSpPr>
-          <p:nvPr>
-            <p:ph idx="1"/>
-          </p:nvPr>
-        </p:nvSpPr>
-        <p:spPr/>
-        <p:txBody>
-          <a:bodyPr/>
-          <a:p>
-            <a:endParaRPr lang="en-US"/>
-          </a:p>
-        </p:txBody>
-      </p:sp>
-    </p:spTree>
-  </p:cSld>
-  <p:clrMapOvr>
-    <a:masterClrMapping/>
-  </p:clrMapOvr>
-</p:sld>
-</file>
-
-<file path=ppt/slides/slide6.xml><?xml version="1.0" encoding="utf-8"?>
-<p:sld xmlns:a="http://schemas.openxmlformats.org/drawingml/2006/main" xmlns:r="http://schemas.openxmlformats.org/officeDocument/2006/relationships" xmlns:p="http://schemas.openxmlformats.org/presentationml/2006/main">
-  <p:cSld>
-    <p:spTree>
-      <p:nvGrpSpPr>
-        <p:cNvPr id="1" name=""/>
-        <p:cNvGrpSpPr/>
-        <p:nvPr/>
-      </p:nvGrpSpPr>
-      <p:grpSpPr/>
-      <p:sp>
-        <p:nvSpPr>
-          <p:cNvPr id="2" name="Title 1"/>
-          <p:cNvSpPr>
-            <a:spLocks noGrp="1"/>
-          </p:cNvSpPr>
-          <p:nvPr>
-            <p:ph type="title"/>
-          </p:nvPr>
-        </p:nvSpPr>
-        <p:spPr/>
-        <p:txBody>
-          <a:bodyPr/>
-          <a:p>
-            <a:r>
-              <a:rPr lang="en-US"/>
-              <a:t>m1_1 unsupervised monocular depth estimation with left right consistency</a:t>
-            </a:r>
-            <a:endParaRPr lang="en-US"/>
-          </a:p>
-        </p:txBody>
-      </p:sp>
-      <p:sp>
-        <p:nvSpPr>
-          <p:cNvPr id="3" name="Content Placeholder 2"/>
-          <p:cNvSpPr>
-            <a:spLocks noGrp="1"/>
-          </p:cNvSpPr>
-          <p:nvPr>
-            <p:ph idx="1"/>
-          </p:nvPr>
-        </p:nvSpPr>
-        <p:spPr/>
-        <p:txBody>
-          <a:bodyPr/>
-          <a:p>
-            <a:endParaRPr lang="en-US"/>
           </a:p>
         </p:txBody>
       </p:sp>
@@ -4133,7 +8308,14 @@
         <p:cNvGrpSpPr/>
         <p:nvPr/>
       </p:nvGrpSpPr>
-      <p:grpSpPr/>
+      <p:grpSpPr>
+        <a:xfrm>
+          <a:off x="0" y="0"/>
+          <a:ext cx="0" cy="0"/>
+          <a:chOff x="0" y="0"/>
+          <a:chExt cx="0" cy="0"/>
+        </a:xfrm>
+      </p:grpSpPr>
       <p:sp>
         <p:nvSpPr>
           <p:cNvPr id="2" name="Title 1"/>
@@ -4147,12 +8329,12 @@
         <p:spPr/>
         <p:txBody>
           <a:bodyPr/>
+          <a:lstStyle/>
           <a:p>
             <a:r>
               <a:rPr lang="en-US"/>
-              <a:t>m1_2 digging into self_ supervised monocular depth prediction</a:t>
-            </a:r>
-            <a:endParaRPr lang="en-US"/>
+              <a:t>s3 real time coarse to fine topologically preserving segmentation</a:t>
+            </a:r>
           </a:p>
         </p:txBody>
       </p:sp>
@@ -4169,6 +8351,7 @@
         <p:spPr/>
         <p:txBody>
           <a:bodyPr/>
+          <a:lstStyle/>
           <a:p>
             <a:endParaRPr lang="en-US"/>
           </a:p>
@@ -4191,7 +8374,14 @@
         <p:cNvGrpSpPr/>
         <p:nvPr/>
       </p:nvGrpSpPr>
-      <p:grpSpPr/>
+      <p:grpSpPr>
+        <a:xfrm>
+          <a:off x="0" y="0"/>
+          <a:ext cx="0" cy="0"/>
+          <a:chOff x="0" y="0"/>
+          <a:chExt cx="0" cy="0"/>
+        </a:xfrm>
+      </p:grpSpPr>
       <p:sp>
         <p:nvSpPr>
           <p:cNvPr id="2" name="Title 1"/>
@@ -4205,12 +8395,12 @@
         <p:spPr/>
         <p:txBody>
           <a:bodyPr/>
+          <a:lstStyle/>
           <a:p>
             <a:r>
               <a:rPr lang="en-US"/>
-              <a:t>m2_1 Unsupervised Learning of Depth and Ego-Motion from Video</a:t>
-            </a:r>
-            <a:endParaRPr lang="en-US"/>
+              <a:t>m1_1 unsupervised monocular depth estimation with left right consistency</a:t>
+            </a:r>
           </a:p>
         </p:txBody>
       </p:sp>
@@ -4227,6 +8417,73 @@
         <p:spPr/>
         <p:txBody>
           <a:bodyPr/>
+          <a:lstStyle/>
+          <a:p>
+            <a:endParaRPr lang="en-US"/>
+          </a:p>
+        </p:txBody>
+      </p:sp>
+    </p:spTree>
+  </p:cSld>
+  <p:clrMapOvr>
+    <a:masterClrMapping/>
+  </p:clrMapOvr>
+</p:sld>
+</file>
+
+<file path=ppt/slides/slide9.xml><?xml version="1.0" encoding="utf-8"?>
+<p:sld xmlns:a="http://schemas.openxmlformats.org/drawingml/2006/main" xmlns:r="http://schemas.openxmlformats.org/officeDocument/2006/relationships" xmlns:p="http://schemas.openxmlformats.org/presentationml/2006/main">
+  <p:cSld>
+    <p:spTree>
+      <p:nvGrpSpPr>
+        <p:cNvPr id="1" name=""/>
+        <p:cNvGrpSpPr/>
+        <p:nvPr/>
+      </p:nvGrpSpPr>
+      <p:grpSpPr>
+        <a:xfrm>
+          <a:off x="0" y="0"/>
+          <a:ext cx="0" cy="0"/>
+          <a:chOff x="0" y="0"/>
+          <a:chExt cx="0" cy="0"/>
+        </a:xfrm>
+      </p:grpSpPr>
+      <p:sp>
+        <p:nvSpPr>
+          <p:cNvPr id="2" name="Title 1"/>
+          <p:cNvSpPr>
+            <a:spLocks noGrp="1"/>
+          </p:cNvSpPr>
+          <p:nvPr>
+            <p:ph type="title"/>
+          </p:nvPr>
+        </p:nvSpPr>
+        <p:spPr/>
+        <p:txBody>
+          <a:bodyPr/>
+          <a:lstStyle/>
+          <a:p>
+            <a:r>
+              <a:rPr lang="en-US"/>
+              <a:t>m1_2 digging into self_ supervised monocular depth prediction</a:t>
+            </a:r>
+          </a:p>
+        </p:txBody>
+      </p:sp>
+      <p:sp>
+        <p:nvSpPr>
+          <p:cNvPr id="3" name="Content Placeholder 2"/>
+          <p:cNvSpPr>
+            <a:spLocks noGrp="1"/>
+          </p:cNvSpPr>
+          <p:nvPr>
+            <p:ph idx="1"/>
+          </p:nvPr>
+        </p:nvSpPr>
+        <p:spPr/>
+        <p:txBody>
+          <a:bodyPr/>
+          <a:lstStyle/>
           <a:p>
             <a:endParaRPr lang="en-US"/>
           </a:p>
@@ -4460,6 +8717,7 @@
       </a:bgFillStyleLst>
     </a:fmtScheme>
   </a:themeElements>
+  <a:objectDefaults/>
   <a:extraClrSchemeLst>
     <a:extraClrScheme>
       <a:clrScheme name="v1_TUD_Präsentation_rot 1">
@@ -5240,6 +9498,8 @@
       </a:bgFillStyleLst>
     </a:fmtScheme>
   </a:themeElements>
+  <a:objectDefaults/>
+  <a:extraClrSchemeLst/>
   <a:extLst>
     <a:ext uri="{05A4C25C-085E-4340-85A3-A5531E510DB2}">
       <thm15:themeFamily xmlns:thm15="http://schemas.microsoft.com/office/thememl/2012/main" name="Office Theme" id="{62F939B6-93AF-4DB8-9C6B-D6C7DFDC589F}" vid="{4A3C46E8-61CC-4603-A589-7422A47A8E4A}"/>
@@ -5526,6 +9786,8 @@
       </a:bgFillStyleLst>
     </a:fmtScheme>
   </a:themeElements>
+  <a:objectDefaults/>
+  <a:extraClrSchemeLst/>
   <a:extLst>
     <a:ext uri="{05A4C25C-085E-4340-85A3-A5531E510DB2}">
       <thm15:themeFamily xmlns:thm15="http://schemas.microsoft.com/office/thememl/2012/main" name="Office Theme" id="{62F939B6-93AF-4DB8-9C6B-D6C7DFDC589F}" vid="{4A3C46E8-61CC-4603-A589-7422A47A8E4A}"/>
